--- a/Prezentare Imobiliare.pptx
+++ b/Prezentare Imobiliare.pptx
@@ -113,6 +113,22 @@
       </a:defRPr>
     </a:lvl9pPr>
   </p:defaultTextStyle>
+  <p:extLst>
+    <p:ext uri="{EFAFB233-063F-42B5-8137-9DF3F51BA10A}">
+      <p15:sldGuideLst xmlns:p15="http://schemas.microsoft.com/office/powerpoint/2012/main">
+        <p15:guide id="1" orient="horz" pos="2160">
+          <p15:clr>
+            <a:srgbClr val="A4A3A4"/>
+          </p15:clr>
+        </p15:guide>
+        <p15:guide id="2" pos="2880">
+          <p15:clr>
+            <a:srgbClr val="A4A3A4"/>
+          </p15:clr>
+        </p15:guide>
+      </p15:sldGuideLst>
+    </p:ext>
+  </p:extLst>
 </p:presentation>
 </file>
 
@@ -160,7 +176,7 @@
           </a:lstStyle>
           <a:p>
             <a:r>
-              <a:rPr lang="en-US" smtClean="0"/>
+              <a:rPr lang="en-US"/>
               <a:t>Click to edit Master title style</a:t>
             </a:r>
             <a:endParaRPr lang="en-US" dirty="0"/>
@@ -280,7 +296,7 @@
           </a:lstStyle>
           <a:p>
             <a:r>
-              <a:rPr lang="en-US" smtClean="0"/>
+              <a:rPr lang="en-US"/>
               <a:t>Click to edit Master subtitle style</a:t>
             </a:r>
             <a:endParaRPr lang="en-US" dirty="0"/>
@@ -305,7 +321,7 @@
             <a:fld id="{1D8BD707-D9CF-40AE-B4C6-C98DA3205C09}" type="datetimeFigureOut">
               <a:rPr lang="en-US" smtClean="0"/>
               <a:pPr/>
-              <a:t>3/10/2020</a:t>
+              <a:t>10/03/2020</a:t>
             </a:fld>
             <a:endParaRPr lang="en-US"/>
           </a:p>
@@ -430,10 +446,9 @@
           <a:lstStyle/>
           <a:p>
             <a:r>
-              <a:rPr lang="en-US" smtClean="0"/>
+              <a:rPr lang="en-US"/>
               <a:t>Click to edit Master title style</a:t>
             </a:r>
-            <a:endParaRPr lang="en-US"/>
           </a:p>
         </p:txBody>
       </p:sp>
@@ -454,38 +469,37 @@
           <a:p>
             <a:pPr lvl="0"/>
             <a:r>
-              <a:rPr lang="en-US" smtClean="0"/>
+              <a:rPr lang="en-US"/>
               <a:t>Click to edit Master text styles</a:t>
             </a:r>
           </a:p>
           <a:p>
             <a:pPr lvl="1"/>
             <a:r>
-              <a:rPr lang="en-US" smtClean="0"/>
+              <a:rPr lang="en-US"/>
               <a:t>Second level</a:t>
             </a:r>
           </a:p>
           <a:p>
             <a:pPr lvl="2"/>
             <a:r>
-              <a:rPr lang="en-US" smtClean="0"/>
+              <a:rPr lang="en-US"/>
               <a:t>Third level</a:t>
             </a:r>
           </a:p>
           <a:p>
             <a:pPr lvl="3"/>
             <a:r>
-              <a:rPr lang="en-US" smtClean="0"/>
+              <a:rPr lang="en-US"/>
               <a:t>Fourth level</a:t>
             </a:r>
           </a:p>
           <a:p>
             <a:pPr lvl="4"/>
             <a:r>
-              <a:rPr lang="en-US" smtClean="0"/>
+              <a:rPr lang="en-US"/>
               <a:t>Fifth level</a:t>
             </a:r>
-            <a:endParaRPr lang="en-US"/>
           </a:p>
         </p:txBody>
       </p:sp>
@@ -507,7 +521,7 @@
             <a:fld id="{1D8BD707-D9CF-40AE-B4C6-C98DA3205C09}" type="datetimeFigureOut">
               <a:rPr lang="en-US" smtClean="0"/>
               <a:pPr/>
-              <a:t>3/10/2020</a:t>
+              <a:t>10/03/2020</a:t>
             </a:fld>
             <a:endParaRPr lang="en-US"/>
           </a:p>
@@ -602,7 +616,7 @@
           <a:lstStyle/>
           <a:p>
             <a:r>
-              <a:rPr lang="en-US" smtClean="0"/>
+              <a:rPr lang="en-US"/>
               <a:t>Click to edit Master title style</a:t>
             </a:r>
             <a:endParaRPr lang="en-US" dirty="0"/>
@@ -631,35 +645,35 @@
           <a:p>
             <a:pPr lvl="0"/>
             <a:r>
-              <a:rPr lang="en-US" smtClean="0"/>
+              <a:rPr lang="en-US"/>
               <a:t>Click to edit Master text styles</a:t>
             </a:r>
           </a:p>
           <a:p>
             <a:pPr lvl="1"/>
             <a:r>
-              <a:rPr lang="en-US" smtClean="0"/>
+              <a:rPr lang="en-US"/>
               <a:t>Second level</a:t>
             </a:r>
           </a:p>
           <a:p>
             <a:pPr lvl="2"/>
             <a:r>
-              <a:rPr lang="en-US" smtClean="0"/>
+              <a:rPr lang="en-US"/>
               <a:t>Third level</a:t>
             </a:r>
           </a:p>
           <a:p>
             <a:pPr lvl="3"/>
             <a:r>
-              <a:rPr lang="en-US" smtClean="0"/>
+              <a:rPr lang="en-US"/>
               <a:t>Fourth level</a:t>
             </a:r>
           </a:p>
           <a:p>
             <a:pPr lvl="4"/>
             <a:r>
-              <a:rPr lang="en-US" smtClean="0"/>
+              <a:rPr lang="en-US"/>
               <a:t>Fifth level</a:t>
             </a:r>
             <a:endParaRPr lang="en-US" dirty="0"/>
@@ -684,7 +698,7 @@
             <a:fld id="{1D8BD707-D9CF-40AE-B4C6-C98DA3205C09}" type="datetimeFigureOut">
               <a:rPr lang="en-US" smtClean="0"/>
               <a:pPr/>
-              <a:t>3/10/2020</a:t>
+              <a:t>10/03/2020</a:t>
             </a:fld>
             <a:endParaRPr lang="en-US"/>
           </a:p>
@@ -774,10 +788,9 @@
           <a:lstStyle/>
           <a:p>
             <a:r>
-              <a:rPr lang="en-US" smtClean="0"/>
+              <a:rPr lang="en-US"/>
               <a:t>Click to edit Master title style</a:t>
             </a:r>
-            <a:endParaRPr lang="en-US"/>
           </a:p>
         </p:txBody>
       </p:sp>
@@ -798,38 +811,37 @@
           <a:p>
             <a:pPr lvl="0"/>
             <a:r>
-              <a:rPr lang="en-US" smtClean="0"/>
+              <a:rPr lang="en-US"/>
               <a:t>Click to edit Master text styles</a:t>
             </a:r>
           </a:p>
           <a:p>
             <a:pPr lvl="1"/>
             <a:r>
-              <a:rPr lang="en-US" smtClean="0"/>
+              <a:rPr lang="en-US"/>
               <a:t>Second level</a:t>
             </a:r>
           </a:p>
           <a:p>
             <a:pPr lvl="2"/>
             <a:r>
-              <a:rPr lang="en-US" smtClean="0"/>
+              <a:rPr lang="en-US"/>
               <a:t>Third level</a:t>
             </a:r>
           </a:p>
           <a:p>
             <a:pPr lvl="3"/>
             <a:r>
-              <a:rPr lang="en-US" smtClean="0"/>
+              <a:rPr lang="en-US"/>
               <a:t>Fourth level</a:t>
             </a:r>
           </a:p>
           <a:p>
             <a:pPr lvl="4"/>
             <a:r>
-              <a:rPr lang="en-US" smtClean="0"/>
+              <a:rPr lang="en-US"/>
               <a:t>Fifth level</a:t>
             </a:r>
-            <a:endParaRPr lang="en-US"/>
           </a:p>
         </p:txBody>
       </p:sp>
@@ -851,7 +863,7 @@
             <a:fld id="{1D8BD707-D9CF-40AE-B4C6-C98DA3205C09}" type="datetimeFigureOut">
               <a:rPr lang="en-US" smtClean="0"/>
               <a:pPr/>
-              <a:t>3/10/2020</a:t>
+              <a:t>10/03/2020</a:t>
             </a:fld>
             <a:endParaRPr lang="en-US"/>
           </a:p>
@@ -957,7 +969,7 @@
           </a:lstStyle>
           <a:p>
             <a:r>
-              <a:rPr lang="en-US" smtClean="0"/>
+              <a:rPr lang="en-US"/>
               <a:t>Click to edit Master title style</a:t>
             </a:r>
             <a:endParaRPr lang="en-US" dirty="0"/>
@@ -1077,7 +1089,7 @@
           <a:p>
             <a:pPr lvl="0"/>
             <a:r>
-              <a:rPr lang="en-US" smtClean="0"/>
+              <a:rPr lang="en-US"/>
               <a:t>Click to edit Master text styles</a:t>
             </a:r>
           </a:p>
@@ -1101,7 +1113,7 @@
             <a:fld id="{1D8BD707-D9CF-40AE-B4C6-C98DA3205C09}" type="datetimeFigureOut">
               <a:rPr lang="en-US" smtClean="0"/>
               <a:pPr/>
-              <a:t>3/10/2020</a:t>
+              <a:t>10/03/2020</a:t>
             </a:fld>
             <a:endParaRPr lang="en-US"/>
           </a:p>
@@ -1226,10 +1238,9 @@
           <a:lstStyle/>
           <a:p>
             <a:r>
-              <a:rPr lang="en-US" smtClean="0"/>
+              <a:rPr lang="en-US"/>
               <a:t>Click to edit Master title style</a:t>
             </a:r>
-            <a:endParaRPr lang="en-US"/>
           </a:p>
         </p:txBody>
       </p:sp>
@@ -1283,35 +1294,35 @@
           <a:p>
             <a:pPr lvl="0"/>
             <a:r>
-              <a:rPr lang="en-US" smtClean="0"/>
+              <a:rPr lang="en-US"/>
               <a:t>Click to edit Master text styles</a:t>
             </a:r>
           </a:p>
           <a:p>
             <a:pPr lvl="1"/>
             <a:r>
-              <a:rPr lang="en-US" smtClean="0"/>
+              <a:rPr lang="en-US"/>
               <a:t>Second level</a:t>
             </a:r>
           </a:p>
           <a:p>
             <a:pPr lvl="2"/>
             <a:r>
-              <a:rPr lang="en-US" smtClean="0"/>
+              <a:rPr lang="en-US"/>
               <a:t>Third level</a:t>
             </a:r>
           </a:p>
           <a:p>
             <a:pPr lvl="3"/>
             <a:r>
-              <a:rPr lang="en-US" smtClean="0"/>
+              <a:rPr lang="en-US"/>
               <a:t>Fourth level</a:t>
             </a:r>
           </a:p>
           <a:p>
             <a:pPr lvl="4"/>
             <a:r>
-              <a:rPr lang="en-US" smtClean="0"/>
+              <a:rPr lang="en-US"/>
               <a:t>Fifth level</a:t>
             </a:r>
             <a:endParaRPr lang="en-US" dirty="0"/>
@@ -1368,35 +1379,35 @@
           <a:p>
             <a:pPr lvl="0"/>
             <a:r>
-              <a:rPr lang="en-US" smtClean="0"/>
+              <a:rPr lang="en-US"/>
               <a:t>Click to edit Master text styles</a:t>
             </a:r>
           </a:p>
           <a:p>
             <a:pPr lvl="1"/>
             <a:r>
-              <a:rPr lang="en-US" smtClean="0"/>
+              <a:rPr lang="en-US"/>
               <a:t>Second level</a:t>
             </a:r>
           </a:p>
           <a:p>
             <a:pPr lvl="2"/>
             <a:r>
-              <a:rPr lang="en-US" smtClean="0"/>
+              <a:rPr lang="en-US"/>
               <a:t>Third level</a:t>
             </a:r>
           </a:p>
           <a:p>
             <a:pPr lvl="3"/>
             <a:r>
-              <a:rPr lang="en-US" smtClean="0"/>
+              <a:rPr lang="en-US"/>
               <a:t>Fourth level</a:t>
             </a:r>
           </a:p>
           <a:p>
             <a:pPr lvl="4"/>
             <a:r>
-              <a:rPr lang="en-US" smtClean="0"/>
+              <a:rPr lang="en-US"/>
               <a:t>Fifth level</a:t>
             </a:r>
             <a:endParaRPr lang="en-US" dirty="0"/>
@@ -1421,7 +1432,7 @@
             <a:fld id="{1D8BD707-D9CF-40AE-B4C6-C98DA3205C09}" type="datetimeFigureOut">
               <a:rPr lang="en-US" smtClean="0"/>
               <a:pPr/>
-              <a:t>3/10/2020</a:t>
+              <a:t>10/03/2020</a:t>
             </a:fld>
             <a:endParaRPr lang="en-US"/>
           </a:p>
@@ -1515,7 +1526,7 @@
           </a:lstStyle>
           <a:p>
             <a:r>
-              <a:rPr lang="en-US" smtClean="0"/>
+              <a:rPr lang="en-US"/>
               <a:t>Click to edit Master title style</a:t>
             </a:r>
             <a:endParaRPr lang="en-US" dirty="0"/>
@@ -1604,7 +1615,7 @@
           <a:p>
             <a:pPr lvl="0"/>
             <a:r>
-              <a:rPr lang="en-US" smtClean="0"/>
+              <a:rPr lang="en-US"/>
               <a:t>Click to edit Master text styles</a:t>
             </a:r>
           </a:p>
@@ -1660,35 +1671,35 @@
           <a:p>
             <a:pPr lvl="0"/>
             <a:r>
-              <a:rPr lang="en-US" smtClean="0"/>
+              <a:rPr lang="en-US"/>
               <a:t>Click to edit Master text styles</a:t>
             </a:r>
           </a:p>
           <a:p>
             <a:pPr lvl="1"/>
             <a:r>
-              <a:rPr lang="en-US" smtClean="0"/>
+              <a:rPr lang="en-US"/>
               <a:t>Second level</a:t>
             </a:r>
           </a:p>
           <a:p>
             <a:pPr lvl="2"/>
             <a:r>
-              <a:rPr lang="en-US" smtClean="0"/>
+              <a:rPr lang="en-US"/>
               <a:t>Third level</a:t>
             </a:r>
           </a:p>
           <a:p>
             <a:pPr lvl="3"/>
             <a:r>
-              <a:rPr lang="en-US" smtClean="0"/>
+              <a:rPr lang="en-US"/>
               <a:t>Fourth level</a:t>
             </a:r>
           </a:p>
           <a:p>
             <a:pPr lvl="4"/>
             <a:r>
-              <a:rPr lang="en-US" smtClean="0"/>
+              <a:rPr lang="en-US"/>
               <a:t>Fifth level</a:t>
             </a:r>
             <a:endParaRPr lang="en-US" dirty="0"/>
@@ -1780,7 +1791,7 @@
           <a:p>
             <a:pPr lvl="0"/>
             <a:r>
-              <a:rPr lang="en-US" smtClean="0"/>
+              <a:rPr lang="en-US"/>
               <a:t>Click to edit Master text styles</a:t>
             </a:r>
           </a:p>
@@ -1836,35 +1847,35 @@
           <a:p>
             <a:pPr lvl="0"/>
             <a:r>
-              <a:rPr lang="en-US" smtClean="0"/>
+              <a:rPr lang="en-US"/>
               <a:t>Click to edit Master text styles</a:t>
             </a:r>
           </a:p>
           <a:p>
             <a:pPr lvl="1"/>
             <a:r>
-              <a:rPr lang="en-US" smtClean="0"/>
+              <a:rPr lang="en-US"/>
               <a:t>Second level</a:t>
             </a:r>
           </a:p>
           <a:p>
             <a:pPr lvl="2"/>
             <a:r>
-              <a:rPr lang="en-US" smtClean="0"/>
+              <a:rPr lang="en-US"/>
               <a:t>Third level</a:t>
             </a:r>
           </a:p>
           <a:p>
             <a:pPr lvl="3"/>
             <a:r>
-              <a:rPr lang="en-US" smtClean="0"/>
+              <a:rPr lang="en-US"/>
               <a:t>Fourth level</a:t>
             </a:r>
           </a:p>
           <a:p>
             <a:pPr lvl="4"/>
             <a:r>
-              <a:rPr lang="en-US" smtClean="0"/>
+              <a:rPr lang="en-US"/>
               <a:t>Fifth level</a:t>
             </a:r>
             <a:endParaRPr lang="en-US" dirty="0"/>
@@ -1889,7 +1900,7 @@
             <a:fld id="{1D8BD707-D9CF-40AE-B4C6-C98DA3205C09}" type="datetimeFigureOut">
               <a:rPr lang="en-US" smtClean="0"/>
               <a:pPr/>
-              <a:t>3/10/2020</a:t>
+              <a:t>10/03/2020</a:t>
             </a:fld>
             <a:endParaRPr lang="en-US"/>
           </a:p>
@@ -2014,10 +2025,9 @@
           <a:lstStyle/>
           <a:p>
             <a:r>
-              <a:rPr lang="en-US" smtClean="0"/>
+              <a:rPr lang="en-US"/>
               <a:t>Click to edit Master title style</a:t>
             </a:r>
-            <a:endParaRPr lang="en-US"/>
           </a:p>
         </p:txBody>
       </p:sp>
@@ -2039,7 +2049,7 @@
             <a:fld id="{1D8BD707-D9CF-40AE-B4C6-C98DA3205C09}" type="datetimeFigureOut">
               <a:rPr lang="en-US" smtClean="0"/>
               <a:pPr/>
-              <a:t>3/10/2020</a:t>
+              <a:t>10/03/2020</a:t>
             </a:fld>
             <a:endParaRPr lang="en-US"/>
           </a:p>
@@ -2131,7 +2141,7 @@
             <a:fld id="{1D8BD707-D9CF-40AE-B4C6-C98DA3205C09}" type="datetimeFigureOut">
               <a:rPr lang="en-US" smtClean="0"/>
               <a:pPr/>
-              <a:t>3/10/2020</a:t>
+              <a:t>10/03/2020</a:t>
             </a:fld>
             <a:endParaRPr lang="en-US"/>
           </a:p>
@@ -2232,7 +2242,7 @@
           </a:lstStyle>
           <a:p>
             <a:r>
-              <a:rPr lang="en-US" smtClean="0"/>
+              <a:rPr lang="en-US"/>
               <a:t>Click to edit Master title style</a:t>
             </a:r>
             <a:endParaRPr lang="en-US" dirty="0"/>
@@ -2289,35 +2299,35 @@
           <a:p>
             <a:pPr lvl="0"/>
             <a:r>
-              <a:rPr lang="en-US" smtClean="0"/>
+              <a:rPr lang="en-US"/>
               <a:t>Click to edit Master text styles</a:t>
             </a:r>
           </a:p>
           <a:p>
             <a:pPr lvl="1"/>
             <a:r>
-              <a:rPr lang="en-US" smtClean="0"/>
+              <a:rPr lang="en-US"/>
               <a:t>Second level</a:t>
             </a:r>
           </a:p>
           <a:p>
             <a:pPr lvl="2"/>
             <a:r>
-              <a:rPr lang="en-US" smtClean="0"/>
+              <a:rPr lang="en-US"/>
               <a:t>Third level</a:t>
             </a:r>
           </a:p>
           <a:p>
             <a:pPr lvl="3"/>
             <a:r>
-              <a:rPr lang="en-US" smtClean="0"/>
+              <a:rPr lang="en-US"/>
               <a:t>Fourth level</a:t>
             </a:r>
           </a:p>
           <a:p>
             <a:pPr lvl="4"/>
             <a:r>
-              <a:rPr lang="en-US" smtClean="0"/>
+              <a:rPr lang="en-US"/>
               <a:t>Fifth level</a:t>
             </a:r>
             <a:endParaRPr lang="en-US" dirty="0"/>
@@ -2383,7 +2393,7 @@
           <a:p>
             <a:pPr lvl="0"/>
             <a:r>
-              <a:rPr lang="en-US" smtClean="0"/>
+              <a:rPr lang="en-US"/>
               <a:t>Click to edit Master text styles</a:t>
             </a:r>
           </a:p>
@@ -2407,7 +2417,7 @@
             <a:fld id="{1D8BD707-D9CF-40AE-B4C6-C98DA3205C09}" type="datetimeFigureOut">
               <a:rPr lang="en-US" smtClean="0"/>
               <a:pPr/>
-              <a:t>3/10/2020</a:t>
+              <a:t>10/03/2020</a:t>
             </a:fld>
             <a:endParaRPr lang="en-US"/>
           </a:p>
@@ -2543,7 +2553,7 @@
           </a:lstStyle>
           <a:p>
             <a:r>
-              <a:rPr lang="en-US" smtClean="0"/>
+              <a:rPr lang="en-US"/>
               <a:t>Click to edit Master title style</a:t>
             </a:r>
             <a:endParaRPr lang="en-US" dirty="0"/>
@@ -2624,7 +2634,7 @@
           </a:lstStyle>
           <a:p>
             <a:r>
-              <a:rPr lang="en-US" smtClean="0"/>
+              <a:rPr lang="en-US"/>
               <a:t>Click icon to add picture</a:t>
             </a:r>
             <a:endParaRPr lang="en-US" dirty="0"/>
@@ -2690,7 +2700,7 @@
           <a:p>
             <a:pPr lvl="0"/>
             <a:r>
-              <a:rPr lang="en-US" smtClean="0"/>
+              <a:rPr lang="en-US"/>
               <a:t>Click to edit Master text styles</a:t>
             </a:r>
           </a:p>
@@ -2714,7 +2724,7 @@
             <a:fld id="{1D8BD707-D9CF-40AE-B4C6-C98DA3205C09}" type="datetimeFigureOut">
               <a:rPr lang="en-US" smtClean="0"/>
               <a:pPr/>
-              <a:t>3/10/2020</a:t>
+              <a:t>10/03/2020</a:t>
             </a:fld>
             <a:endParaRPr lang="en-US"/>
           </a:p>
@@ -2865,7 +2875,7 @@
           <a:lstStyle/>
           <a:p>
             <a:r>
-              <a:rPr lang="en-US" smtClean="0"/>
+              <a:rPr lang="en-US"/>
               <a:t>Click to edit Master title style</a:t>
             </a:r>
             <a:endParaRPr lang="en-US" dirty="0"/>
@@ -2899,35 +2909,35 @@
           <a:p>
             <a:pPr lvl="0"/>
             <a:r>
-              <a:rPr lang="en-US" smtClean="0"/>
+              <a:rPr lang="en-US"/>
               <a:t>Click to edit Master text styles</a:t>
             </a:r>
           </a:p>
           <a:p>
             <a:pPr lvl="1"/>
             <a:r>
-              <a:rPr lang="en-US" smtClean="0"/>
+              <a:rPr lang="en-US"/>
               <a:t>Second level</a:t>
             </a:r>
           </a:p>
           <a:p>
             <a:pPr lvl="2"/>
             <a:r>
-              <a:rPr lang="en-US" smtClean="0"/>
+              <a:rPr lang="en-US"/>
               <a:t>Third level</a:t>
             </a:r>
           </a:p>
           <a:p>
             <a:pPr lvl="3"/>
             <a:r>
-              <a:rPr lang="en-US" smtClean="0"/>
+              <a:rPr lang="en-US"/>
               <a:t>Fourth level</a:t>
             </a:r>
           </a:p>
           <a:p>
             <a:pPr lvl="4"/>
             <a:r>
-              <a:rPr lang="en-US" smtClean="0"/>
+              <a:rPr lang="en-US"/>
               <a:t>Fifth level</a:t>
             </a:r>
             <a:endParaRPr lang="en-US" dirty="0"/>
@@ -3014,7 +3024,7 @@
             <a:fld id="{1D8BD707-D9CF-40AE-B4C6-C98DA3205C09}" type="datetimeFigureOut">
               <a:rPr lang="en-US" smtClean="0"/>
               <a:pPr/>
-              <a:t>3/10/2020</a:t>
+              <a:t>10/03/2020</a:t>
             </a:fld>
             <a:endParaRPr lang="en-US"/>
           </a:p>
@@ -3424,7 +3434,7 @@
         </p:nvSpPr>
         <p:spPr>
           <a:xfrm>
-            <a:off x="685800" y="2209800"/>
+            <a:off x="647700" y="2339975"/>
             <a:ext cx="7848600" cy="1089025"/>
           </a:xfrm>
         </p:spPr>
@@ -3435,45 +3445,48 @@
           <a:lstStyle/>
           <a:p>
             <a:r>
-              <a:rPr lang="en-US" b="1" dirty="0" err="1" smtClean="0"/>
-              <a:t>Platforma</a:t>
-            </a:r>
-            <a:r>
-              <a:rPr lang="en-US" b="1" dirty="0" smtClean="0"/>
-              <a:t> </a:t>
-            </a:r>
-            <a:r>
-              <a:rPr lang="en-US" b="1" dirty="0" err="1" smtClean="0"/>
+              <a:rPr lang="en-US" b="1" dirty="0"/>
+              <a:t>Platform</a:t>
+            </a:r>
+            <a:r>
+              <a:rPr lang="ro-RO" b="1" dirty="0"/>
+              <a:t>ă</a:t>
+            </a:r>
+            <a:r>
+              <a:rPr lang="en-US" b="1" dirty="0"/>
+              <a:t> </a:t>
+            </a:r>
+            <a:r>
+              <a:rPr lang="en-US" b="1" dirty="0" err="1"/>
               <a:t>imobiliare</a:t>
             </a:r>
-            <a:r>
-              <a:rPr lang="en-US" dirty="0" smtClean="0"/>
-              <a:t/>
-            </a:r>
             <a:br>
-              <a:rPr lang="en-US" dirty="0" smtClean="0"/>
+              <a:rPr lang="en-US" dirty="0"/>
             </a:br>
             <a:r>
-              <a:rPr lang="en-US" sz="1600" dirty="0" smtClean="0"/>
+              <a:rPr lang="en-US" sz="1600" dirty="0"/>
               <a:t>(</a:t>
             </a:r>
             <a:r>
-              <a:rPr lang="en-US" sz="1600" dirty="0" err="1" smtClean="0"/>
+              <a:rPr lang="en-US" sz="1600" dirty="0" err="1"/>
               <a:t>Proiect</a:t>
             </a:r>
             <a:r>
-              <a:rPr lang="en-US" sz="1600" dirty="0" smtClean="0"/>
-              <a:t> </a:t>
-            </a:r>
-            <a:r>
-              <a:rPr lang="en-US" sz="1600" dirty="0" err="1" smtClean="0"/>
-              <a:t>Interactione</a:t>
-            </a:r>
-            <a:r>
-              <a:rPr lang="en-US" sz="1600" dirty="0" smtClean="0"/>
-              <a:t> Om-Calculator)</a:t>
-            </a:r>
-            <a:endParaRPr lang="en-US" sz="1600" dirty="0"/>
+              <a:rPr lang="en-US" sz="1600" dirty="0"/>
+              <a:t> </a:t>
+            </a:r>
+            <a:r>
+              <a:rPr lang="en-US" sz="1600" dirty="0" err="1"/>
+              <a:t>Interac</a:t>
+            </a:r>
+            <a:r>
+              <a:rPr lang="ro-RO" sz="1600" dirty="0"/>
+              <a:t>țiu</a:t>
+            </a:r>
+            <a:r>
+              <a:rPr lang="en-US" sz="1600" dirty="0"/>
+              <a:t>ne Om-Calculator)</a:t>
+            </a:r>
           </a:p>
         </p:txBody>
       </p:sp>
@@ -3501,7 +3514,7 @@
           <a:p>
             <a:pPr algn="l"/>
             <a:r>
-              <a:rPr lang="en-US" sz="1400" b="1" dirty="0" err="1" smtClean="0">
+              <a:rPr lang="en-US" sz="1400" b="1" dirty="0" err="1">
                 <a:solidFill>
                   <a:schemeClr val="tx1"/>
                 </a:solidFill>
@@ -3509,7 +3522,7 @@
               <a:t>Grupa</a:t>
             </a:r>
             <a:r>
-              <a:rPr lang="en-US" sz="1400" b="1" dirty="0" smtClean="0">
+              <a:rPr lang="en-US" sz="1400" b="1" dirty="0">
                 <a:solidFill>
                   <a:schemeClr val="tx1"/>
                 </a:solidFill>
@@ -3520,20 +3533,28 @@
           <a:p>
             <a:pPr algn="l"/>
             <a:r>
-              <a:rPr lang="en-US" sz="1400" b="1" dirty="0" err="1" smtClean="0">
+              <a:rPr lang="en-US" sz="1400" b="1" dirty="0" err="1">
                 <a:solidFill>
                   <a:schemeClr val="tx1"/>
                 </a:solidFill>
               </a:rPr>
-              <a:t>Studenti</a:t>
-            </a:r>
-            <a:r>
-              <a:rPr lang="en-US" sz="1400" b="1" dirty="0" smtClean="0">
+              <a:t>Studen</a:t>
+            </a:r>
+            <a:r>
+              <a:rPr lang="ro-RO" sz="1400" b="1" dirty="0">
                 <a:solidFill>
                   <a:schemeClr val="tx1"/>
                 </a:solidFill>
               </a:rPr>
-              <a:t>:</a:t>
+              <a:t>ț</a:t>
+            </a:r>
+            <a:r>
+              <a:rPr lang="en-US" sz="1400" b="1" dirty="0">
+                <a:solidFill>
+                  <a:schemeClr val="tx1"/>
+                </a:solidFill>
+              </a:rPr>
+              <a:t>i:</a:t>
             </a:r>
           </a:p>
           <a:p>
@@ -3542,7 +3563,7 @@
               <a:buChar char="•"/>
             </a:pPr>
             <a:r>
-              <a:rPr lang="en-US" sz="1400" dirty="0" err="1" smtClean="0">
+              <a:rPr lang="en-US" sz="1400" dirty="0" err="1">
                 <a:solidFill>
                   <a:schemeClr val="tx1"/>
                 </a:solidFill>
@@ -3550,7 +3571,7 @@
               <a:t>Daia</a:t>
             </a:r>
             <a:r>
-              <a:rPr lang="en-US" sz="1400" dirty="0" smtClean="0">
+              <a:rPr lang="en-US" sz="1400" dirty="0">
                 <a:solidFill>
                   <a:schemeClr val="tx1"/>
                 </a:solidFill>
@@ -3564,30 +3585,38 @@
               <a:buChar char="•"/>
             </a:pPr>
             <a:r>
-              <a:rPr lang="en-US" sz="1400" dirty="0" err="1" smtClean="0">
+              <a:rPr lang="en-US" sz="1400" dirty="0" err="1">
                 <a:solidFill>
                   <a:schemeClr val="tx1"/>
                 </a:solidFill>
               </a:rPr>
-              <a:t>Chirita</a:t>
-            </a:r>
-            <a:r>
-              <a:rPr lang="en-US" sz="1400" dirty="0" smtClean="0">
+              <a:t>Chiri</a:t>
+            </a:r>
+            <a:r>
+              <a:rPr lang="ro-RO" sz="1400" dirty="0">
                 <a:solidFill>
                   <a:schemeClr val="tx1"/>
                 </a:solidFill>
               </a:rPr>
-              <a:t> </a:t>
-            </a:r>
-            <a:r>
-              <a:rPr lang="en-US" sz="1400" dirty="0" err="1" smtClean="0">
+              <a:t>ță</a:t>
+            </a:r>
+            <a:r>
+              <a:rPr lang="en-US" sz="1400" dirty="0">
+                <a:solidFill>
+                  <a:schemeClr val="tx1"/>
+                </a:solidFill>
+              </a:rPr>
+              <a:t> </a:t>
+            </a:r>
+            <a:r>
+              <a:rPr lang="en-US" sz="1400" dirty="0" err="1">
                 <a:solidFill>
                   <a:schemeClr val="tx1"/>
                 </a:solidFill>
               </a:rPr>
               <a:t>Alexandru</a:t>
             </a:r>
-            <a:endParaRPr lang="en-US" sz="1400" dirty="0" smtClean="0">
+            <a:endParaRPr lang="en-US" sz="1400" dirty="0">
               <a:solidFill>
                 <a:schemeClr val="tx1"/>
               </a:solidFill>
@@ -3599,7 +3628,7 @@
               <a:buChar char="•"/>
             </a:pPr>
             <a:r>
-              <a:rPr lang="en-US" sz="1400" dirty="0" err="1" smtClean="0">
+              <a:rPr lang="en-US" sz="1400" dirty="0" err="1">
                 <a:solidFill>
                   <a:schemeClr val="tx1"/>
                 </a:solidFill>
@@ -3607,18 +3636,13 @@
               <a:t>Petre</a:t>
             </a:r>
             <a:r>
-              <a:rPr lang="en-US" sz="1400" dirty="0" smtClean="0">
+              <a:rPr lang="en-US" sz="1400" dirty="0">
                 <a:solidFill>
                   <a:schemeClr val="tx1"/>
                 </a:solidFill>
               </a:rPr>
               <a:t> Octavian</a:t>
             </a:r>
-            <a:endParaRPr lang="en-US" sz="1400" dirty="0">
-              <a:solidFill>
-                <a:schemeClr val="tx1"/>
-              </a:solidFill>
-            </a:endParaRPr>
           </a:p>
         </p:txBody>
       </p:sp>
@@ -3673,13 +3697,6 @@
   <p:clrMapOvr>
     <a:masterClrMapping/>
   </p:clrMapOvr>
-  <p:timing>
-    <p:tnLst>
-      <p:par>
-        <p:cTn id="1" dur="indefinite" restart="never" nodeType="tmRoot"/>
-      </p:par>
-    </p:tnLst>
-  </p:timing>
 </p:sld>
 </file>
 
@@ -3718,32 +3735,40 @@
           <a:lstStyle/>
           <a:p>
             <a:r>
-              <a:rPr lang="en-US" dirty="0" err="1" smtClean="0"/>
+              <a:rPr lang="en-US" dirty="0" err="1"/>
               <a:t>Prototip</a:t>
             </a:r>
             <a:r>
-              <a:rPr lang="en-US" dirty="0" smtClean="0"/>
-              <a:t> </a:t>
-            </a:r>
-            <a:r>
-              <a:rPr lang="en-US" dirty="0" err="1" smtClean="0"/>
+              <a:rPr lang="en-US" dirty="0"/>
+              <a:t> </a:t>
+            </a:r>
+            <a:r>
+              <a:rPr lang="en-US" dirty="0" err="1"/>
               <a:t>pentru</a:t>
             </a:r>
             <a:r>
-              <a:rPr lang="en-US" dirty="0" smtClean="0"/>
-              <a:t> </a:t>
-            </a:r>
-            <a:r>
-              <a:rPr lang="en-US" dirty="0" err="1" smtClean="0"/>
+              <a:rPr lang="en-US" dirty="0"/>
+              <a:t> </a:t>
+            </a:r>
+            <a:r>
+              <a:rPr lang="en-US" dirty="0" err="1"/>
               <a:t>vizualizarea</a:t>
             </a:r>
             <a:r>
-              <a:rPr lang="en-US" dirty="0" smtClean="0"/>
+              <a:rPr lang="en-US" dirty="0"/>
               <a:t> de </a:t>
             </a:r>
             <a:r>
-              <a:rPr lang="en-US" dirty="0" err="1" smtClean="0"/>
-              <a:t>anunturi</a:t>
+              <a:rPr lang="en-US" dirty="0" err="1"/>
+              <a:t>anun</a:t>
+            </a:r>
+            <a:r>
+              <a:rPr lang="ro-RO" dirty="0"/>
+              <a:t>ț</a:t>
+            </a:r>
+            <a:r>
+              <a:rPr lang="en-US" dirty="0" err="1"/>
+              <a:t>uri</a:t>
             </a:r>
             <a:endParaRPr lang="en-US" dirty="0"/>
           </a:p>
@@ -3784,13 +3809,6 @@
   <p:clrMapOvr>
     <a:masterClrMapping/>
   </p:clrMapOvr>
-  <p:timing>
-    <p:tnLst>
-      <p:par>
-        <p:cTn id="1" dur="indefinite" restart="never" nodeType="tmRoot"/>
-      </p:par>
-    </p:tnLst>
-  </p:timing>
 </p:sld>
 </file>
 
@@ -3827,10 +3845,9 @@
           <a:lstStyle/>
           <a:p>
             <a:r>
-              <a:rPr lang="en-US" dirty="0" smtClean="0"/>
+              <a:rPr lang="en-US" dirty="0"/>
               <a:t>Context general</a:t>
             </a:r>
-            <a:endParaRPr lang="en-US" dirty="0"/>
           </a:p>
         </p:txBody>
       </p:sp>
@@ -3856,69 +3873,53 @@
           <a:p>
             <a:r>
               <a:rPr lang="vi-VN" dirty="0"/>
-              <a:t>Fiecare </a:t>
-            </a:r>
-            <a:r>
-              <a:rPr lang="vi-VN" dirty="0" smtClean="0"/>
-              <a:t>dintre </a:t>
-            </a:r>
+              <a:t>Fiecare dintre noi, la un moment dat în viață, are o nevoie imobiliară, fie că vorbim despre vânzarea unui imobil, achiziția unei locuințe sau, pur și simplu, o închiriere.</a:t>
+            </a:r>
+            <a:endParaRPr lang="en-US" dirty="0"/>
+          </a:p>
+          <a:p>
             <a:r>
               <a:rPr lang="vi-VN" dirty="0"/>
-              <a:t>noi, la un moment dat în viață, are o nevoie imobiliară, fie că vorbim despre vânzarea unui imobil, achiziția unei locuințe sau, pur și simplu, o închiriere</a:t>
-            </a:r>
-            <a:r>
-              <a:rPr lang="vi-VN" dirty="0" smtClean="0"/>
-              <a:t>.</a:t>
-            </a:r>
-            <a:endParaRPr lang="en-US" dirty="0" smtClean="0"/>
-          </a:p>
-          <a:p>
-            <a:r>
-              <a:rPr lang="vi-VN" dirty="0" smtClean="0"/>
-              <a:t>De </a:t>
-            </a:r>
-            <a:r>
-              <a:rPr lang="vi-VN" dirty="0"/>
-              <a:t>cele mai multe ori, această nevoie imobiliară se transformă într-un proces </a:t>
-            </a:r>
-            <a:r>
-              <a:rPr lang="vi-VN" dirty="0" smtClean="0"/>
-              <a:t>stresant</a:t>
-            </a:r>
-            <a:r>
-              <a:rPr lang="en-US" dirty="0" smtClean="0"/>
+              <a:t>De cele mai multe ori, această nevoie imobiliară se transformă într-un proces stresant</a:t>
+            </a:r>
+            <a:r>
+              <a:rPr lang="en-US" dirty="0"/>
               <a:t>, </a:t>
             </a:r>
             <a:r>
-              <a:rPr lang="en-US" dirty="0" err="1" smtClean="0"/>
+              <a:rPr lang="en-US" dirty="0" err="1"/>
               <a:t>consumator</a:t>
             </a:r>
             <a:r>
-              <a:rPr lang="en-US" dirty="0" smtClean="0"/>
+              <a:rPr lang="en-US" dirty="0"/>
               <a:t> de </a:t>
             </a:r>
             <a:r>
-              <a:rPr lang="en-US" dirty="0" err="1" smtClean="0"/>
+              <a:rPr lang="en-US" dirty="0" err="1"/>
               <a:t>timp</a:t>
             </a:r>
             <a:r>
-              <a:rPr lang="en-US" dirty="0" smtClean="0"/>
-              <a:t> </a:t>
-            </a:r>
-            <a:r>
-              <a:rPr lang="en-US" dirty="0" err="1" smtClean="0"/>
-              <a:t>si</a:t>
-            </a:r>
-            <a:r>
-              <a:rPr lang="en-US" dirty="0" smtClean="0"/>
+              <a:rPr lang="en-US" dirty="0"/>
+              <a:t> </a:t>
+            </a:r>
+            <a:r>
+              <a:rPr lang="ro-RO" dirty="0"/>
+              <a:t>ș</a:t>
+            </a:r>
+            <a:r>
+              <a:rPr lang="en-US" dirty="0" err="1"/>
+              <a:t>i</a:t>
+            </a:r>
+            <a:r>
+              <a:rPr lang="en-US" dirty="0"/>
               <a:t> de </a:t>
             </a:r>
             <a:r>
-              <a:rPr lang="en-US" dirty="0" err="1" smtClean="0"/>
+              <a:rPr lang="en-US" dirty="0" err="1"/>
               <a:t>energie</a:t>
             </a:r>
             <a:r>
-              <a:rPr lang="en-US" dirty="0" smtClean="0"/>
+              <a:rPr lang="en-US" dirty="0"/>
               <a:t>.</a:t>
             </a:r>
           </a:p>
@@ -4159,79 +4160,115 @@
           </a:lstStyle>
           <a:p>
             <a:r>
-              <a:rPr lang="en-US" dirty="0" err="1" smtClean="0"/>
-              <a:t>Pana</a:t>
-            </a:r>
-            <a:r>
-              <a:rPr lang="en-US" dirty="0" smtClean="0"/>
+              <a:rPr lang="en-US" dirty="0"/>
+              <a:t>P</a:t>
+            </a:r>
+            <a:r>
+              <a:rPr lang="ro-RO" dirty="0"/>
+              <a:t>ână</a:t>
+            </a:r>
+            <a:r>
+              <a:rPr lang="en-US" dirty="0"/>
               <a:t> la </a:t>
             </a:r>
             <a:r>
-              <a:rPr lang="en-US" dirty="0" err="1" smtClean="0"/>
-              <a:t>aparitia</a:t>
-            </a:r>
-            <a:r>
-              <a:rPr lang="en-US" dirty="0" smtClean="0"/>
-              <a:t> </a:t>
-            </a:r>
-            <a:r>
-              <a:rPr lang="en-US" dirty="0" err="1" smtClean="0"/>
+              <a:rPr lang="en-US" dirty="0" err="1"/>
+              <a:t>apari</a:t>
+            </a:r>
+            <a:r>
+              <a:rPr lang="ro-RO" dirty="0"/>
+              <a:t>ț</a:t>
+            </a:r>
+            <a:r>
+              <a:rPr lang="en-US" dirty="0" err="1"/>
+              <a:t>ia</a:t>
+            </a:r>
+            <a:r>
+              <a:rPr lang="en-US" dirty="0"/>
+              <a:t> </a:t>
+            </a:r>
+            <a:r>
+              <a:rPr lang="en-US" dirty="0" err="1"/>
               <a:t>sistemelor</a:t>
             </a:r>
             <a:r>
-              <a:rPr lang="en-US" dirty="0" smtClean="0"/>
-              <a:t> </a:t>
-            </a:r>
-            <a:r>
-              <a:rPr lang="en-US" dirty="0" err="1" smtClean="0"/>
+              <a:rPr lang="en-US" dirty="0"/>
+              <a:t> </a:t>
+            </a:r>
+            <a:r>
+              <a:rPr lang="en-US" dirty="0" err="1"/>
               <a:t>electronice</a:t>
             </a:r>
             <a:r>
-              <a:rPr lang="en-US" dirty="0" smtClean="0"/>
+              <a:rPr lang="en-US" dirty="0"/>
               <a:t> de </a:t>
             </a:r>
             <a:r>
-              <a:rPr lang="en-US" dirty="0" err="1" smtClean="0"/>
+              <a:rPr lang="en-US" dirty="0" err="1"/>
               <a:t>publicare</a:t>
             </a:r>
             <a:r>
-              <a:rPr lang="en-US" dirty="0" smtClean="0"/>
+              <a:rPr lang="en-US" dirty="0"/>
               <a:t> a </a:t>
             </a:r>
             <a:r>
-              <a:rPr lang="en-US" dirty="0" err="1" smtClean="0"/>
-              <a:t>anunturilor</a:t>
-            </a:r>
-            <a:r>
-              <a:rPr lang="en-US" dirty="0" smtClean="0"/>
+              <a:rPr lang="en-US" dirty="0" err="1"/>
+              <a:t>anun</a:t>
+            </a:r>
+            <a:r>
+              <a:rPr lang="ro-RO" dirty="0"/>
+              <a:t>ț</a:t>
+            </a:r>
+            <a:r>
+              <a:rPr lang="en-US" dirty="0" err="1"/>
+              <a:t>urilor</a:t>
+            </a:r>
+            <a:r>
+              <a:rPr lang="en-US" dirty="0"/>
               <a:t>, </a:t>
             </a:r>
             <a:r>
-              <a:rPr lang="en-US" dirty="0" err="1" smtClean="0"/>
+              <a:rPr lang="en-US" dirty="0" err="1"/>
               <a:t>oamenii</a:t>
             </a:r>
             <a:r>
-              <a:rPr lang="en-US" dirty="0" smtClean="0"/>
-              <a:t> </a:t>
-            </a:r>
-            <a:r>
-              <a:rPr lang="en-US" dirty="0" err="1" smtClean="0"/>
+              <a:rPr lang="en-US" dirty="0"/>
+              <a:t> </a:t>
+            </a:r>
+            <a:r>
+              <a:rPr lang="en-US" dirty="0" err="1"/>
               <a:t>foloseau</a:t>
             </a:r>
             <a:r>
-              <a:rPr lang="en-US" dirty="0" smtClean="0"/>
-              <a:t> </a:t>
-            </a:r>
-            <a:r>
-              <a:rPr lang="en-US" dirty="0" err="1" smtClean="0"/>
-              <a:t>anunturi</a:t>
-            </a:r>
-            <a:r>
-              <a:rPr lang="en-US" dirty="0" smtClean="0"/>
-              <a:t> in </a:t>
-            </a:r>
-            <a:r>
-              <a:rPr lang="en-US" dirty="0" err="1" smtClean="0"/>
+              <a:rPr lang="en-US" dirty="0"/>
+              <a:t> </a:t>
+            </a:r>
+            <a:r>
+              <a:rPr lang="en-US" dirty="0" err="1"/>
+              <a:t>anun</a:t>
+            </a:r>
+            <a:r>
+              <a:rPr lang="ro-RO" dirty="0"/>
+              <a:t>ț</a:t>
+            </a:r>
+            <a:r>
+              <a:rPr lang="en-US" dirty="0" err="1"/>
+              <a:t>uri</a:t>
+            </a:r>
+            <a:r>
+              <a:rPr lang="en-US" dirty="0"/>
+              <a:t> </a:t>
+            </a:r>
+            <a:r>
+              <a:rPr lang="ro-RO" dirty="0"/>
+              <a:t>î</a:t>
+            </a:r>
+            <a:r>
+              <a:rPr lang="en-US" dirty="0"/>
+              <a:t>n </a:t>
+            </a:r>
+            <a:r>
+              <a:rPr lang="en-US" dirty="0" err="1"/>
               <a:t>ziare</a:t>
             </a:r>
             <a:r>
@@ -4239,68 +4276,76 @@
               <a:t> </a:t>
             </a:r>
             <a:r>
-              <a:rPr lang="en-US" dirty="0" err="1" smtClean="0"/>
-              <a:t>si</a:t>
-            </a:r>
-            <a:r>
-              <a:rPr lang="en-US" dirty="0" smtClean="0"/>
+              <a:rPr lang="ro-RO" dirty="0"/>
+              <a:t>ș</a:t>
+            </a:r>
+            <a:r>
+              <a:rPr lang="en-US" dirty="0" err="1"/>
+              <a:t>i</a:t>
+            </a:r>
+            <a:r>
+              <a:rPr lang="en-US" dirty="0"/>
               <a:t> se </a:t>
             </a:r>
             <a:r>
-              <a:rPr lang="en-US" dirty="0" err="1" smtClean="0"/>
+              <a:rPr lang="en-US" dirty="0" err="1"/>
               <a:t>bazau</a:t>
             </a:r>
             <a:r>
-              <a:rPr lang="en-US" dirty="0" smtClean="0"/>
-              <a:t> </a:t>
-            </a:r>
-            <a:r>
-              <a:rPr lang="en-US" dirty="0" err="1" smtClean="0"/>
-              <a:t>pe</a:t>
-            </a:r>
-            <a:r>
-              <a:rPr lang="en-US" dirty="0" smtClean="0"/>
-              <a:t> </a:t>
-            </a:r>
-            <a:r>
-              <a:rPr lang="en-US" dirty="0" err="1" smtClean="0"/>
-              <a:t>agentii</a:t>
-            </a:r>
-            <a:r>
-              <a:rPr lang="en-US" dirty="0" smtClean="0"/>
-              <a:t> </a:t>
-            </a:r>
-            <a:r>
-              <a:rPr lang="en-US" dirty="0" err="1" smtClean="0"/>
+              <a:rPr lang="en-US" dirty="0"/>
+              <a:t> pe </a:t>
+            </a:r>
+            <a:r>
+              <a:rPr lang="en-US" dirty="0" err="1"/>
+              <a:t>agen</a:t>
+            </a:r>
+            <a:r>
+              <a:rPr lang="ro-RO" dirty="0"/>
+              <a:t>ț</a:t>
+            </a:r>
+            <a:r>
+              <a:rPr lang="en-US" dirty="0"/>
+              <a:t>ii </a:t>
+            </a:r>
+            <a:r>
+              <a:rPr lang="en-US" dirty="0" err="1"/>
               <a:t>imobiliare</a:t>
             </a:r>
             <a:r>
-              <a:rPr lang="en-US" dirty="0" smtClean="0"/>
-              <a:t> </a:t>
-            </a:r>
-            <a:r>
-              <a:rPr lang="en-US" dirty="0" err="1" smtClean="0"/>
+              <a:rPr lang="en-US" dirty="0"/>
+              <a:t> </a:t>
+            </a:r>
+            <a:r>
+              <a:rPr lang="en-US" dirty="0" err="1"/>
               <a:t>pentru</a:t>
             </a:r>
             <a:r>
               <a:rPr lang="en-US" dirty="0"/>
-              <a:t> </a:t>
-            </a:r>
-            <a:r>
-              <a:rPr lang="en-US" dirty="0" smtClean="0"/>
-              <a:t>a </a:t>
-            </a:r>
-            <a:r>
-              <a:rPr lang="en-US" dirty="0" err="1" smtClean="0"/>
+              <a:t> a </a:t>
+            </a:r>
+            <a:r>
+              <a:rPr lang="en-US" dirty="0" err="1"/>
               <a:t>descoperi</a:t>
             </a:r>
             <a:r>
-              <a:rPr lang="en-US" dirty="0" smtClean="0"/>
+              <a:rPr lang="en-US" dirty="0"/>
               <a:t> diverse </a:t>
             </a:r>
             <a:r>
-              <a:rPr lang="en-US" dirty="0" err="1" smtClean="0"/>
-              <a:t>anunturi</a:t>
+              <a:rPr lang="en-US" dirty="0" err="1"/>
+              <a:t>anun</a:t>
+            </a:r>
+            <a:r>
+              <a:rPr lang="ro-RO" dirty="0"/>
+              <a:t>ț</a:t>
+            </a:r>
+            <a:r>
+              <a:rPr lang="en-US" dirty="0" err="1"/>
+              <a:t>uri</a:t>
+            </a:r>
+            <a:r>
+              <a:rPr lang="ro-RO" dirty="0"/>
+              <a:t>.</a:t>
             </a:r>
             <a:endParaRPr lang="en-US" dirty="0"/>
           </a:p>
@@ -4316,13 +4361,6 @@
   <p:clrMapOvr>
     <a:masterClrMapping/>
   </p:clrMapOvr>
-  <p:timing>
-    <p:tnLst>
-      <p:par>
-        <p:cTn id="1" dur="indefinite" restart="never" nodeType="tmRoot"/>
-      </p:par>
-    </p:tnLst>
-  </p:timing>
 </p:sld>
 </file>
 
@@ -4359,10 +4397,17 @@
           <a:lstStyle/>
           <a:p>
             <a:r>
-              <a:rPr lang="en-US" dirty="0" smtClean="0"/>
-              <a:t>Context general(cont.)</a:t>
-            </a:r>
-            <a:endParaRPr lang="en-US" dirty="0"/>
+              <a:rPr lang="en-US" dirty="0"/>
+              <a:t>Context general</a:t>
+            </a:r>
+            <a:r>
+              <a:rPr lang="ro-RO" dirty="0"/>
+              <a:t> </a:t>
+            </a:r>
+            <a:r>
+              <a:rPr lang="en-US" dirty="0"/>
+              <a:t>(cont.)</a:t>
+            </a:r>
           </a:p>
         </p:txBody>
       </p:sp>
@@ -4389,95 +4434,127 @@
           <a:lstStyle/>
           <a:p>
             <a:r>
-              <a:rPr lang="en-US" dirty="0" err="1" smtClean="0"/>
-              <a:t>Aceasta</a:t>
-            </a:r>
-            <a:r>
-              <a:rPr lang="en-US" dirty="0" smtClean="0"/>
-              <a:t> </a:t>
-            </a:r>
-            <a:r>
-              <a:rPr lang="en-US" dirty="0" err="1" smtClean="0"/>
-              <a:t>metoda</a:t>
-            </a:r>
-            <a:r>
-              <a:rPr lang="en-US" dirty="0" smtClean="0"/>
-              <a:t> </a:t>
-            </a:r>
-            <a:r>
-              <a:rPr lang="en-US" dirty="0" err="1" smtClean="0"/>
-              <a:t>implica</a:t>
-            </a:r>
-            <a:r>
-              <a:rPr lang="en-US" dirty="0" smtClean="0"/>
-              <a:t> </a:t>
-            </a:r>
-            <a:r>
-              <a:rPr lang="en-US" dirty="0" err="1" smtClean="0"/>
+              <a:rPr lang="en-US" dirty="0" err="1"/>
+              <a:t>Aceast</a:t>
+            </a:r>
+            <a:r>
+              <a:rPr lang="ro-RO" dirty="0"/>
+              <a:t>ă</a:t>
+            </a:r>
+            <a:r>
+              <a:rPr lang="en-US" dirty="0"/>
+              <a:t> </a:t>
+            </a:r>
+            <a:r>
+              <a:rPr lang="en-US" dirty="0" err="1"/>
+              <a:t>metod</a:t>
+            </a:r>
+            <a:r>
+              <a:rPr lang="ro-RO" dirty="0"/>
+              <a:t>ă</a:t>
+            </a:r>
+            <a:r>
+              <a:rPr lang="en-US" dirty="0"/>
+              <a:t> </a:t>
+            </a:r>
+            <a:r>
+              <a:rPr lang="en-US" dirty="0" err="1"/>
+              <a:t>implic</a:t>
+            </a:r>
+            <a:r>
+              <a:rPr lang="ro-RO" dirty="0"/>
+              <a:t>ă</a:t>
+            </a:r>
+            <a:r>
+              <a:rPr lang="en-US" dirty="0"/>
+              <a:t> </a:t>
+            </a:r>
+            <a:r>
+              <a:rPr lang="en-US" dirty="0" err="1"/>
               <a:t>adesea</a:t>
             </a:r>
             <a:r>
-              <a:rPr lang="en-US" dirty="0" smtClean="0"/>
-              <a:t> </a:t>
-            </a:r>
-            <a:r>
-              <a:rPr lang="en-US" dirty="0" err="1" smtClean="0"/>
+              <a:rPr lang="en-US" dirty="0"/>
+              <a:t> </a:t>
+            </a:r>
+            <a:r>
+              <a:rPr lang="en-US" dirty="0" err="1"/>
               <a:t>luni</a:t>
             </a:r>
             <a:r>
-              <a:rPr lang="en-US" dirty="0" smtClean="0"/>
-              <a:t> </a:t>
-            </a:r>
-            <a:r>
-              <a:rPr lang="en-US" dirty="0" err="1" smtClean="0"/>
-              <a:t>intregi</a:t>
-            </a:r>
-            <a:r>
-              <a:rPr lang="en-US" dirty="0" smtClean="0"/>
-              <a:t> de </a:t>
-            </a:r>
-            <a:r>
-              <a:rPr lang="en-US" dirty="0" err="1" smtClean="0"/>
-              <a:t>cautari</a:t>
-            </a:r>
-            <a:r>
-              <a:rPr lang="en-US" dirty="0" smtClean="0"/>
-              <a:t> </a:t>
-            </a:r>
-            <a:r>
-              <a:rPr lang="en-US" dirty="0" err="1" smtClean="0"/>
-              <a:t>si</a:t>
-            </a:r>
-            <a:r>
-              <a:rPr lang="en-US" dirty="0" smtClean="0"/>
-              <a:t> </a:t>
-            </a:r>
-            <a:r>
-              <a:rPr lang="en-US" dirty="0" err="1" smtClean="0"/>
+              <a:rPr lang="en-US" dirty="0"/>
+              <a:t> </a:t>
+            </a:r>
+            <a:r>
+              <a:rPr lang="ro-RO" dirty="0"/>
+              <a:t>î</a:t>
+            </a:r>
+            <a:r>
+              <a:rPr lang="en-US" dirty="0" err="1"/>
+              <a:t>ntregi</a:t>
+            </a:r>
+            <a:r>
+              <a:rPr lang="en-US" dirty="0"/>
+              <a:t> de c</a:t>
+            </a:r>
+            <a:r>
+              <a:rPr lang="ro-RO" dirty="0"/>
+              <a:t>ă</a:t>
+            </a:r>
+            <a:r>
+              <a:rPr lang="en-US" dirty="0" err="1"/>
+              <a:t>utari</a:t>
+            </a:r>
+            <a:r>
+              <a:rPr lang="en-US" dirty="0"/>
+              <a:t> </a:t>
+            </a:r>
+            <a:r>
+              <a:rPr lang="ro-RO" dirty="0"/>
+              <a:t>ș</a:t>
+            </a:r>
+            <a:r>
+              <a:rPr lang="en-US" dirty="0" err="1"/>
+              <a:t>i</a:t>
+            </a:r>
+            <a:r>
+              <a:rPr lang="en-US" dirty="0"/>
+              <a:t> </a:t>
+            </a:r>
+            <a:r>
+              <a:rPr lang="en-US" dirty="0" err="1"/>
               <a:t>mult</a:t>
             </a:r>
             <a:r>
-              <a:rPr lang="en-US" dirty="0" smtClean="0"/>
-              <a:t> </a:t>
-            </a:r>
-            <a:r>
-              <a:rPr lang="en-US" dirty="0" err="1" smtClean="0"/>
+              <a:rPr lang="en-US" dirty="0"/>
+              <a:t> </a:t>
+            </a:r>
+            <a:r>
+              <a:rPr lang="en-US" dirty="0" err="1"/>
               <a:t>efort</a:t>
             </a:r>
             <a:r>
-              <a:rPr lang="en-US" dirty="0" smtClean="0"/>
-              <a:t> </a:t>
-            </a:r>
-            <a:r>
-              <a:rPr lang="en-US" dirty="0" err="1" smtClean="0"/>
-              <a:t>pana</a:t>
-            </a:r>
-            <a:r>
-              <a:rPr lang="en-US" dirty="0" smtClean="0"/>
+              <a:rPr lang="en-US" dirty="0"/>
+              <a:t> p</a:t>
+            </a:r>
+            <a:r>
+              <a:rPr lang="ro-RO" dirty="0"/>
+              <a:t>â</a:t>
+            </a:r>
+            <a:r>
+              <a:rPr lang="en-US" dirty="0"/>
+              <a:t>n</a:t>
+            </a:r>
+            <a:r>
+              <a:rPr lang="ro-RO" dirty="0"/>
+              <a:t>ă</a:t>
+            </a:r>
+            <a:r>
+              <a:rPr lang="en-US" dirty="0"/>
               <a:t> la </a:t>
             </a:r>
             <a:r>
-              <a:rPr lang="en-US" dirty="0" err="1" smtClean="0"/>
+              <a:rPr lang="en-US" dirty="0" err="1"/>
               <a:t>gasirea</a:t>
             </a:r>
             <a:r>
@@ -4485,316 +4562,403 @@
               <a:t> </a:t>
             </a:r>
             <a:r>
-              <a:rPr lang="en-US" dirty="0" err="1" smtClean="0"/>
+              <a:rPr lang="en-US" dirty="0" err="1"/>
               <a:t>imobilului</a:t>
             </a:r>
             <a:r>
-              <a:rPr lang="en-US" dirty="0" smtClean="0"/>
-              <a:t> ideal(</a:t>
-            </a:r>
-            <a:r>
-              <a:rPr lang="en-US" dirty="0" err="1" smtClean="0"/>
+              <a:rPr lang="en-US" dirty="0"/>
+              <a:t> ideal</a:t>
+            </a:r>
+            <a:r>
+              <a:rPr lang="ro-RO" dirty="0"/>
+              <a:t> </a:t>
+            </a:r>
+            <a:r>
+              <a:rPr lang="en-US" dirty="0"/>
+              <a:t>(</a:t>
+            </a:r>
+            <a:r>
+              <a:rPr lang="en-US" dirty="0" err="1"/>
               <a:t>multe</a:t>
             </a:r>
             <a:r>
-              <a:rPr lang="en-US" dirty="0" smtClean="0"/>
-              <a:t> </a:t>
-            </a:r>
-            <a:r>
-              <a:rPr lang="en-US" dirty="0" err="1" smtClean="0"/>
+              <a:rPr lang="en-US" dirty="0"/>
+              <a:t> </a:t>
+            </a:r>
+            <a:r>
+              <a:rPr lang="en-US" dirty="0" err="1"/>
               <a:t>convorbiri</a:t>
             </a:r>
             <a:r>
-              <a:rPr lang="en-US" dirty="0" smtClean="0"/>
-              <a:t> </a:t>
-            </a:r>
-            <a:r>
-              <a:rPr lang="en-US" dirty="0" err="1" smtClean="0"/>
+              <a:rPr lang="en-US" dirty="0"/>
+              <a:t> </a:t>
+            </a:r>
+            <a:r>
+              <a:rPr lang="en-US" dirty="0" err="1"/>
               <a:t>telefonice</a:t>
             </a:r>
             <a:r>
-              <a:rPr lang="en-US" dirty="0" smtClean="0"/>
+              <a:rPr lang="en-US" dirty="0"/>
               <a:t>, </a:t>
             </a:r>
             <a:r>
-              <a:rPr lang="en-US" dirty="0" err="1" smtClean="0"/>
-              <a:t>vizionari</a:t>
-            </a:r>
-            <a:r>
-              <a:rPr lang="en-US" dirty="0"/>
-              <a:t> </a:t>
-            </a:r>
-            <a:r>
-              <a:rPr lang="en-US" dirty="0" smtClean="0"/>
-              <a:t>inutile etc.)</a:t>
-            </a:r>
-          </a:p>
-          <a:p>
-            <a:r>
-              <a:rPr lang="en-US" dirty="0" smtClean="0"/>
+              <a:rPr lang="en-US" dirty="0" err="1"/>
+              <a:t>vizion</a:t>
+            </a:r>
+            <a:r>
+              <a:rPr lang="ro-RO" dirty="0"/>
+              <a:t>ă</a:t>
+            </a:r>
+            <a:r>
+              <a:rPr lang="en-US" dirty="0" err="1"/>
+              <a:t>ri</a:t>
+            </a:r>
+            <a:r>
+              <a:rPr lang="en-US" dirty="0"/>
+              <a:t> inutile etc.)</a:t>
+            </a:r>
+          </a:p>
+          <a:p>
+            <a:r>
+              <a:rPr lang="en-US" dirty="0"/>
               <a:t>De </a:t>
             </a:r>
             <a:r>
-              <a:rPr lang="en-US" dirty="0" err="1" smtClean="0"/>
+              <a:rPr lang="en-US" dirty="0" err="1"/>
               <a:t>asemenea</a:t>
             </a:r>
             <a:r>
-              <a:rPr lang="en-US" dirty="0" smtClean="0"/>
+              <a:rPr lang="en-US" dirty="0"/>
               <a:t>, </a:t>
             </a:r>
             <a:r>
-              <a:rPr lang="en-US" dirty="0" err="1" smtClean="0"/>
+              <a:rPr lang="en-US" dirty="0" err="1"/>
               <a:t>munca</a:t>
             </a:r>
             <a:r>
-              <a:rPr lang="en-US" dirty="0" smtClean="0"/>
-              <a:t> </a:t>
-            </a:r>
-            <a:r>
-              <a:rPr lang="en-US" dirty="0" err="1" smtClean="0"/>
-              <a:t>agentilor</a:t>
-            </a:r>
-            <a:r>
-              <a:rPr lang="en-US" dirty="0" smtClean="0"/>
-              <a:t> </a:t>
-            </a:r>
-            <a:r>
-              <a:rPr lang="en-US" dirty="0" err="1" smtClean="0"/>
+              <a:rPr lang="en-US" dirty="0"/>
+              <a:t> </a:t>
+            </a:r>
+            <a:r>
+              <a:rPr lang="en-US" dirty="0" err="1"/>
+              <a:t>agen</a:t>
+            </a:r>
+            <a:r>
+              <a:rPr lang="ro-RO" dirty="0"/>
+              <a:t>ț</a:t>
+            </a:r>
+            <a:r>
+              <a:rPr lang="en-US" dirty="0" err="1"/>
+              <a:t>ilor</a:t>
+            </a:r>
+            <a:r>
+              <a:rPr lang="en-US" dirty="0"/>
+              <a:t> </a:t>
+            </a:r>
+            <a:r>
+              <a:rPr lang="en-US" dirty="0" err="1"/>
               <a:t>imobiliari</a:t>
             </a:r>
             <a:r>
-              <a:rPr lang="en-US" dirty="0" smtClean="0"/>
-              <a:t> </a:t>
-            </a:r>
-            <a:r>
-              <a:rPr lang="en-US" dirty="0" err="1" smtClean="0"/>
+              <a:rPr lang="en-US" dirty="0"/>
+              <a:t> </a:t>
+            </a:r>
+            <a:r>
+              <a:rPr lang="en-US" dirty="0" err="1"/>
               <a:t>devenise</a:t>
             </a:r>
             <a:r>
-              <a:rPr lang="en-US" dirty="0" smtClean="0"/>
+              <a:rPr lang="en-US" dirty="0"/>
               <a:t> o </a:t>
             </a:r>
             <a:r>
-              <a:rPr lang="en-US" dirty="0" err="1" smtClean="0"/>
-              <a:t>rutina</a:t>
-            </a:r>
-            <a:r>
-              <a:rPr lang="en-US" dirty="0" smtClean="0"/>
+              <a:rPr lang="en-US" dirty="0" err="1"/>
+              <a:t>rutin</a:t>
+            </a:r>
+            <a:r>
+              <a:rPr lang="ro-RO" dirty="0"/>
+              <a:t>ă</a:t>
+            </a:r>
+            <a:r>
+              <a:rPr lang="en-US" dirty="0"/>
               <a:t>:</a:t>
             </a:r>
           </a:p>
           <a:p>
             <a:pPr lvl="2"/>
             <a:r>
-              <a:rPr lang="en-US" sz="1700" dirty="0" err="1" smtClean="0"/>
-              <a:t>Discutia</a:t>
-            </a:r>
-            <a:r>
-              <a:rPr lang="en-US" sz="1700" dirty="0" smtClean="0"/>
-              <a:t> cu un potential </a:t>
-            </a:r>
-            <a:r>
-              <a:rPr lang="en-US" sz="1700" dirty="0" err="1" smtClean="0"/>
-              <a:t>cumparator</a:t>
-            </a:r>
-            <a:r>
-              <a:rPr lang="en-US" sz="1700" dirty="0" smtClean="0"/>
-              <a:t> (</a:t>
-            </a:r>
-            <a:r>
-              <a:rPr lang="en-US" sz="1700" dirty="0" err="1" smtClean="0"/>
+              <a:rPr lang="en-US" sz="1700" dirty="0" err="1"/>
+              <a:t>Discu</a:t>
+            </a:r>
+            <a:r>
+              <a:rPr lang="ro-RO" sz="1700" dirty="0"/>
+              <a:t>ț</a:t>
+            </a:r>
+            <a:r>
+              <a:rPr lang="en-US" sz="1700" dirty="0" err="1"/>
+              <a:t>ia</a:t>
+            </a:r>
+            <a:r>
+              <a:rPr lang="en-US" sz="1700" dirty="0"/>
+              <a:t> cu un </a:t>
+            </a:r>
+            <a:r>
+              <a:rPr lang="en-US" sz="1700" dirty="0" err="1"/>
+              <a:t>poten</a:t>
+            </a:r>
+            <a:r>
+              <a:rPr lang="ro-RO" sz="1700" dirty="0"/>
+              <a:t>ț</a:t>
+            </a:r>
+            <a:r>
+              <a:rPr lang="en-US" sz="1700" dirty="0" err="1"/>
+              <a:t>ial</a:t>
+            </a:r>
+            <a:r>
+              <a:rPr lang="en-US" sz="1700" dirty="0"/>
+              <a:t> </a:t>
+            </a:r>
+            <a:r>
+              <a:rPr lang="en-US" sz="1700" dirty="0" err="1"/>
+              <a:t>cump</a:t>
+            </a:r>
+            <a:r>
+              <a:rPr lang="ro-RO" sz="1700" dirty="0"/>
+              <a:t>ă</a:t>
+            </a:r>
+            <a:r>
+              <a:rPr lang="en-US" sz="1700" dirty="0"/>
+              <a:t>r</a:t>
+            </a:r>
+            <a:r>
+              <a:rPr lang="ro-RO" sz="1700" dirty="0"/>
+              <a:t>ă</a:t>
+            </a:r>
+            <a:r>
+              <a:rPr lang="en-US" sz="1700" dirty="0"/>
+              <a:t>tor (</a:t>
+            </a:r>
+            <a:r>
+              <a:rPr lang="en-US" sz="1700" dirty="0" err="1"/>
               <a:t>criteriile</a:t>
             </a:r>
             <a:r>
-              <a:rPr lang="en-US" sz="1700" dirty="0" smtClean="0"/>
-              <a:t> </a:t>
-            </a:r>
-            <a:r>
-              <a:rPr lang="en-US" sz="1700" dirty="0" err="1" smtClean="0"/>
+              <a:rPr lang="en-US" sz="1700" dirty="0"/>
+              <a:t> </a:t>
+            </a:r>
+            <a:r>
+              <a:rPr lang="en-US" sz="1700" dirty="0" err="1"/>
               <a:t>imobilului</a:t>
             </a:r>
             <a:r>
-              <a:rPr lang="en-US" sz="1700" dirty="0" smtClean="0"/>
-              <a:t> </a:t>
-            </a:r>
-            <a:r>
-              <a:rPr lang="en-US" sz="1700" dirty="0" err="1" smtClean="0"/>
+              <a:rPr lang="en-US" sz="1700" dirty="0"/>
+              <a:t> </a:t>
+            </a:r>
+            <a:r>
+              <a:rPr lang="en-US" sz="1700" dirty="0" err="1"/>
               <a:t>dorit</a:t>
             </a:r>
             <a:r>
-              <a:rPr lang="en-US" sz="1700" dirty="0" smtClean="0"/>
+              <a:rPr lang="en-US" sz="1700" dirty="0"/>
               <a:t>)</a:t>
             </a:r>
           </a:p>
           <a:p>
             <a:pPr lvl="2"/>
             <a:r>
-              <a:rPr lang="en-US" sz="1700" dirty="0" err="1" smtClean="0"/>
+              <a:rPr lang="en-US" sz="1700" dirty="0" err="1"/>
               <a:t>Analiza</a:t>
             </a:r>
             <a:r>
-              <a:rPr lang="en-US" sz="1700" dirty="0" smtClean="0"/>
-              <a:t> </a:t>
-            </a:r>
-            <a:r>
-              <a:rPr lang="en-US" sz="1700" dirty="0" err="1" smtClean="0"/>
+              <a:rPr lang="en-US" sz="1700" dirty="0"/>
+              <a:t> </a:t>
+            </a:r>
+            <a:r>
+              <a:rPr lang="en-US" sz="1700" dirty="0" err="1"/>
               <a:t>ofertelor</a:t>
             </a:r>
             <a:r>
-              <a:rPr lang="en-US" sz="1700" dirty="0" smtClean="0"/>
-              <a:t> </a:t>
-            </a:r>
-            <a:r>
-              <a:rPr lang="en-US" sz="1700" dirty="0" err="1" smtClean="0"/>
+              <a:rPr lang="en-US" sz="1700" dirty="0"/>
+              <a:t> </a:t>
+            </a:r>
+            <a:r>
+              <a:rPr lang="en-US" sz="1700" dirty="0" err="1"/>
               <a:t>existente</a:t>
             </a:r>
             <a:r>
-              <a:rPr lang="en-US" sz="1700" dirty="0" smtClean="0"/>
+              <a:rPr lang="en-US" sz="1700" dirty="0"/>
               <a:t> la </a:t>
             </a:r>
             <a:r>
-              <a:rPr lang="en-US" sz="1700" dirty="0" err="1" smtClean="0"/>
+              <a:rPr lang="en-US" sz="1700" dirty="0" err="1"/>
               <a:t>nivelul</a:t>
             </a:r>
             <a:r>
-              <a:rPr lang="en-US" sz="1700" dirty="0" smtClean="0"/>
-              <a:t> </a:t>
-            </a:r>
-            <a:r>
-              <a:rPr lang="en-US" sz="1700" dirty="0" err="1" smtClean="0"/>
-              <a:t>agentiei</a:t>
-            </a:r>
-            <a:r>
-              <a:rPr lang="en-US" sz="1700" dirty="0" smtClean="0"/>
-              <a:t> </a:t>
-            </a:r>
-            <a:r>
-              <a:rPr lang="en-US" sz="1700" dirty="0" err="1" smtClean="0"/>
-              <a:t>si</a:t>
-            </a:r>
-            <a:r>
-              <a:rPr lang="en-US" sz="1700" dirty="0" smtClean="0"/>
-              <a:t> </a:t>
-            </a:r>
-            <a:r>
-              <a:rPr lang="en-US" sz="1700" dirty="0" err="1" smtClean="0"/>
-              <a:t>cautarea</a:t>
-            </a:r>
-            <a:r>
-              <a:rPr lang="en-US" sz="1700" dirty="0" smtClean="0"/>
-              <a:t> </a:t>
-            </a:r>
-            <a:r>
-              <a:rPr lang="en-US" sz="1700" dirty="0" err="1" smtClean="0"/>
+              <a:rPr lang="en-US" sz="1700" dirty="0"/>
+              <a:t> </a:t>
+            </a:r>
+            <a:r>
+              <a:rPr lang="en-US" sz="1700" dirty="0" err="1"/>
+              <a:t>agen</a:t>
+            </a:r>
+            <a:r>
+              <a:rPr lang="ro-RO" sz="1700" dirty="0"/>
+              <a:t>ț</a:t>
+            </a:r>
+            <a:r>
+              <a:rPr lang="en-US" sz="1700" dirty="0" err="1"/>
+              <a:t>iei</a:t>
+            </a:r>
+            <a:r>
+              <a:rPr lang="en-US" sz="1700" dirty="0"/>
+              <a:t> </a:t>
+            </a:r>
+            <a:r>
+              <a:rPr lang="ro-RO" sz="1700" dirty="0"/>
+              <a:t>ș</a:t>
+            </a:r>
+            <a:r>
+              <a:rPr lang="en-US" sz="1700" dirty="0" err="1"/>
+              <a:t>i</a:t>
+            </a:r>
+            <a:r>
+              <a:rPr lang="en-US" sz="1700" dirty="0"/>
+              <a:t> c</a:t>
+            </a:r>
+            <a:r>
+              <a:rPr lang="ro-RO" sz="1700" dirty="0"/>
+              <a:t>ă</a:t>
+            </a:r>
+            <a:r>
+              <a:rPr lang="en-US" sz="1700" dirty="0" err="1"/>
+              <a:t>utarea</a:t>
+            </a:r>
+            <a:r>
+              <a:rPr lang="en-US" sz="1700" dirty="0"/>
+              <a:t> </a:t>
+            </a:r>
+            <a:r>
+              <a:rPr lang="en-US" sz="1700" dirty="0" err="1"/>
               <a:t>ofertelor</a:t>
             </a:r>
             <a:r>
-              <a:rPr lang="en-US" sz="1700" dirty="0" smtClean="0"/>
-              <a:t> </a:t>
-            </a:r>
-            <a:r>
-              <a:rPr lang="en-US" sz="1700" dirty="0" err="1" smtClean="0"/>
+              <a:rPr lang="en-US" sz="1700" dirty="0"/>
+              <a:t> </a:t>
+            </a:r>
+            <a:r>
+              <a:rPr lang="en-US" sz="1700" dirty="0" err="1"/>
               <a:t>potrivite</a:t>
             </a:r>
             <a:r>
-              <a:rPr lang="en-US" sz="1700" dirty="0" smtClean="0"/>
-              <a:t> </a:t>
-            </a:r>
-            <a:r>
-              <a:rPr lang="en-US" sz="1700" dirty="0" err="1" smtClean="0"/>
+              <a:rPr lang="en-US" sz="1700" dirty="0"/>
+              <a:t> </a:t>
+            </a:r>
+            <a:r>
+              <a:rPr lang="en-US" sz="1700" dirty="0" err="1"/>
               <a:t>pentru</a:t>
             </a:r>
             <a:r>
-              <a:rPr lang="en-US" sz="1700" dirty="0" smtClean="0"/>
+              <a:rPr lang="en-US" sz="1700" dirty="0"/>
               <a:t> client</a:t>
             </a:r>
           </a:p>
           <a:p>
             <a:pPr lvl="2"/>
             <a:r>
-              <a:rPr lang="en-US" sz="1700" dirty="0" err="1" smtClean="0"/>
+              <a:rPr lang="en-US" sz="1700" dirty="0" err="1"/>
               <a:t>Prezentarea</a:t>
             </a:r>
             <a:r>
-              <a:rPr lang="en-US" sz="1700" dirty="0" smtClean="0"/>
-              <a:t> </a:t>
-            </a:r>
-            <a:r>
-              <a:rPr lang="en-US" sz="1700" dirty="0" err="1" smtClean="0"/>
-              <a:t>fiecarei</a:t>
-            </a:r>
-            <a:r>
-              <a:rPr lang="en-US" sz="1700" dirty="0" smtClean="0"/>
-              <a:t> </a:t>
-            </a:r>
-            <a:r>
-              <a:rPr lang="en-US" sz="1700" dirty="0" err="1" smtClean="0"/>
+              <a:rPr lang="en-US" sz="1700" dirty="0"/>
+              <a:t> </a:t>
+            </a:r>
+            <a:r>
+              <a:rPr lang="en-US" sz="1700" dirty="0" err="1"/>
+              <a:t>fiec</a:t>
+            </a:r>
+            <a:r>
+              <a:rPr lang="ro-RO" sz="1700" dirty="0"/>
+              <a:t>ă</a:t>
+            </a:r>
+            <a:r>
+              <a:rPr lang="en-US" sz="1700" dirty="0"/>
+              <a:t>rei </a:t>
+            </a:r>
+            <a:r>
+              <a:rPr lang="en-US" sz="1700" dirty="0" err="1"/>
               <a:t>oferte</a:t>
             </a:r>
             <a:r>
-              <a:rPr lang="en-US" sz="1700" dirty="0" smtClean="0"/>
-              <a:t> in parte</a:t>
-            </a:r>
-            <a:endParaRPr lang="en-US" sz="1700" dirty="0"/>
+              <a:rPr lang="en-US" sz="1700" dirty="0"/>
+              <a:t> </a:t>
+            </a:r>
+            <a:r>
+              <a:rPr lang="ro-RO" sz="1700" dirty="0"/>
+              <a:t>î</a:t>
+            </a:r>
+            <a:r>
+              <a:rPr lang="en-US" sz="1700" dirty="0"/>
+              <a:t>n parte</a:t>
+            </a:r>
           </a:p>
           <a:p>
             <a:pPr marL="548640" lvl="2" indent="0">
               <a:buNone/>
             </a:pPr>
             <a:r>
-              <a:rPr lang="en-US" sz="1700" dirty="0" err="1" smtClean="0"/>
+              <a:rPr lang="en-US" sz="1700" dirty="0" err="1"/>
               <a:t>Iar</a:t>
             </a:r>
             <a:r>
-              <a:rPr lang="en-US" sz="1700" dirty="0" smtClean="0"/>
-              <a:t> </a:t>
-            </a:r>
-            <a:r>
-              <a:rPr lang="en-US" sz="1700" dirty="0" err="1" smtClean="0"/>
+              <a:rPr lang="en-US" sz="1700" dirty="0"/>
+              <a:t> </a:t>
+            </a:r>
+            <a:r>
+              <a:rPr lang="en-US" sz="1700" dirty="0" err="1"/>
               <a:t>aceste</a:t>
             </a:r>
             <a:r>
-              <a:rPr lang="en-US" sz="1700" dirty="0" smtClean="0"/>
-              <a:t> </a:t>
-            </a:r>
-            <a:r>
-              <a:rPr lang="en-US" sz="1700" dirty="0" err="1" smtClean="0"/>
+              <a:rPr lang="en-US" sz="1700" dirty="0"/>
+              <a:t> </a:t>
+            </a:r>
+            <a:r>
+              <a:rPr lang="en-US" sz="1700" dirty="0" err="1"/>
               <a:t>lucruri</a:t>
             </a:r>
             <a:r>
-              <a:rPr lang="en-US" sz="1700" dirty="0" smtClean="0"/>
-              <a:t> </a:t>
-            </a:r>
-            <a:r>
-              <a:rPr lang="en-US" sz="1700" dirty="0" err="1" smtClean="0"/>
+              <a:rPr lang="en-US" sz="1700" dirty="0"/>
+              <a:t> </a:t>
+            </a:r>
+            <a:r>
+              <a:rPr lang="en-US" sz="1700" dirty="0" err="1"/>
               <a:t>erau</a:t>
             </a:r>
             <a:r>
-              <a:rPr lang="en-US" sz="1700" dirty="0" smtClean="0"/>
-              <a:t> </a:t>
-            </a:r>
-            <a:r>
-              <a:rPr lang="en-US" sz="1700" dirty="0" err="1" smtClean="0"/>
+              <a:rPr lang="en-US" sz="1700" dirty="0"/>
+              <a:t> </a:t>
+            </a:r>
+            <a:r>
+              <a:rPr lang="en-US" sz="1700" dirty="0" err="1"/>
               <a:t>repetate</a:t>
             </a:r>
             <a:r>
-              <a:rPr lang="en-US" sz="1700" dirty="0" smtClean="0"/>
-              <a:t> </a:t>
-            </a:r>
-            <a:r>
-              <a:rPr lang="en-US" sz="1700" dirty="0" err="1" smtClean="0"/>
+              <a:rPr lang="en-US" sz="1700" dirty="0"/>
+              <a:t> </a:t>
+            </a:r>
+            <a:r>
+              <a:rPr lang="en-US" sz="1700" dirty="0" err="1"/>
               <a:t>pentru</a:t>
             </a:r>
             <a:r>
-              <a:rPr lang="en-US" sz="1700" dirty="0" smtClean="0"/>
-              <a:t> </a:t>
-            </a:r>
-            <a:r>
-              <a:rPr lang="en-US" sz="1700" dirty="0" err="1" smtClean="0"/>
+              <a:rPr lang="en-US" sz="1700" dirty="0"/>
+              <a:t> </a:t>
+            </a:r>
+            <a:r>
+              <a:rPr lang="en-US" sz="1700" dirty="0" err="1"/>
               <a:t>fiecare</a:t>
             </a:r>
             <a:r>
-              <a:rPr lang="en-US" sz="1700" dirty="0" smtClean="0"/>
+              <a:rPr lang="en-US" sz="1700" dirty="0"/>
               <a:t> client</a:t>
             </a:r>
             <a:endParaRPr lang="en-US" dirty="0"/>
@@ -4824,8 +4988,8 @@
         </p:blipFill>
         <p:spPr bwMode="auto">
           <a:xfrm>
-            <a:off x="6248400" y="3962399"/>
-            <a:ext cx="2895600" cy="2895601"/>
+            <a:off x="6400800" y="4114799"/>
+            <a:ext cx="2743200" cy="2743201"/>
           </a:xfrm>
           <a:prstGeom prst="rect">
             <a:avLst/>
@@ -4852,13 +5016,6 @@
   <p:clrMapOvr>
     <a:masterClrMapping/>
   </p:clrMapOvr>
-  <p:timing>
-    <p:tnLst>
-      <p:par>
-        <p:cTn id="1" dur="indefinite" restart="never" nodeType="tmRoot"/>
-      </p:par>
-    </p:tnLst>
-  </p:timing>
 </p:sld>
 </file>
 
@@ -4895,35 +5052,35 @@
           <a:lstStyle/>
           <a:p>
             <a:r>
-              <a:rPr lang="en-US" dirty="0" smtClean="0"/>
+              <a:rPr lang="en-US" dirty="0"/>
               <a:t>La </a:t>
             </a:r>
             <a:r>
-              <a:rPr lang="en-US" dirty="0" err="1" smtClean="0"/>
+              <a:rPr lang="en-US" dirty="0" err="1"/>
               <a:t>ce</a:t>
             </a:r>
             <a:r>
-              <a:rPr lang="en-US" dirty="0" smtClean="0"/>
-              <a:t> </a:t>
-            </a:r>
-            <a:r>
-              <a:rPr lang="en-US" dirty="0" err="1" smtClean="0"/>
+              <a:rPr lang="en-US" dirty="0"/>
+              <a:t> </a:t>
+            </a:r>
+            <a:r>
+              <a:rPr lang="en-US" dirty="0" err="1"/>
               <a:t>va</a:t>
             </a:r>
             <a:r>
-              <a:rPr lang="en-US" dirty="0" smtClean="0"/>
+              <a:rPr lang="en-US" dirty="0"/>
               <a:t> fi </a:t>
             </a:r>
             <a:r>
-              <a:rPr lang="en-US" dirty="0" err="1" smtClean="0"/>
+              <a:rPr lang="en-US" dirty="0" err="1"/>
               <a:t>folosit</a:t>
             </a:r>
             <a:r>
-              <a:rPr lang="en-US" dirty="0" smtClean="0"/>
-              <a:t> </a:t>
-            </a:r>
-            <a:r>
-              <a:rPr lang="en-US" dirty="0" err="1" smtClean="0"/>
+              <a:rPr lang="en-US" dirty="0"/>
+              <a:t> </a:t>
+            </a:r>
+            <a:r>
+              <a:rPr lang="en-US" dirty="0" err="1"/>
               <a:t>sistemul</a:t>
             </a:r>
             <a:endParaRPr lang="en-US" dirty="0"/>
@@ -4953,28 +5110,40 @@
           <a:lstStyle/>
           <a:p>
             <a:r>
+              <a:rPr lang="en-US" sz="2200" dirty="0"/>
+              <a:t>Ace</a:t>
+            </a:r>
+            <a:r>
+              <a:rPr lang="ro-RO" sz="2200" dirty="0"/>
+              <a:t>a</a:t>
+            </a:r>
+            <a:r>
               <a:rPr lang="en-US" sz="2200" dirty="0" err="1"/>
-              <a:t>A</a:t>
-            </a:r>
-            <a:r>
-              <a:rPr lang="en-US" sz="2200" dirty="0" err="1" smtClean="0"/>
-              <a:t>cesta</a:t>
-            </a:r>
-            <a:r>
-              <a:rPr lang="en-US" sz="2200" dirty="0" smtClean="0"/>
-              <a:t> </a:t>
+              <a:t>st</a:t>
+            </a:r>
+            <a:r>
+              <a:rPr lang="ro-RO" sz="2200" dirty="0"/>
+              <a:t>ă</a:t>
+            </a:r>
+            <a:r>
+              <a:rPr lang="en-US" sz="2200" dirty="0"/>
+              <a:t> platform</a:t>
+            </a:r>
+            <a:r>
+              <a:rPr lang="ro-RO" sz="2200" dirty="0"/>
+              <a:t>ă</a:t>
+            </a:r>
+            <a:r>
+              <a:rPr lang="en-US" sz="2200" dirty="0"/>
+              <a:t> </a:t>
+            </a:r>
+            <a:r>
+              <a:rPr lang="ro-RO" sz="2200" dirty="0"/>
+              <a:t>îș</a:t>
             </a:r>
             <a:r>
               <a:rPr lang="en-US" sz="2200" dirty="0" err="1"/>
-              <a:t>platforma</a:t>
-            </a:r>
-            <a:r>
-              <a:rPr lang="en-US" sz="2200" dirty="0"/>
-              <a:t> </a:t>
-            </a:r>
-            <a:r>
-              <a:rPr lang="en-US" sz="2200" dirty="0" err="1"/>
-              <a:t>isi</a:t>
+              <a:t>i</a:t>
             </a:r>
             <a:r>
               <a:rPr lang="en-US" sz="2200" dirty="0"/>
@@ -4986,11 +5155,11 @@
             </a:r>
             <a:r>
               <a:rPr lang="en-US" sz="2200" dirty="0"/>
-              <a:t> </a:t>
-            </a:r>
-            <a:r>
-              <a:rPr lang="en-US" sz="2200" dirty="0" err="1"/>
-              <a:t>sa</a:t>
+              <a:t> s</a:t>
+            </a:r>
+            <a:r>
+              <a:rPr lang="ro-RO" sz="2200" dirty="0"/>
+              <a:t>ă</a:t>
             </a:r>
             <a:r>
               <a:rPr lang="en-US" sz="2200" dirty="0"/>
@@ -5014,15 +5183,27 @@
             </a:r>
             <a:r>
               <a:rPr lang="en-US" sz="2200" dirty="0" err="1"/>
-              <a:t>agentiilor</a:t>
+              <a:t>agen</a:t>
+            </a:r>
+            <a:r>
+              <a:rPr lang="ro-RO" sz="2200" dirty="0"/>
+              <a:t>ți</a:t>
+            </a:r>
+            <a:r>
+              <a:rPr lang="en-US" sz="2200" dirty="0" err="1"/>
+              <a:t>ilor</a:t>
             </a:r>
             <a:r>
               <a:rPr lang="en-US" sz="2200" dirty="0"/>
               <a:t> </a:t>
             </a:r>
             <a:r>
+              <a:rPr lang="ro-RO" sz="2200" dirty="0"/>
+              <a:t>ș</a:t>
+            </a:r>
+            <a:r>
               <a:rPr lang="en-US" sz="2200" dirty="0" err="1"/>
-              <a:t>si</a:t>
+              <a:t>i</a:t>
             </a:r>
             <a:r>
               <a:rPr lang="en-US" sz="2200" dirty="0"/>
@@ -5038,15 +5219,23 @@
             </a:r>
             <a:r>
               <a:rPr lang="en-US" sz="2200" dirty="0" err="1"/>
-              <a:t>locuinte</a:t>
+              <a:t>locuin</a:t>
+            </a:r>
+            <a:r>
+              <a:rPr lang="ro-RO" sz="2200" dirty="0"/>
+              <a:t>ț</a:t>
             </a:r>
             <a:r>
               <a:rPr lang="en-US" sz="2200" dirty="0"/>
-              <a:t> o </a:t>
+              <a:t>e o </a:t>
             </a:r>
             <a:r>
               <a:rPr lang="en-US" sz="2200" dirty="0" err="1"/>
-              <a:t>metoda</a:t>
+              <a:t>metod</a:t>
+            </a:r>
+            <a:r>
+              <a:rPr lang="ro-RO" sz="2200" dirty="0"/>
+              <a:t>ă</a:t>
             </a:r>
             <a:r>
               <a:rPr lang="en-US" sz="2200" dirty="0"/>
@@ -5054,7 +5243,11 @@
             </a:r>
             <a:r>
               <a:rPr lang="en-US" sz="2200" dirty="0" err="1"/>
-              <a:t>eficienta</a:t>
+              <a:t>eficient</a:t>
+            </a:r>
+            <a:r>
+              <a:rPr lang="ro-RO" sz="2200" dirty="0"/>
+              <a:t>ă</a:t>
             </a:r>
             <a:r>
               <a:rPr lang="en-US" sz="2200" dirty="0"/>
@@ -5066,19 +5259,35 @@
             </a:r>
             <a:r>
               <a:rPr lang="en-US" sz="2200" dirty="0"/>
-              <a:t> care </a:t>
+              <a:t> care ace</a:t>
+            </a:r>
+            <a:r>
+              <a:rPr lang="ro-RO" sz="2200" dirty="0"/>
+              <a:t>ș</a:t>
             </a:r>
             <a:r>
               <a:rPr lang="en-US" sz="2200" dirty="0" err="1"/>
-              <a:t>acestia</a:t>
+              <a:t>tia</a:t>
             </a:r>
             <a:r>
               <a:rPr lang="en-US" sz="2200" dirty="0"/>
-              <a:t> </a:t>
+              <a:t> s</a:t>
+            </a:r>
+            <a:r>
+              <a:rPr lang="ro-RO" sz="2200" dirty="0"/>
+              <a:t>ă</a:t>
+            </a:r>
+            <a:r>
+              <a:rPr lang="en-US" sz="2200" dirty="0"/>
+              <a:t> </a:t>
+            </a:r>
+            <a:r>
+              <a:rPr lang="ro-RO" sz="2200" dirty="0"/>
+              <a:t>îș</a:t>
             </a:r>
             <a:r>
               <a:rPr lang="en-US" sz="2200" dirty="0" err="1"/>
-              <a:t>sa</a:t>
+              <a:t>i</a:t>
             </a:r>
             <a:r>
               <a:rPr lang="en-US" sz="2200" dirty="0"/>
@@ -5086,15 +5295,11 @@
             </a:r>
             <a:r>
               <a:rPr lang="en-US" sz="2200" dirty="0" err="1"/>
-              <a:t>isi</a:t>
-            </a:r>
-            <a:r>
-              <a:rPr lang="en-US" sz="2200" dirty="0"/>
-              <a:t> </a:t>
-            </a:r>
-            <a:r>
-              <a:rPr lang="en-US" sz="2200" dirty="0" err="1"/>
-              <a:t>poata</a:t>
+              <a:t>poat</a:t>
+            </a:r>
+            <a:r>
+              <a:rPr lang="ro-RO" sz="2200" dirty="0"/>
+              <a:t>ă</a:t>
             </a:r>
             <a:r>
               <a:rPr lang="en-US" sz="2200" dirty="0"/>
@@ -5117,16 +5322,32 @@
               <a:t> </a:t>
             </a:r>
             <a:r>
+              <a:rPr lang="ro-RO" sz="2200" dirty="0"/>
+              <a:t>ș</a:t>
+            </a:r>
+            <a:r>
               <a:rPr lang="en-US" sz="2200" dirty="0" err="1"/>
-              <a:t>si</a:t>
+              <a:t>i</a:t>
             </a:r>
             <a:r>
               <a:rPr lang="en-US" sz="2200" dirty="0"/>
-              <a:t> a </a:t>
+              <a:t> </a:t>
+            </a:r>
+            <a:r>
+              <a:rPr lang="ro-RO" sz="2200" dirty="0"/>
+              <a:t>să</a:t>
+            </a:r>
+            <a:r>
+              <a:rPr lang="en-US" sz="2200" dirty="0"/>
+              <a:t> </a:t>
             </a:r>
             <a:r>
               <a:rPr lang="en-US" sz="2200" dirty="0" err="1"/>
-              <a:t>oferi</a:t>
+              <a:t>ofe</a:t>
+            </a:r>
+            <a:r>
+              <a:rPr lang="ro-RO" sz="2200" dirty="0"/>
+              <a:t>re</a:t>
             </a:r>
             <a:r>
               <a:rPr lang="en-US" sz="2200" dirty="0"/>
@@ -5134,11 +5355,15 @@
             </a:r>
             <a:r>
               <a:rPr lang="en-US" sz="2200" dirty="0" err="1"/>
-              <a:t>informatii</a:t>
+              <a:t>informa</a:t>
+            </a:r>
+            <a:r>
+              <a:rPr lang="ro-RO" sz="2200" dirty="0"/>
+              <a:t>ț</a:t>
             </a:r>
             <a:r>
               <a:rPr lang="en-US" sz="2200" dirty="0"/>
-              <a:t> </a:t>
+              <a:t>ii </a:t>
             </a:r>
             <a:r>
               <a:rPr lang="en-US" sz="2200" dirty="0" err="1"/>
@@ -5154,11 +5379,15 @@
             </a:r>
             <a:r>
               <a:rPr lang="en-US" sz="2200" dirty="0"/>
-              <a:t> </a:t>
+              <a:t> c</a:t>
+            </a:r>
+            <a:r>
+              <a:rPr lang="ro-RO" sz="2200" dirty="0"/>
+              <a:t>ă</a:t>
             </a:r>
             <a:r>
               <a:rPr lang="en-US" sz="2200" dirty="0" err="1"/>
-              <a:t>catre</a:t>
+              <a:t>tre</a:t>
             </a:r>
             <a:r>
               <a:rPr lang="en-US" sz="2200" dirty="0"/>
@@ -5174,164 +5403,214 @@
             </a:r>
             <a:r>
               <a:rPr lang="en-US" sz="2200" dirty="0" err="1"/>
-              <a:t>cumparatori</a:t>
+              <a:t>cump</a:t>
+            </a:r>
+            <a:r>
+              <a:rPr lang="ro-RO" sz="2200" dirty="0"/>
+              <a:t>ă</a:t>
+            </a:r>
+            <a:r>
+              <a:rPr lang="en-US" sz="2200" dirty="0"/>
+              <a:t>r</a:t>
+            </a:r>
+            <a:r>
+              <a:rPr lang="ro-RO" sz="2200" dirty="0"/>
+              <a:t>ă</a:t>
+            </a:r>
+            <a:r>
+              <a:rPr lang="en-US" sz="2200" dirty="0"/>
+              <a:t>tori. </a:t>
+            </a:r>
+          </a:p>
+          <a:p>
+            <a:r>
+              <a:rPr lang="en-US" sz="2200" dirty="0"/>
+              <a:t>Este o </a:t>
+            </a:r>
+            <a:r>
+              <a:rPr lang="en-US" sz="2200" dirty="0" err="1"/>
+              <a:t>modalitate</a:t>
+            </a:r>
+            <a:r>
+              <a:rPr lang="en-US" sz="2200" dirty="0"/>
+              <a:t> </a:t>
+            </a:r>
+            <a:r>
+              <a:rPr lang="en-US" sz="2200" dirty="0" err="1"/>
+              <a:t>facil</a:t>
+            </a:r>
+            <a:r>
+              <a:rPr lang="ro-RO" sz="2200" dirty="0"/>
+              <a:t>ă</a:t>
+            </a:r>
+            <a:r>
+              <a:rPr lang="en-US" sz="2200" dirty="0"/>
+              <a:t> de a face </a:t>
+            </a:r>
+            <a:r>
+              <a:rPr lang="en-US" sz="2200" dirty="0" err="1"/>
+              <a:t>reclam</a:t>
+            </a:r>
+            <a:r>
+              <a:rPr lang="ro-RO" sz="2200" dirty="0"/>
+              <a:t>ă</a:t>
+            </a:r>
+            <a:r>
+              <a:rPr lang="en-US" sz="2200" dirty="0"/>
+              <a:t>, </a:t>
+            </a:r>
+            <a:r>
+              <a:rPr lang="ro-RO" sz="2200" dirty="0"/>
+              <a:t>î</a:t>
+            </a:r>
+            <a:r>
+              <a:rPr lang="en-US" sz="2200" dirty="0"/>
+              <a:t>n care </a:t>
+            </a:r>
+            <a:r>
+              <a:rPr lang="en-US" sz="2200" dirty="0" err="1"/>
+              <a:t>proprietarul</a:t>
+            </a:r>
+            <a:r>
+              <a:rPr lang="en-US" sz="2200" dirty="0"/>
+              <a:t> </a:t>
+            </a:r>
+            <a:r>
+              <a:rPr lang="en-US" sz="2200" dirty="0" err="1"/>
+              <a:t>trebuie</a:t>
+            </a:r>
+            <a:r>
+              <a:rPr lang="en-US" sz="2200" dirty="0"/>
+              <a:t> </a:t>
+            </a:r>
+            <a:r>
+              <a:rPr lang="en-US" sz="2200" dirty="0" err="1"/>
+              <a:t>doar</a:t>
+            </a:r>
+            <a:r>
+              <a:rPr lang="en-US" sz="2200" dirty="0"/>
+              <a:t> s</a:t>
+            </a:r>
+            <a:r>
+              <a:rPr lang="ro-RO" sz="2200" dirty="0"/>
+              <a:t>ă</a:t>
+            </a:r>
+            <a:r>
+              <a:rPr lang="en-US" sz="2200" dirty="0"/>
+              <a:t> </a:t>
+            </a:r>
+            <a:r>
+              <a:rPr lang="ro-RO" sz="2200" dirty="0"/>
+              <a:t>î</a:t>
+            </a:r>
+            <a:r>
+              <a:rPr lang="en-US" sz="2200" dirty="0" err="1"/>
+              <a:t>nregistreze</a:t>
+            </a:r>
+            <a:r>
+              <a:rPr lang="en-US" sz="2200" dirty="0"/>
+              <a:t> </a:t>
+            </a:r>
+            <a:r>
+              <a:rPr lang="en-US" sz="2200" dirty="0" err="1"/>
+              <a:t>imobilul</a:t>
+            </a:r>
+            <a:r>
+              <a:rPr lang="en-US" sz="2200" dirty="0"/>
+              <a:t> de v</a:t>
+            </a:r>
+            <a:r>
+              <a:rPr lang="ro-RO" sz="2200" dirty="0"/>
+              <a:t>â</a:t>
+            </a:r>
+            <a:r>
+              <a:rPr lang="en-US" sz="2200" dirty="0" err="1"/>
+              <a:t>nzare</a:t>
+            </a:r>
+            <a:r>
+              <a:rPr lang="en-US" sz="2200" dirty="0"/>
+              <a:t>/</a:t>
+            </a:r>
+            <a:r>
+              <a:rPr lang="ro-RO" sz="2200" dirty="0"/>
+              <a:t>î</a:t>
+            </a:r>
+            <a:r>
+              <a:rPr lang="en-US" sz="2200" dirty="0" err="1"/>
+              <a:t>nchiriere</a:t>
+            </a:r>
+            <a:r>
+              <a:rPr lang="en-US" sz="2200" dirty="0"/>
+              <a:t>, cu </a:t>
+            </a:r>
+            <a:r>
+              <a:rPr lang="en-US" sz="2200" dirty="0" err="1"/>
+              <a:t>poze</a:t>
+            </a:r>
+            <a:r>
+              <a:rPr lang="en-US" sz="2200" dirty="0"/>
+              <a:t> </a:t>
+            </a:r>
+            <a:r>
+              <a:rPr lang="ro-RO" sz="2200" dirty="0"/>
+              <a:t>ș</a:t>
+            </a:r>
+            <a:r>
+              <a:rPr lang="en-US" sz="2200" dirty="0" err="1"/>
+              <a:t>i</a:t>
+            </a:r>
+            <a:r>
+              <a:rPr lang="en-US" sz="2200" dirty="0"/>
+              <a:t> </a:t>
+            </a:r>
+            <a:r>
+              <a:rPr lang="en-US" sz="2200" dirty="0" err="1"/>
+              <a:t>informa</a:t>
+            </a:r>
+            <a:r>
+              <a:rPr lang="ro-RO" sz="2200" dirty="0"/>
+              <a:t>ț</a:t>
+            </a:r>
+            <a:r>
+              <a:rPr lang="en-US" sz="2200" dirty="0"/>
+              <a:t>ii </a:t>
+            </a:r>
+            <a:r>
+              <a:rPr lang="en-US" sz="2200" dirty="0" err="1"/>
+              <a:t>esen</a:t>
+            </a:r>
+            <a:r>
+              <a:rPr lang="ro-RO" sz="2200" dirty="0"/>
+              <a:t>ț</a:t>
+            </a:r>
+            <a:r>
+              <a:rPr lang="en-US" sz="2200" dirty="0" err="1"/>
+              <a:t>iale</a:t>
+            </a:r>
+            <a:r>
+              <a:rPr lang="en-US" sz="2200" dirty="0"/>
+              <a:t> </a:t>
+            </a:r>
+            <a:r>
+              <a:rPr lang="en-US" sz="2200" dirty="0" err="1"/>
+              <a:t>despre</a:t>
+            </a:r>
+            <a:r>
+              <a:rPr lang="en-US" sz="2200" dirty="0"/>
+              <a:t> </a:t>
+            </a:r>
+            <a:r>
+              <a:rPr lang="en-US" sz="2200" dirty="0" err="1"/>
+              <a:t>acesta</a:t>
             </a:r>
             <a:r>
               <a:rPr lang="en-US" sz="2200" dirty="0"/>
               <a:t>. </a:t>
             </a:r>
-            <a:endParaRPr lang="en-US" sz="2200" dirty="0" smtClean="0"/>
-          </a:p>
-          <a:p>
-            <a:r>
-              <a:rPr lang="en-US" sz="2200" dirty="0" smtClean="0"/>
-              <a:t>Este </a:t>
-            </a:r>
+          </a:p>
+          <a:p>
             <a:r>
               <a:rPr lang="en-US" sz="2200" dirty="0"/>
-              <a:t>o </a:t>
-            </a:r>
-            <a:r>
-              <a:rPr lang="en-US" sz="2200" dirty="0" err="1"/>
-              <a:t>modalitate</a:t>
-            </a:r>
-            <a:r>
-              <a:rPr lang="en-US" sz="2200" dirty="0"/>
-              <a:t> </a:t>
-            </a:r>
-            <a:r>
-              <a:rPr lang="en-US" sz="2200" dirty="0" err="1"/>
-              <a:t>facila</a:t>
-            </a:r>
-            <a:r>
-              <a:rPr lang="en-US" sz="2200" dirty="0"/>
-              <a:t> de a face </a:t>
-            </a:r>
-            <a:r>
-              <a:rPr lang="en-US" sz="2200" dirty="0" err="1"/>
-              <a:t>reclama</a:t>
-            </a:r>
-            <a:r>
-              <a:rPr lang="en-US" sz="2200" dirty="0"/>
-              <a:t>, in care </a:t>
-            </a:r>
-            <a:r>
-              <a:rPr lang="en-US" sz="2200" dirty="0" err="1"/>
-              <a:t>proprietarul</a:t>
-            </a:r>
-            <a:r>
-              <a:rPr lang="en-US" sz="2200" dirty="0"/>
-              <a:t> </a:t>
-            </a:r>
-            <a:r>
-              <a:rPr lang="en-US" sz="2200" dirty="0" err="1"/>
-              <a:t>trebuie</a:t>
-            </a:r>
-            <a:r>
-              <a:rPr lang="en-US" sz="2200" dirty="0"/>
-              <a:t> </a:t>
-            </a:r>
-            <a:r>
-              <a:rPr lang="en-US" sz="2200" dirty="0" err="1"/>
-              <a:t>doar</a:t>
-            </a:r>
-            <a:r>
-              <a:rPr lang="en-US" sz="2200" dirty="0"/>
-              <a:t> </a:t>
-            </a:r>
-            <a:r>
-              <a:rPr lang="en-US" sz="2200" dirty="0" err="1"/>
-              <a:t>sa</a:t>
-            </a:r>
-            <a:r>
-              <a:rPr lang="en-US" sz="2200" dirty="0"/>
-              <a:t> </a:t>
-            </a:r>
-            <a:r>
-              <a:rPr lang="en-US" sz="2200" dirty="0" err="1"/>
-              <a:t>inregistreze</a:t>
-            </a:r>
-            <a:r>
-              <a:rPr lang="en-US" sz="2200" dirty="0"/>
-              <a:t> </a:t>
-            </a:r>
-            <a:r>
-              <a:rPr lang="en-US" sz="2200" dirty="0" err="1"/>
-              <a:t>imobilul</a:t>
-            </a:r>
-            <a:r>
-              <a:rPr lang="en-US" sz="2200" dirty="0"/>
-              <a:t> de </a:t>
-            </a:r>
-            <a:r>
-              <a:rPr lang="en-US" sz="2200" dirty="0" err="1"/>
-              <a:t>vanzare</a:t>
-            </a:r>
-            <a:r>
-              <a:rPr lang="en-US" sz="2200" dirty="0"/>
-              <a:t>/</a:t>
-            </a:r>
-            <a:r>
-              <a:rPr lang="en-US" sz="2200" dirty="0" err="1"/>
-              <a:t>inchiriere</a:t>
-            </a:r>
-            <a:r>
-              <a:rPr lang="en-US" sz="2200" dirty="0"/>
-              <a:t>, cu </a:t>
-            </a:r>
-            <a:r>
-              <a:rPr lang="en-US" sz="2200" dirty="0" err="1"/>
-              <a:t>poze</a:t>
-            </a:r>
-            <a:r>
-              <a:rPr lang="en-US" sz="2200" dirty="0"/>
-              <a:t> </a:t>
-            </a:r>
-            <a:r>
-              <a:rPr lang="en-US" sz="2200" dirty="0" err="1"/>
-              <a:t>si</a:t>
-            </a:r>
-            <a:r>
-              <a:rPr lang="en-US" sz="2200" dirty="0"/>
-              <a:t> </a:t>
-            </a:r>
-            <a:r>
-              <a:rPr lang="en-US" sz="2200" dirty="0" err="1"/>
-              <a:t>informatii</a:t>
-            </a:r>
-            <a:r>
-              <a:rPr lang="en-US" sz="2200" dirty="0"/>
-              <a:t> </a:t>
-            </a:r>
-            <a:r>
-              <a:rPr lang="en-US" sz="2200" dirty="0" err="1"/>
-              <a:t>esentiale</a:t>
-            </a:r>
-            <a:r>
-              <a:rPr lang="en-US" sz="2200" dirty="0"/>
-              <a:t> </a:t>
-            </a:r>
-            <a:r>
-              <a:rPr lang="en-US" sz="2200" dirty="0" err="1"/>
-              <a:t>despre</a:t>
-            </a:r>
-            <a:r>
-              <a:rPr lang="en-US" sz="2200" dirty="0"/>
-              <a:t> </a:t>
-            </a:r>
-            <a:r>
-              <a:rPr lang="en-US" sz="2200" dirty="0" err="1"/>
-              <a:t>acesta</a:t>
-            </a:r>
-            <a:r>
-              <a:rPr lang="en-US" sz="2200" dirty="0"/>
-              <a:t>. </a:t>
-            </a:r>
-            <a:endParaRPr lang="en-US" sz="2200" dirty="0" smtClean="0"/>
-          </a:p>
-          <a:p>
-            <a:r>
-              <a:rPr lang="en-US" sz="2200" dirty="0" smtClean="0"/>
               <a:t>El </a:t>
             </a:r>
             <a:r>
@@ -5348,11 +5627,11 @@
             </a:r>
             <a:r>
               <a:rPr lang="en-US" sz="2200" dirty="0"/>
-              <a:t> </a:t>
-            </a:r>
-            <a:r>
-              <a:rPr lang="en-US" sz="2200" dirty="0" err="1"/>
-              <a:t>sa</a:t>
+              <a:t> s</a:t>
+            </a:r>
+            <a:r>
+              <a:rPr lang="ro-RO" sz="2200" dirty="0"/>
+              <a:t>ă</a:t>
             </a:r>
             <a:r>
               <a:rPr lang="en-US" sz="2200" dirty="0"/>
@@ -5368,15 +5647,27 @@
             </a:r>
             <a:r>
               <a:rPr lang="en-US" sz="2200" dirty="0" err="1"/>
-              <a:t>clientii</a:t>
+              <a:t>clien</a:t>
+            </a:r>
+            <a:r>
+              <a:rPr lang="ro-RO" sz="2200" dirty="0"/>
+              <a:t>ț</a:t>
             </a:r>
             <a:r>
               <a:rPr lang="en-US" sz="2200" dirty="0"/>
-              <a:t> </a:t>
+              <a:t>ii </a:t>
             </a:r>
             <a:r>
               <a:rPr lang="en-US" sz="2200" dirty="0" err="1"/>
-              <a:t>interesati</a:t>
+              <a:t>interesa</a:t>
+            </a:r>
+            <a:r>
+              <a:rPr lang="ro-RO" sz="2200" dirty="0"/>
+              <a:t>ț</a:t>
+            </a:r>
+            <a:r>
+              <a:rPr lang="en-US" sz="2200" dirty="0" err="1"/>
+              <a:t>i</a:t>
             </a:r>
             <a:r>
               <a:rPr lang="en-US" sz="2200" dirty="0"/>
@@ -5407,8 +5698,12 @@
               <a:t> </a:t>
             </a:r>
             <a:r>
+              <a:rPr lang="ro-RO" sz="2200" dirty="0"/>
+              <a:t>ș</a:t>
+            </a:r>
+            <a:r>
               <a:rPr lang="en-US" sz="2200" dirty="0" err="1"/>
-              <a:t>si</a:t>
+              <a:t>i</a:t>
             </a:r>
             <a:r>
               <a:rPr lang="en-US" sz="2200" dirty="0"/>
@@ -5487,13 +5782,6 @@
   <p:clrMapOvr>
     <a:masterClrMapping/>
   </p:clrMapOvr>
-  <p:timing>
-    <p:tnLst>
-      <p:par>
-        <p:cTn id="1" dur="indefinite" restart="never" nodeType="tmRoot"/>
-      </p:par>
-    </p:tnLst>
-  </p:timing>
 </p:sld>
 </file>
 
@@ -5530,15 +5818,15 @@
           <a:lstStyle/>
           <a:p>
             <a:r>
-              <a:rPr lang="en-US" dirty="0" err="1" smtClean="0"/>
+              <a:rPr lang="en-US" dirty="0" err="1"/>
               <a:t>Utilzatorii</a:t>
             </a:r>
             <a:r>
-              <a:rPr lang="en-US" dirty="0" smtClean="0"/>
-              <a:t> </a:t>
-            </a:r>
-            <a:r>
-              <a:rPr lang="en-US" dirty="0" err="1" smtClean="0"/>
+              <a:rPr lang="en-US" dirty="0"/>
+              <a:t> </a:t>
+            </a:r>
+            <a:r>
+              <a:rPr lang="en-US" dirty="0" err="1"/>
               <a:t>sistemului</a:t>
             </a:r>
             <a:endParaRPr lang="en-US" dirty="0"/>
@@ -5571,21 +5859,16 @@
               <a:rPr lang="en-US" dirty="0"/>
               <a:t> </a:t>
             </a:r>
-            <a:endParaRPr lang="en-US" dirty="0" smtClean="0"/>
           </a:p>
           <a:p>
             <a:pPr lvl="1"/>
             <a:r>
-              <a:rPr lang="en-US" dirty="0" err="1" smtClean="0"/>
+              <a:rPr lang="en-US" dirty="0" err="1"/>
               <a:t>persoane</a:t>
             </a:r>
             <a:r>
-              <a:rPr lang="en-US" dirty="0" smtClean="0"/>
-              <a:t> </a:t>
-            </a:r>
-            <a:r>
-              <a:rPr lang="en-US" dirty="0"/>
-              <a:t>care </a:t>
+              <a:rPr lang="en-US" dirty="0"/>
+              <a:t> care </a:t>
             </a:r>
             <a:r>
               <a:rPr lang="en-US" dirty="0" err="1"/>
@@ -5644,21 +5927,21 @@
               <a:t> </a:t>
             </a:r>
             <a:r>
-              <a:rPr lang="en-US" dirty="0" err="1" smtClean="0"/>
+              <a:rPr lang="en-US" dirty="0" err="1"/>
               <a:t>platformei</a:t>
             </a:r>
             <a:r>
-              <a:rPr lang="en-US" dirty="0" smtClean="0"/>
+              <a:rPr lang="en-US" dirty="0"/>
               <a:t>.</a:t>
             </a:r>
           </a:p>
           <a:p>
             <a:r>
-              <a:rPr lang="en-US" dirty="0" err="1" smtClean="0"/>
+              <a:rPr lang="en-US" dirty="0" err="1"/>
               <a:t>Vânzatori</a:t>
             </a:r>
             <a:r>
-              <a:rPr lang="en-US" dirty="0" smtClean="0"/>
+              <a:rPr lang="en-US" dirty="0"/>
               <a:t> </a:t>
             </a:r>
             <a:r>
@@ -5677,21 +5960,16 @@
               <a:rPr lang="en-US" dirty="0"/>
               <a:t> </a:t>
             </a:r>
-            <a:endParaRPr lang="en-US" dirty="0" smtClean="0"/>
           </a:p>
           <a:p>
             <a:pPr lvl="1"/>
             <a:r>
-              <a:rPr lang="en-US" dirty="0" err="1" smtClean="0"/>
+              <a:rPr lang="en-US" dirty="0" err="1"/>
               <a:t>persoane</a:t>
             </a:r>
             <a:r>
-              <a:rPr lang="en-US" dirty="0" smtClean="0"/>
-              <a:t> </a:t>
-            </a:r>
-            <a:r>
-              <a:rPr lang="en-US" dirty="0"/>
-              <a:t>care </a:t>
+              <a:rPr lang="en-US" dirty="0"/>
+              <a:t> care </a:t>
             </a:r>
             <a:r>
               <a:rPr lang="en-US" dirty="0" err="1"/>
@@ -5797,16 +6075,15 @@
               <a:rPr lang="en-US" dirty="0"/>
               <a:t>. </a:t>
             </a:r>
-            <a:endParaRPr lang="en-US" dirty="0" smtClean="0"/>
           </a:p>
           <a:p>
             <a:pPr lvl="0"/>
             <a:r>
-              <a:rPr lang="en-US" dirty="0" err="1" smtClean="0"/>
+              <a:rPr lang="en-US" dirty="0" err="1"/>
               <a:t>Vânzători</a:t>
             </a:r>
             <a:r>
-              <a:rPr lang="en-US" dirty="0" smtClean="0"/>
+              <a:rPr lang="en-US" dirty="0"/>
               <a:t> </a:t>
             </a:r>
             <a:r>
@@ -5859,79 +6136,71 @@
             </a:r>
             <a:r>
               <a:rPr lang="en-US" dirty="0"/>
-              <a:t> </a:t>
-            </a:r>
-            <a:r>
-              <a:rPr lang="en-US" dirty="0" smtClean="0"/>
-              <a:t>– </a:t>
-            </a:r>
-            <a:r>
-              <a:rPr lang="en-US" dirty="0" err="1" smtClean="0"/>
+              <a:t> – </a:t>
+            </a:r>
+            <a:r>
+              <a:rPr lang="en-US" dirty="0" err="1"/>
               <a:t>firme</a:t>
             </a:r>
             <a:r>
-              <a:rPr lang="en-US" dirty="0" smtClean="0"/>
+              <a:rPr lang="en-US" dirty="0"/>
               <a:t> private care se </a:t>
             </a:r>
             <a:r>
-              <a:rPr lang="en-US" dirty="0" err="1" smtClean="0"/>
+              <a:rPr lang="en-US" dirty="0" err="1"/>
               <a:t>ocupa</a:t>
             </a:r>
             <a:r>
-              <a:rPr lang="en-US" dirty="0" smtClean="0"/>
+              <a:rPr lang="en-US" dirty="0"/>
               <a:t> cu </a:t>
             </a:r>
             <a:r>
-              <a:rPr lang="en-US" dirty="0" err="1" smtClean="0"/>
+              <a:rPr lang="en-US" dirty="0" err="1"/>
               <a:t>medierea</a:t>
             </a:r>
             <a:r>
-              <a:rPr lang="en-US" dirty="0" smtClean="0"/>
-              <a:t> </a:t>
-            </a:r>
-            <a:r>
-              <a:rPr lang="en-US" dirty="0" err="1" smtClean="0"/>
+              <a:rPr lang="en-US" dirty="0"/>
+              <a:t> </a:t>
+            </a:r>
+            <a:r>
+              <a:rPr lang="en-US" dirty="0" err="1"/>
               <a:t>dintre</a:t>
             </a:r>
             <a:r>
-              <a:rPr lang="en-US" dirty="0" smtClean="0"/>
-              <a:t> </a:t>
-            </a:r>
-            <a:r>
-              <a:rPr lang="en-US" dirty="0" err="1" smtClean="0"/>
+              <a:rPr lang="en-US" dirty="0"/>
+              <a:t> </a:t>
+            </a:r>
+            <a:r>
+              <a:rPr lang="en-US" dirty="0" err="1"/>
               <a:t>cumparator</a:t>
             </a:r>
             <a:r>
-              <a:rPr lang="en-US" dirty="0" smtClean="0"/>
-              <a:t> </a:t>
-            </a:r>
-            <a:r>
-              <a:rPr lang="en-US" dirty="0" err="1" smtClean="0"/>
+              <a:rPr lang="en-US" dirty="0"/>
+              <a:t> </a:t>
+            </a:r>
+            <a:r>
+              <a:rPr lang="en-US" dirty="0" err="1"/>
               <a:t>si</a:t>
             </a:r>
             <a:r>
-              <a:rPr lang="en-US" dirty="0" smtClean="0"/>
-              <a:t> </a:t>
-            </a:r>
-            <a:r>
-              <a:rPr lang="en-US" dirty="0" err="1" smtClean="0"/>
+              <a:rPr lang="en-US" dirty="0"/>
+              <a:t> </a:t>
+            </a:r>
+            <a:r>
+              <a:rPr lang="en-US" dirty="0" err="1"/>
               <a:t>vanzator</a:t>
             </a:r>
-            <a:endParaRPr lang="en-US" dirty="0" smtClean="0"/>
+            <a:endParaRPr lang="en-US" dirty="0"/>
           </a:p>
           <a:p>
             <a:pPr lvl="1"/>
             <a:r>
-              <a:rPr lang="en-US" dirty="0" err="1" smtClean="0"/>
+              <a:rPr lang="en-US" dirty="0" err="1"/>
               <a:t>Dezvoltatori</a:t>
             </a:r>
             <a:r>
-              <a:rPr lang="en-US" dirty="0" smtClean="0"/>
-              <a:t> </a:t>
-            </a:r>
-            <a:r>
-              <a:rPr lang="en-US" dirty="0"/>
-              <a:t>– </a:t>
+              <a:rPr lang="en-US" dirty="0"/>
+              <a:t> – </a:t>
             </a:r>
             <a:r>
               <a:rPr lang="en-US" dirty="0" err="1"/>
@@ -5978,47 +6247,63 @@
               <a:t>Administrator al </a:t>
             </a:r>
             <a:r>
-              <a:rPr lang="en-US" dirty="0" err="1" smtClean="0"/>
+              <a:rPr lang="en-US" dirty="0" err="1"/>
               <a:t>platformei</a:t>
             </a:r>
-            <a:endParaRPr lang="en-US" dirty="0" smtClean="0"/>
+            <a:endParaRPr lang="en-US" dirty="0"/>
           </a:p>
           <a:p>
             <a:pPr lvl="1"/>
             <a:r>
-              <a:rPr lang="en-US" dirty="0" err="1" smtClean="0"/>
-              <a:t>Persoana</a:t>
-            </a:r>
-            <a:r>
-              <a:rPr lang="en-US" dirty="0" smtClean="0"/>
+              <a:rPr lang="en-US" dirty="0" err="1"/>
+              <a:t>Persoan</a:t>
+            </a:r>
+            <a:r>
+              <a:rPr lang="ro-RO" dirty="0"/>
+              <a:t>ă</a:t>
+            </a:r>
+            <a:r>
+              <a:rPr lang="en-US" dirty="0"/>
               <a:t> care se </a:t>
             </a:r>
             <a:r>
-              <a:rPr lang="en-US" dirty="0" err="1" smtClean="0"/>
-              <a:t>ocupa</a:t>
-            </a:r>
-            <a:r>
-              <a:rPr lang="en-US" dirty="0" smtClean="0"/>
+              <a:rPr lang="en-US" dirty="0" err="1"/>
+              <a:t>ocup</a:t>
+            </a:r>
+            <a:r>
+              <a:rPr lang="ro-RO" dirty="0"/>
+              <a:t>ă</a:t>
+            </a:r>
+            <a:r>
+              <a:rPr lang="en-US" dirty="0"/>
               <a:t> de </a:t>
             </a:r>
             <a:r>
-              <a:rPr lang="en-US" dirty="0" err="1" smtClean="0"/>
+              <a:rPr lang="en-US" dirty="0" err="1"/>
               <a:t>buna</a:t>
             </a:r>
             <a:r>
-              <a:rPr lang="en-US" dirty="0" smtClean="0"/>
-              <a:t> </a:t>
-            </a:r>
-            <a:r>
-              <a:rPr lang="en-US" dirty="0" err="1" smtClean="0"/>
-              <a:t>functionare</a:t>
-            </a:r>
-            <a:r>
-              <a:rPr lang="en-US" dirty="0" smtClean="0"/>
+              <a:rPr lang="en-US" dirty="0"/>
+              <a:t> </a:t>
+            </a:r>
+            <a:r>
+              <a:rPr lang="en-US" dirty="0" err="1"/>
+              <a:t>func</a:t>
+            </a:r>
+            <a:r>
+              <a:rPr lang="ro-RO" dirty="0"/>
+              <a:t>ț</a:t>
+            </a:r>
+            <a:r>
+              <a:rPr lang="en-US" dirty="0" err="1"/>
+              <a:t>ionare</a:t>
+            </a:r>
+            <a:r>
+              <a:rPr lang="en-US" dirty="0"/>
               <a:t> a </a:t>
             </a:r>
             <a:r>
-              <a:rPr lang="en-US" dirty="0" err="1" smtClean="0"/>
+              <a:rPr lang="en-US" dirty="0" err="1"/>
               <a:t>platformei</a:t>
             </a:r>
             <a:endParaRPr lang="en-US" dirty="0"/>
@@ -6035,13 +6320,6 @@
   <p:clrMapOvr>
     <a:masterClrMapping/>
   </p:clrMapOvr>
-  <p:timing>
-    <p:tnLst>
-      <p:par>
-        <p:cTn id="1" dur="indefinite" restart="never" nodeType="tmRoot"/>
-      </p:par>
-    </p:tnLst>
-  </p:timing>
 </p:sld>
 </file>
 
@@ -6078,15 +6356,31 @@
           <a:lstStyle/>
           <a:p>
             <a:r>
-              <a:rPr lang="en-US" dirty="0" err="1" smtClean="0"/>
-              <a:t>Functionalitatile</a:t>
-            </a:r>
-            <a:r>
-              <a:rPr lang="en-US" dirty="0" smtClean="0"/>
-              <a:t> </a:t>
-            </a:r>
-            <a:r>
-              <a:rPr lang="en-US" dirty="0" err="1" smtClean="0"/>
+              <a:rPr lang="en-US" dirty="0" err="1"/>
+              <a:t>Func</a:t>
+            </a:r>
+            <a:r>
+              <a:rPr lang="ro-RO" dirty="0"/>
+              <a:t>ț</a:t>
+            </a:r>
+            <a:r>
+              <a:rPr lang="en-US" dirty="0" err="1"/>
+              <a:t>ionalit</a:t>
+            </a:r>
+            <a:r>
+              <a:rPr lang="ro-RO" dirty="0"/>
+              <a:t>ăț</a:t>
+            </a:r>
+            <a:r>
+              <a:rPr lang="en-US" dirty="0" err="1"/>
+              <a:t>ile</a:t>
+            </a:r>
+            <a:r>
+              <a:rPr lang="en-US" dirty="0"/>
+              <a:t> </a:t>
+            </a:r>
+            <a:r>
+              <a:rPr lang="en-US" dirty="0" err="1"/>
               <a:t>sistemului</a:t>
             </a:r>
             <a:endParaRPr lang="en-US" dirty="0"/>
@@ -6130,14 +6424,13 @@
               <a:t> </a:t>
             </a:r>
             <a:r>
-              <a:rPr lang="en-US" dirty="0" err="1" smtClean="0"/>
+              <a:rPr lang="en-US" dirty="0" err="1"/>
               <a:t>anunț</a:t>
             </a:r>
             <a:r>
-              <a:rPr lang="en-US" dirty="0" smtClean="0"/>
-              <a:t> </a:t>
-            </a:r>
-            <a:endParaRPr lang="en-US" dirty="0"/>
+              <a:rPr lang="en-US" dirty="0"/>
+              <a:t> </a:t>
+            </a:r>
           </a:p>
           <a:p>
             <a:pPr lvl="1"/>
@@ -6182,91 +6475,106 @@
               <a:t> </a:t>
             </a:r>
             <a:r>
-              <a:rPr lang="en-US" dirty="0" err="1" smtClean="0"/>
+              <a:rPr lang="en-US" dirty="0" err="1"/>
               <a:t>aiba</a:t>
             </a:r>
             <a:r>
-              <a:rPr lang="en-US" dirty="0" smtClean="0"/>
+              <a:rPr lang="en-US" dirty="0"/>
               <a:t> un </a:t>
             </a:r>
             <a:r>
-              <a:rPr lang="en-US" dirty="0" err="1" smtClean="0"/>
+              <a:rPr lang="en-US" dirty="0" err="1"/>
               <a:t>cont</a:t>
             </a:r>
             <a:r>
-              <a:rPr lang="en-US" dirty="0" smtClean="0"/>
-              <a:t> </a:t>
-            </a:r>
-            <a:r>
-              <a:rPr lang="en-US" dirty="0" err="1" smtClean="0"/>
+              <a:rPr lang="en-US" dirty="0"/>
+              <a:t> </a:t>
+            </a:r>
+            <a:r>
+              <a:rPr lang="en-US" dirty="0" err="1"/>
               <a:t>pentru</a:t>
             </a:r>
             <a:r>
-              <a:rPr lang="en-US" dirty="0" smtClean="0"/>
+              <a:rPr lang="en-US" dirty="0"/>
               <a:t> a </a:t>
             </a:r>
             <a:r>
-              <a:rPr lang="en-US" dirty="0" err="1" smtClean="0"/>
+              <a:rPr lang="en-US" dirty="0" err="1"/>
               <a:t>putea</a:t>
             </a:r>
             <a:r>
-              <a:rPr lang="en-US" dirty="0" smtClean="0"/>
-              <a:t> </a:t>
-            </a:r>
-            <a:r>
-              <a:rPr lang="en-US" dirty="0" err="1" smtClean="0"/>
+              <a:rPr lang="en-US" dirty="0"/>
+              <a:t> </a:t>
+            </a:r>
+            <a:r>
+              <a:rPr lang="en-US" dirty="0" err="1"/>
               <a:t>posta</a:t>
             </a:r>
             <a:r>
-              <a:rPr lang="en-US" dirty="0" smtClean="0"/>
+              <a:rPr lang="en-US" dirty="0"/>
               <a:t> un </a:t>
             </a:r>
             <a:r>
-              <a:rPr lang="en-US" dirty="0" err="1" smtClean="0"/>
-              <a:t>anunt</a:t>
-            </a:r>
-            <a:r>
-              <a:rPr lang="en-US" dirty="0" smtClean="0"/>
+              <a:rPr lang="en-US" dirty="0" err="1"/>
+              <a:t>anun</a:t>
+            </a:r>
+            <a:r>
+              <a:rPr lang="ro-RO" dirty="0"/>
+              <a:t>ț</a:t>
+            </a:r>
+            <a:r>
+              <a:rPr lang="en-US" dirty="0"/>
               <a:t>.</a:t>
             </a:r>
-            <a:endParaRPr lang="en-US" dirty="0"/>
           </a:p>
           <a:p>
             <a:pPr lvl="1"/>
             <a:r>
-              <a:rPr lang="en-US" dirty="0" smtClean="0"/>
-              <a:t>In </a:t>
-            </a:r>
-            <a:r>
-              <a:rPr lang="en-US" dirty="0" err="1" smtClean="0"/>
+              <a:rPr lang="ro-RO" dirty="0"/>
+              <a:t>Î</a:t>
+            </a:r>
+            <a:r>
+              <a:rPr lang="en-US" dirty="0"/>
+              <a:t>n </a:t>
+            </a:r>
+            <a:r>
+              <a:rPr lang="en-US" dirty="0" err="1"/>
               <a:t>cadrul</a:t>
             </a:r>
             <a:r>
-              <a:rPr lang="en-US" dirty="0" smtClean="0"/>
-              <a:t> </a:t>
-            </a:r>
-            <a:r>
-              <a:rPr lang="en-US" dirty="0" err="1" smtClean="0"/>
-              <a:t>anuntului</a:t>
-            </a:r>
-            <a:r>
-              <a:rPr lang="en-US" dirty="0" smtClean="0"/>
+              <a:rPr lang="en-US" dirty="0"/>
+              <a:t> </a:t>
+            </a:r>
+            <a:r>
+              <a:rPr lang="en-US" dirty="0" err="1"/>
+              <a:t>anun</a:t>
+            </a:r>
+            <a:r>
+              <a:rPr lang="ro-RO" dirty="0"/>
+              <a:t>ț</a:t>
+            </a:r>
+            <a:r>
+              <a:rPr lang="en-US" dirty="0" err="1"/>
+              <a:t>ului</a:t>
+            </a:r>
+            <a:r>
+              <a:rPr lang="en-US" dirty="0"/>
               <a:t> se </a:t>
             </a:r>
             <a:r>
-              <a:rPr lang="en-US" dirty="0" err="1" smtClean="0"/>
+              <a:rPr lang="en-US" dirty="0" err="1"/>
               <a:t>va</a:t>
             </a:r>
             <a:r>
-              <a:rPr lang="en-US" dirty="0" smtClean="0"/>
-              <a:t> </a:t>
-            </a:r>
-            <a:r>
-              <a:rPr lang="en-US" dirty="0" err="1" smtClean="0"/>
+              <a:rPr lang="en-US" dirty="0"/>
+              <a:t> </a:t>
+            </a:r>
+            <a:r>
+              <a:rPr lang="en-US" dirty="0" err="1"/>
               <a:t>specifica</a:t>
             </a:r>
             <a:r>
-              <a:rPr lang="en-US" dirty="0" smtClean="0"/>
+              <a:rPr lang="en-US" dirty="0"/>
               <a:t> </a:t>
             </a:r>
             <a:r>
@@ -6278,8 +6586,8 @@
               <a:t> </a:t>
             </a:r>
             <a:r>
-              <a:rPr lang="en-US" dirty="0" err="1"/>
-              <a:t>anunțul</a:t>
+              <a:rPr lang="ro-RO" dirty="0"/>
+              <a:t>acesta</a:t>
             </a:r>
             <a:r>
               <a:rPr lang="en-US" dirty="0"/>
@@ -6318,279 +6626,621 @@
               <a:t> </a:t>
             </a:r>
             <a:r>
-              <a:rPr lang="en-US" dirty="0" err="1" smtClean="0"/>
+              <a:rPr lang="en-US" dirty="0" err="1"/>
               <a:t>închiriere</a:t>
             </a:r>
             <a:r>
-              <a:rPr lang="en-US" dirty="0" smtClean="0"/>
+              <a:rPr lang="en-US" dirty="0"/>
               <a:t>, se </a:t>
             </a:r>
             <a:r>
-              <a:rPr lang="en-US" dirty="0" err="1" smtClean="0"/>
+              <a:rPr lang="en-US" dirty="0" err="1"/>
               <a:t>vor</a:t>
             </a:r>
             <a:r>
-              <a:rPr lang="en-US" dirty="0" smtClean="0"/>
-              <a:t> </a:t>
-            </a:r>
-            <a:r>
-              <a:rPr lang="en-US" dirty="0" err="1" smtClean="0"/>
+              <a:rPr lang="en-US" dirty="0"/>
+              <a:t> </a:t>
+            </a:r>
+            <a:r>
+              <a:rPr lang="en-US" dirty="0" err="1"/>
               <a:t>furniza</a:t>
             </a:r>
             <a:r>
-              <a:rPr lang="en-US" dirty="0" smtClean="0"/>
-              <a:t> </a:t>
-            </a:r>
-            <a:r>
-              <a:rPr lang="en-US" dirty="0" err="1" smtClean="0"/>
-              <a:t>informatii</a:t>
-            </a:r>
-            <a:r>
-              <a:rPr lang="en-US" dirty="0" smtClean="0"/>
-              <a:t> </a:t>
-            </a:r>
-            <a:r>
-              <a:rPr lang="en-US" dirty="0" err="1" smtClean="0"/>
+              <a:rPr lang="en-US" dirty="0"/>
+              <a:t> </a:t>
+            </a:r>
+            <a:r>
+              <a:rPr lang="en-US" dirty="0" err="1"/>
+              <a:t>informa</a:t>
+            </a:r>
+            <a:r>
+              <a:rPr lang="ro-RO" dirty="0"/>
+              <a:t>ț</a:t>
+            </a:r>
+            <a:r>
+              <a:rPr lang="en-US" dirty="0"/>
+              <a:t>ii </a:t>
+            </a:r>
+            <a:r>
+              <a:rPr lang="en-US" dirty="0" err="1"/>
               <a:t>generale</a:t>
             </a:r>
             <a:r>
-              <a:rPr lang="en-US" dirty="0" smtClean="0"/>
-              <a:t> </a:t>
-            </a:r>
-            <a:r>
-              <a:rPr lang="en-US" dirty="0" err="1" smtClean="0"/>
+              <a:rPr lang="en-US" dirty="0"/>
+              <a:t> </a:t>
+            </a:r>
+            <a:r>
+              <a:rPr lang="en-US" dirty="0" err="1"/>
               <a:t>despre</a:t>
             </a:r>
             <a:r>
-              <a:rPr lang="en-US" dirty="0" smtClean="0"/>
-              <a:t> </a:t>
-            </a:r>
-            <a:r>
-              <a:rPr lang="en-US" dirty="0" err="1" smtClean="0"/>
+              <a:rPr lang="en-US" dirty="0"/>
+              <a:t> </a:t>
+            </a:r>
+            <a:r>
+              <a:rPr lang="en-US" dirty="0" err="1"/>
               <a:t>imobil</a:t>
             </a:r>
             <a:r>
               <a:rPr lang="en-US" dirty="0"/>
-              <a:t> </a:t>
-            </a:r>
-            <a:r>
-              <a:rPr lang="en-US" dirty="0" smtClean="0"/>
-              <a:t>(tip </a:t>
-            </a:r>
-            <a:r>
-              <a:rPr lang="en-US" dirty="0" err="1" smtClean="0"/>
+              <a:t> (tip </a:t>
+            </a:r>
+            <a:r>
+              <a:rPr lang="en-US" dirty="0" err="1"/>
               <a:t>imobil</a:t>
             </a:r>
             <a:r>
-              <a:rPr lang="en-US" dirty="0" smtClean="0"/>
+              <a:rPr lang="en-US" dirty="0"/>
               <a:t>, </a:t>
             </a:r>
             <a:r>
-              <a:rPr lang="en-US" dirty="0" err="1" smtClean="0"/>
-              <a:t>locatie</a:t>
-            </a:r>
-            <a:r>
-              <a:rPr lang="en-US" dirty="0" smtClean="0"/>
+              <a:rPr lang="en-US" dirty="0" err="1"/>
+              <a:t>loca</a:t>
+            </a:r>
+            <a:r>
+              <a:rPr lang="ro-RO" dirty="0"/>
+              <a:t>ț</a:t>
+            </a:r>
+            <a:r>
+              <a:rPr lang="en-US" dirty="0" err="1"/>
+              <a:t>ie</a:t>
+            </a:r>
+            <a:r>
+              <a:rPr lang="en-US" dirty="0"/>
+              <a:t>, pre</a:t>
+            </a:r>
+            <a:r>
+              <a:rPr lang="ro-RO" dirty="0"/>
+              <a:t>ț</a:t>
+            </a:r>
+            <a:r>
+              <a:rPr lang="en-US" dirty="0"/>
+              <a:t>), se </a:t>
+            </a:r>
+            <a:r>
+              <a:rPr lang="en-US" dirty="0" err="1"/>
+              <a:t>vor</a:t>
+            </a:r>
+            <a:r>
+              <a:rPr lang="en-US" dirty="0"/>
+              <a:t> </a:t>
+            </a:r>
+            <a:r>
+              <a:rPr lang="ro-RO" dirty="0"/>
+              <a:t>î</a:t>
+            </a:r>
+            <a:r>
+              <a:rPr lang="en-US" dirty="0" err="1"/>
+              <a:t>nc</a:t>
+            </a:r>
+            <a:r>
+              <a:rPr lang="ro-RO" dirty="0"/>
+              <a:t>ă</a:t>
+            </a:r>
+            <a:r>
+              <a:rPr lang="en-US" dirty="0" err="1"/>
+              <a:t>rca</a:t>
+            </a:r>
+            <a:r>
+              <a:rPr lang="en-US" dirty="0"/>
+              <a:t> </a:t>
+            </a:r>
+            <a:r>
+              <a:rPr lang="en-US" dirty="0" err="1"/>
+              <a:t>poze</a:t>
+            </a:r>
+            <a:r>
+              <a:rPr lang="en-US" dirty="0"/>
+              <a:t> cu </a:t>
+            </a:r>
+            <a:r>
+              <a:rPr lang="en-US" dirty="0" err="1"/>
+              <a:t>locuința</a:t>
+            </a:r>
+            <a:r>
+              <a:rPr lang="en-US" dirty="0"/>
               <a:t>, </a:t>
             </a:r>
             <a:r>
-              <a:rPr lang="en-US" dirty="0" err="1" smtClean="0"/>
-              <a:t>pret</a:t>
-            </a:r>
-            <a:r>
-              <a:rPr lang="en-US" dirty="0" smtClean="0"/>
-              <a:t>), se </a:t>
-            </a:r>
-            <a:r>
-              <a:rPr lang="en-US" dirty="0" err="1" smtClean="0"/>
-              <a:t>vor</a:t>
-            </a:r>
-            <a:r>
-              <a:rPr lang="en-US" dirty="0" smtClean="0"/>
-              <a:t> </a:t>
-            </a:r>
-            <a:r>
-              <a:rPr lang="en-US" dirty="0" err="1" smtClean="0"/>
-              <a:t>incarca</a:t>
-            </a:r>
-            <a:r>
-              <a:rPr lang="en-US" dirty="0" smtClean="0"/>
-              <a:t> </a:t>
-            </a:r>
-            <a:r>
-              <a:rPr lang="en-US" dirty="0" err="1" smtClean="0"/>
-              <a:t>poze</a:t>
-            </a:r>
-            <a:r>
-              <a:rPr lang="en-US" dirty="0" smtClean="0"/>
-              <a:t> </a:t>
-            </a:r>
-            <a:r>
-              <a:rPr lang="en-US" dirty="0"/>
-              <a:t>cu </a:t>
-            </a:r>
-            <a:r>
-              <a:rPr lang="en-US" dirty="0" err="1" smtClean="0"/>
-              <a:t>locuința</a:t>
-            </a:r>
-            <a:r>
-              <a:rPr lang="en-US" dirty="0" smtClean="0"/>
+              <a:rPr lang="ro-RO" dirty="0"/>
+              <a:t>ș</a:t>
+            </a:r>
+            <a:r>
+              <a:rPr lang="en-US" dirty="0" err="1"/>
+              <a:t>i</a:t>
+            </a:r>
+            <a:r>
+              <a:rPr lang="en-US" dirty="0"/>
+              <a:t> </a:t>
+            </a:r>
+            <a:r>
+              <a:rPr lang="en-US" dirty="0" err="1"/>
+              <a:t>daca</a:t>
+            </a:r>
+            <a:r>
+              <a:rPr lang="en-US" dirty="0"/>
+              <a:t> se </a:t>
+            </a:r>
+            <a:r>
+              <a:rPr lang="en-US" dirty="0" err="1"/>
+              <a:t>dore</a:t>
+            </a:r>
+            <a:r>
+              <a:rPr lang="ro-RO" dirty="0"/>
+              <a:t>ș</a:t>
+            </a:r>
+            <a:r>
+              <a:rPr lang="en-US" dirty="0" err="1"/>
+              <a:t>te</a:t>
+            </a:r>
+            <a:r>
+              <a:rPr lang="en-US" dirty="0"/>
               <a:t>, </a:t>
             </a:r>
             <a:r>
-              <a:rPr lang="en-US" dirty="0" err="1" smtClean="0"/>
-              <a:t>si</a:t>
-            </a:r>
-            <a:r>
-              <a:rPr lang="en-US" dirty="0" smtClean="0"/>
-              <a:t> </a:t>
-            </a:r>
-            <a:r>
-              <a:rPr lang="en-US" dirty="0" err="1" smtClean="0"/>
-              <a:t>daca</a:t>
-            </a:r>
-            <a:r>
-              <a:rPr lang="en-US" dirty="0" smtClean="0"/>
-              <a:t> se </a:t>
-            </a:r>
-            <a:r>
-              <a:rPr lang="en-US" dirty="0" err="1" smtClean="0"/>
-              <a:t>doreste</a:t>
-            </a:r>
-            <a:r>
-              <a:rPr lang="en-US" dirty="0" smtClean="0"/>
+              <a:rPr lang="en-US" dirty="0" err="1"/>
+              <a:t>alte</a:t>
+            </a:r>
+            <a:r>
+              <a:rPr lang="en-US" dirty="0"/>
+              <a:t> </a:t>
+            </a:r>
+            <a:r>
+              <a:rPr lang="en-US" dirty="0" err="1"/>
+              <a:t>detalii</a:t>
+            </a:r>
+            <a:r>
+              <a:rPr lang="en-US" dirty="0"/>
+              <a:t> </a:t>
+            </a:r>
+            <a:r>
+              <a:rPr lang="en-US" dirty="0" err="1"/>
+              <a:t>suplimentare</a:t>
+            </a:r>
+            <a:r>
+              <a:rPr lang="en-US" dirty="0"/>
+              <a:t>.</a:t>
+            </a:r>
+          </a:p>
+          <a:p>
+            <a:pPr lvl="1"/>
+            <a:r>
+              <a:rPr lang="en-US" dirty="0"/>
+              <a:t>Se </a:t>
+            </a:r>
+            <a:r>
+              <a:rPr lang="en-US" dirty="0" err="1"/>
+              <a:t>va</a:t>
+            </a:r>
+            <a:r>
+              <a:rPr lang="en-US" dirty="0"/>
+              <a:t> </a:t>
+            </a:r>
+            <a:r>
+              <a:rPr lang="en-US" dirty="0" err="1"/>
+              <a:t>percepe</a:t>
+            </a:r>
+            <a:r>
+              <a:rPr lang="en-US" dirty="0"/>
+              <a:t> o </a:t>
+            </a:r>
+            <a:r>
+              <a:rPr lang="en-US" dirty="0" err="1"/>
+              <a:t>taxă</a:t>
+            </a:r>
+            <a:r>
+              <a:rPr lang="en-US" dirty="0"/>
+              <a:t> </a:t>
+            </a:r>
+            <a:r>
+              <a:rPr lang="en-US" dirty="0" err="1"/>
+              <a:t>pentru</a:t>
+            </a:r>
+            <a:r>
+              <a:rPr lang="en-US" dirty="0"/>
+              <a:t> </a:t>
+            </a:r>
+            <a:r>
+              <a:rPr lang="en-US" dirty="0" err="1"/>
+              <a:t>fiecare</a:t>
+            </a:r>
+            <a:r>
+              <a:rPr lang="en-US" dirty="0"/>
+              <a:t> </a:t>
+            </a:r>
+            <a:r>
+              <a:rPr lang="en-US" dirty="0" err="1"/>
+              <a:t>anunț</a:t>
+            </a:r>
+            <a:r>
+              <a:rPr lang="en-US" dirty="0"/>
+              <a:t> </a:t>
+            </a:r>
+            <a:r>
+              <a:rPr lang="en-US" dirty="0" err="1"/>
+              <a:t>postat</a:t>
+            </a:r>
+            <a:r>
+              <a:rPr lang="en-US" dirty="0"/>
+              <a:t> </a:t>
+            </a:r>
+            <a:r>
+              <a:rPr lang="en-US" dirty="0" err="1"/>
+              <a:t>în</a:t>
+            </a:r>
+            <a:r>
+              <a:rPr lang="en-US" dirty="0"/>
+              <a:t> </a:t>
+            </a:r>
+            <a:r>
+              <a:rPr lang="en-US" dirty="0" err="1"/>
+              <a:t>funcție</a:t>
+            </a:r>
+            <a:r>
+              <a:rPr lang="en-US" dirty="0"/>
+              <a:t> de </a:t>
+            </a:r>
+            <a:r>
+              <a:rPr lang="en-US" dirty="0" err="1"/>
+              <a:t>tipul</a:t>
+            </a:r>
+            <a:r>
+              <a:rPr lang="en-US" dirty="0"/>
+              <a:t> </a:t>
+            </a:r>
+            <a:r>
+              <a:rPr lang="en-US" dirty="0" err="1"/>
+              <a:t>contului</a:t>
+            </a:r>
+            <a:r>
+              <a:rPr lang="en-US" dirty="0"/>
+              <a:t> (</a:t>
+            </a:r>
+            <a:r>
+              <a:rPr lang="en-US" dirty="0" err="1"/>
+              <a:t>persoană</a:t>
+            </a:r>
+            <a:r>
+              <a:rPr lang="en-US" dirty="0"/>
+              <a:t> </a:t>
+            </a:r>
+            <a:r>
+              <a:rPr lang="en-US" dirty="0" err="1"/>
+              <a:t>fizică</a:t>
+            </a:r>
+            <a:r>
+              <a:rPr lang="en-US" dirty="0"/>
+              <a:t> </a:t>
+            </a:r>
+            <a:r>
+              <a:rPr lang="en-US" dirty="0" err="1"/>
+              <a:t>sau</a:t>
+            </a:r>
+            <a:r>
+              <a:rPr lang="en-US" dirty="0"/>
+              <a:t> </a:t>
+            </a:r>
+            <a:r>
+              <a:rPr lang="en-US" dirty="0" err="1"/>
+              <a:t>juridică</a:t>
+            </a:r>
+            <a:r>
+              <a:rPr lang="en-US" dirty="0"/>
+              <a:t>) </a:t>
+            </a:r>
+            <a:r>
+              <a:rPr lang="en-US" dirty="0" err="1"/>
+              <a:t>în</a:t>
+            </a:r>
+            <a:r>
+              <a:rPr lang="en-US" dirty="0"/>
+              <a:t> </a:t>
+            </a:r>
+            <a:r>
+              <a:rPr lang="en-US" dirty="0" err="1"/>
+              <a:t>scopul</a:t>
+            </a:r>
+            <a:r>
+              <a:rPr lang="en-US" dirty="0"/>
+              <a:t> de a </a:t>
+            </a:r>
+            <a:r>
+              <a:rPr lang="en-US" dirty="0" err="1"/>
+              <a:t>descuraja</a:t>
+            </a:r>
+            <a:r>
+              <a:rPr lang="en-US" dirty="0"/>
+              <a:t> </a:t>
+            </a:r>
+            <a:r>
+              <a:rPr lang="en-US" dirty="0" err="1"/>
+              <a:t>crearea</a:t>
+            </a:r>
+            <a:r>
+              <a:rPr lang="en-US" dirty="0"/>
+              <a:t> de </a:t>
+            </a:r>
+            <a:r>
+              <a:rPr lang="en-US" dirty="0" err="1"/>
+              <a:t>anunțuri</a:t>
+            </a:r>
+            <a:r>
+              <a:rPr lang="en-US" dirty="0"/>
+              <a:t> false.  </a:t>
+            </a:r>
+          </a:p>
+          <a:p>
+            <a:pPr lvl="1"/>
+            <a:r>
+              <a:rPr lang="en-US" dirty="0"/>
+              <a:t>Din </a:t>
+            </a:r>
+            <a:r>
+              <a:rPr lang="en-US" dirty="0" err="1"/>
+              <a:t>momentul</a:t>
+            </a:r>
+            <a:r>
+              <a:rPr lang="en-US" dirty="0"/>
+              <a:t> </a:t>
+            </a:r>
+            <a:r>
+              <a:rPr lang="en-US" dirty="0" err="1"/>
+              <a:t>achit</a:t>
+            </a:r>
+            <a:r>
+              <a:rPr lang="ro-RO" dirty="0"/>
+              <a:t>ă</a:t>
+            </a:r>
+            <a:r>
+              <a:rPr lang="en-US" dirty="0" err="1"/>
+              <a:t>rii</a:t>
+            </a:r>
+            <a:r>
+              <a:rPr lang="en-US" dirty="0"/>
+              <a:t> </a:t>
+            </a:r>
+            <a:r>
+              <a:rPr lang="en-US" dirty="0" err="1"/>
+              <a:t>taxei</a:t>
+            </a:r>
+            <a:r>
+              <a:rPr lang="en-US" dirty="0"/>
               <a:t>, </a:t>
             </a:r>
             <a:r>
-              <a:rPr lang="en-US" dirty="0" err="1" smtClean="0"/>
-              <a:t>alte</a:t>
-            </a:r>
-            <a:r>
-              <a:rPr lang="en-US" dirty="0" smtClean="0"/>
-              <a:t> </a:t>
-            </a:r>
-            <a:r>
-              <a:rPr lang="en-US" dirty="0" err="1" smtClean="0"/>
-              <a:t>detalii</a:t>
-            </a:r>
-            <a:r>
-              <a:rPr lang="en-US" dirty="0" smtClean="0"/>
-              <a:t> </a:t>
-            </a:r>
-            <a:r>
-              <a:rPr lang="en-US" dirty="0" err="1" smtClean="0"/>
-              <a:t>suplimentare</a:t>
-            </a:r>
-            <a:r>
-              <a:rPr lang="en-US" dirty="0" smtClean="0"/>
+              <a:rPr lang="en-US" dirty="0" err="1"/>
+              <a:t>anun</a:t>
+            </a:r>
+            <a:r>
+              <a:rPr lang="ro-RO" dirty="0"/>
+              <a:t>ț</a:t>
+            </a:r>
+            <a:r>
+              <a:rPr lang="en-US" dirty="0"/>
+              <a:t>ul </a:t>
+            </a:r>
+            <a:r>
+              <a:rPr lang="en-US" dirty="0" err="1"/>
+              <a:t>este</a:t>
+            </a:r>
+            <a:r>
+              <a:rPr lang="en-US" dirty="0"/>
+              <a:t> </a:t>
+            </a:r>
+            <a:r>
+              <a:rPr lang="en-US" dirty="0" err="1"/>
+              <a:t>activ</a:t>
+            </a:r>
+            <a:r>
+              <a:rPr lang="en-US" dirty="0"/>
+              <a:t> </a:t>
+            </a:r>
+            <a:r>
+              <a:rPr lang="en-US" dirty="0" err="1"/>
+              <a:t>pentru</a:t>
+            </a:r>
+            <a:r>
+              <a:rPr lang="en-US" dirty="0"/>
+              <a:t> o </a:t>
+            </a:r>
+            <a:r>
+              <a:rPr lang="en-US" dirty="0" err="1"/>
+              <a:t>lună</a:t>
+            </a:r>
+            <a:r>
+              <a:rPr lang="en-US" dirty="0"/>
+              <a:t>, </a:t>
+            </a:r>
+            <a:r>
+              <a:rPr lang="en-US" dirty="0" err="1"/>
+              <a:t>după</a:t>
+            </a:r>
+            <a:r>
+              <a:rPr lang="en-US" dirty="0"/>
+              <a:t> care </a:t>
+            </a:r>
+            <a:r>
+              <a:rPr lang="en-US" dirty="0" err="1"/>
+              <a:t>intră</a:t>
+            </a:r>
+            <a:r>
+              <a:rPr lang="en-US" dirty="0"/>
+              <a:t> </a:t>
+            </a:r>
+            <a:r>
+              <a:rPr lang="en-US" dirty="0" err="1"/>
+              <a:t>în</a:t>
+            </a:r>
+            <a:r>
+              <a:rPr lang="en-US" dirty="0"/>
+              <a:t> </a:t>
+            </a:r>
+            <a:r>
+              <a:rPr lang="en-US" dirty="0" err="1"/>
+              <a:t>starea</a:t>
+            </a:r>
+            <a:r>
+              <a:rPr lang="en-US" dirty="0"/>
+              <a:t> „</a:t>
+            </a:r>
+            <a:r>
+              <a:rPr lang="en-US" dirty="0" err="1"/>
+              <a:t>dezactivat</a:t>
+            </a:r>
+            <a:r>
+              <a:rPr lang="en-US" dirty="0"/>
+              <a:t>”. </a:t>
+            </a:r>
+            <a:r>
+              <a:rPr lang="en-US" dirty="0" err="1"/>
+              <a:t>Anunțul</a:t>
+            </a:r>
+            <a:r>
+              <a:rPr lang="en-US" dirty="0"/>
+              <a:t> </a:t>
+            </a:r>
+            <a:r>
+              <a:rPr lang="en-US" dirty="0" err="1"/>
+              <a:t>poate</a:t>
+            </a:r>
+            <a:r>
+              <a:rPr lang="en-US" dirty="0"/>
+              <a:t> fi </a:t>
+            </a:r>
+            <a:r>
+              <a:rPr lang="en-US" dirty="0" err="1"/>
+              <a:t>prelungit</a:t>
+            </a:r>
+            <a:r>
+              <a:rPr lang="en-US" dirty="0"/>
+              <a:t> </a:t>
+            </a:r>
+            <a:r>
+              <a:rPr lang="en-US" dirty="0" err="1"/>
+              <a:t>în</a:t>
+            </a:r>
+            <a:r>
+              <a:rPr lang="en-US" dirty="0"/>
+              <a:t> </a:t>
+            </a:r>
+            <a:r>
+              <a:rPr lang="en-US" dirty="0" err="1"/>
+              <a:t>schimbul</a:t>
+            </a:r>
+            <a:r>
+              <a:rPr lang="en-US" dirty="0"/>
+              <a:t> </a:t>
+            </a:r>
+            <a:r>
+              <a:rPr lang="en-US" dirty="0" err="1"/>
+              <a:t>unei</a:t>
+            </a:r>
+            <a:r>
+              <a:rPr lang="en-US" dirty="0"/>
+              <a:t> </a:t>
+            </a:r>
+            <a:r>
+              <a:rPr lang="en-US" dirty="0" err="1"/>
+              <a:t>taxe</a:t>
+            </a:r>
+            <a:r>
+              <a:rPr lang="en-US" dirty="0"/>
+              <a:t> </a:t>
+            </a:r>
+            <a:r>
+              <a:rPr lang="en-US" dirty="0" err="1"/>
+              <a:t>lunare</a:t>
+            </a:r>
+            <a:r>
+              <a:rPr lang="en-US" dirty="0"/>
               <a:t>.</a:t>
             </a:r>
           </a:p>
           <a:p>
             <a:pPr lvl="1"/>
             <a:r>
-              <a:rPr lang="en-US" dirty="0" smtClean="0"/>
-              <a:t>Se </a:t>
-            </a:r>
-            <a:r>
-              <a:rPr lang="en-US" dirty="0" err="1"/>
-              <a:t>va</a:t>
-            </a:r>
-            <a:r>
-              <a:rPr lang="en-US" dirty="0"/>
-              <a:t> </a:t>
-            </a:r>
-            <a:r>
-              <a:rPr lang="en-US" dirty="0" err="1"/>
-              <a:t>percepe</a:t>
-            </a:r>
-            <a:r>
-              <a:rPr lang="en-US" dirty="0"/>
-              <a:t> o </a:t>
-            </a:r>
-            <a:r>
-              <a:rPr lang="en-US" dirty="0" err="1"/>
-              <a:t>taxă</a:t>
-            </a:r>
-            <a:r>
-              <a:rPr lang="en-US" dirty="0"/>
-              <a:t> </a:t>
-            </a:r>
-            <a:r>
-              <a:rPr lang="en-US" dirty="0" err="1"/>
-              <a:t>pentru</a:t>
-            </a:r>
-            <a:r>
-              <a:rPr lang="en-US" dirty="0"/>
-              <a:t> </a:t>
-            </a:r>
-            <a:r>
-              <a:rPr lang="en-US" dirty="0" err="1"/>
-              <a:t>fiecare</a:t>
-            </a:r>
-            <a:r>
-              <a:rPr lang="en-US" dirty="0"/>
-              <a:t> </a:t>
-            </a:r>
-            <a:r>
-              <a:rPr lang="en-US" dirty="0" err="1"/>
-              <a:t>anunț</a:t>
-            </a:r>
-            <a:r>
-              <a:rPr lang="en-US" dirty="0"/>
-              <a:t> </a:t>
-            </a:r>
-            <a:r>
-              <a:rPr lang="en-US" dirty="0" err="1"/>
-              <a:t>postat</a:t>
-            </a:r>
-            <a:r>
-              <a:rPr lang="en-US" dirty="0"/>
-              <a:t> </a:t>
-            </a:r>
-            <a:r>
-              <a:rPr lang="en-US" dirty="0" err="1"/>
-              <a:t>în</a:t>
-            </a:r>
-            <a:r>
-              <a:rPr lang="en-US" dirty="0"/>
-              <a:t> </a:t>
-            </a:r>
-            <a:r>
-              <a:rPr lang="en-US" dirty="0" err="1"/>
-              <a:t>funcție</a:t>
-            </a:r>
-            <a:r>
-              <a:rPr lang="en-US" dirty="0"/>
-              <a:t> de </a:t>
-            </a:r>
-            <a:r>
-              <a:rPr lang="en-US" dirty="0" err="1"/>
-              <a:t>tipul</a:t>
-            </a:r>
-            <a:r>
-              <a:rPr lang="en-US" dirty="0"/>
-              <a:t> </a:t>
-            </a:r>
-            <a:r>
-              <a:rPr lang="en-US" dirty="0" err="1"/>
-              <a:t>contului</a:t>
-            </a:r>
-            <a:r>
-              <a:rPr lang="en-US" dirty="0"/>
-              <a:t> (</a:t>
-            </a:r>
-            <a:r>
-              <a:rPr lang="en-US" dirty="0" err="1"/>
-              <a:t>persoană</a:t>
-            </a:r>
-            <a:r>
-              <a:rPr lang="en-US" dirty="0"/>
-              <a:t> </a:t>
-            </a:r>
-            <a:r>
-              <a:rPr lang="en-US" dirty="0" err="1"/>
-              <a:t>fizică</a:t>
+              <a:rPr lang="en-US" dirty="0"/>
+              <a:t>C</a:t>
+            </a:r>
+            <a:r>
+              <a:rPr lang="ro-RO" dirty="0"/>
+              <a:t>â</a:t>
+            </a:r>
+            <a:r>
+              <a:rPr lang="en-US" dirty="0"/>
+              <a:t>t </a:t>
+            </a:r>
+            <a:r>
+              <a:rPr lang="en-US" dirty="0" err="1"/>
+              <a:t>timp</a:t>
+            </a:r>
+            <a:r>
+              <a:rPr lang="en-US" dirty="0"/>
+              <a:t> </a:t>
+            </a:r>
+            <a:r>
+              <a:rPr lang="en-US" dirty="0" err="1"/>
+              <a:t>este</a:t>
+            </a:r>
+            <a:r>
+              <a:rPr lang="en-US" dirty="0"/>
+              <a:t> </a:t>
+            </a:r>
+            <a:r>
+              <a:rPr lang="en-US" dirty="0" err="1"/>
+              <a:t>activ</a:t>
+            </a:r>
+            <a:r>
+              <a:rPr lang="en-US" dirty="0"/>
+              <a:t>, </a:t>
+            </a:r>
+            <a:r>
+              <a:rPr lang="en-US" dirty="0" err="1"/>
+              <a:t>anun</a:t>
+            </a:r>
+            <a:r>
+              <a:rPr lang="ro-RO" dirty="0"/>
+              <a:t>ț</a:t>
+            </a:r>
+            <a:r>
+              <a:rPr lang="en-US" dirty="0"/>
+              <a:t>ul </a:t>
+            </a:r>
+            <a:r>
+              <a:rPr lang="en-US" dirty="0" err="1"/>
+              <a:t>poate</a:t>
+            </a:r>
+            <a:r>
+              <a:rPr lang="en-US" dirty="0"/>
+              <a:t> fi </a:t>
+            </a:r>
+            <a:r>
+              <a:rPr lang="ro-RO" dirty="0"/>
+              <a:t>ș</a:t>
+            </a:r>
+            <a:r>
+              <a:rPr lang="en-US" dirty="0" err="1"/>
+              <a:t>ters</a:t>
             </a:r>
             <a:r>
               <a:rPr lang="en-US" dirty="0"/>
@@ -6606,323 +7256,36 @@
             </a:r>
             <a:r>
               <a:rPr lang="en-US" dirty="0" err="1"/>
-              <a:t>juridică</a:t>
-            </a:r>
-            <a:r>
-              <a:rPr lang="en-US" dirty="0"/>
-              <a:t>) </a:t>
-            </a:r>
-            <a:r>
-              <a:rPr lang="en-US" dirty="0" err="1"/>
-              <a:t>în</a:t>
-            </a:r>
-            <a:r>
-              <a:rPr lang="en-US" dirty="0"/>
-              <a:t> </a:t>
-            </a:r>
-            <a:r>
-              <a:rPr lang="en-US" dirty="0" err="1"/>
-              <a:t>scopul</a:t>
-            </a:r>
-            <a:r>
-              <a:rPr lang="en-US" dirty="0"/>
-              <a:t> de a </a:t>
-            </a:r>
-            <a:r>
-              <a:rPr lang="en-US" dirty="0" err="1"/>
-              <a:t>descuraja</a:t>
-            </a:r>
-            <a:r>
-              <a:rPr lang="en-US" dirty="0"/>
-              <a:t> </a:t>
-            </a:r>
-            <a:r>
-              <a:rPr lang="en-US" dirty="0" err="1"/>
-              <a:t>crearea</a:t>
-            </a:r>
-            <a:r>
-              <a:rPr lang="en-US" dirty="0"/>
-              <a:t> de </a:t>
-            </a:r>
-            <a:r>
-              <a:rPr lang="en-US" dirty="0" err="1"/>
-              <a:t>anunțuri</a:t>
-            </a:r>
-            <a:r>
-              <a:rPr lang="en-US" dirty="0"/>
-              <a:t> false.  </a:t>
-            </a:r>
-          </a:p>
-          <a:p>
-            <a:pPr lvl="1"/>
-            <a:r>
-              <a:rPr lang="en-US" dirty="0" smtClean="0"/>
-              <a:t>Din </a:t>
-            </a:r>
-            <a:r>
-              <a:rPr lang="en-US" dirty="0" err="1" smtClean="0"/>
-              <a:t>momentul</a:t>
-            </a:r>
-            <a:r>
-              <a:rPr lang="en-US" dirty="0" smtClean="0"/>
-              <a:t> </a:t>
-            </a:r>
-            <a:r>
-              <a:rPr lang="en-US" dirty="0" err="1" smtClean="0"/>
-              <a:t>achitarii</a:t>
-            </a:r>
-            <a:r>
-              <a:rPr lang="en-US" dirty="0" smtClean="0"/>
-              <a:t> </a:t>
-            </a:r>
-            <a:r>
-              <a:rPr lang="en-US" dirty="0" err="1" smtClean="0"/>
-              <a:t>taxei</a:t>
-            </a:r>
-            <a:r>
-              <a:rPr lang="en-US" dirty="0" smtClean="0"/>
-              <a:t>, </a:t>
-            </a:r>
-            <a:r>
-              <a:rPr lang="en-US" dirty="0" err="1" smtClean="0"/>
-              <a:t>anuntul</a:t>
-            </a:r>
-            <a:r>
-              <a:rPr lang="en-US" dirty="0" smtClean="0"/>
-              <a:t> </a:t>
-            </a:r>
-            <a:r>
-              <a:rPr lang="en-US" dirty="0" err="1"/>
-              <a:t>este</a:t>
-            </a:r>
-            <a:r>
-              <a:rPr lang="en-US" dirty="0"/>
-              <a:t> </a:t>
-            </a:r>
-            <a:r>
-              <a:rPr lang="en-US" dirty="0" err="1"/>
-              <a:t>activ</a:t>
-            </a:r>
-            <a:r>
-              <a:rPr lang="en-US" dirty="0"/>
-              <a:t> </a:t>
-            </a:r>
-            <a:r>
-              <a:rPr lang="en-US" dirty="0" err="1"/>
-              <a:t>pentru</a:t>
-            </a:r>
-            <a:r>
-              <a:rPr lang="en-US" dirty="0"/>
-              <a:t> o </a:t>
-            </a:r>
-            <a:r>
-              <a:rPr lang="en-US" dirty="0" err="1"/>
-              <a:t>lună</a:t>
-            </a:r>
-            <a:r>
-              <a:rPr lang="en-US" dirty="0"/>
-              <a:t>, </a:t>
-            </a:r>
-            <a:r>
-              <a:rPr lang="en-US" dirty="0" err="1"/>
-              <a:t>după</a:t>
-            </a:r>
-            <a:r>
-              <a:rPr lang="en-US" dirty="0"/>
-              <a:t> care </a:t>
-            </a:r>
-            <a:r>
-              <a:rPr lang="en-US" dirty="0" err="1"/>
-              <a:t>intră</a:t>
-            </a:r>
-            <a:r>
-              <a:rPr lang="en-US" dirty="0"/>
-              <a:t> </a:t>
-            </a:r>
-            <a:r>
-              <a:rPr lang="en-US" dirty="0" err="1"/>
-              <a:t>în</a:t>
-            </a:r>
-            <a:r>
-              <a:rPr lang="en-US" dirty="0"/>
-              <a:t> </a:t>
-            </a:r>
-            <a:r>
-              <a:rPr lang="en-US" dirty="0" err="1"/>
-              <a:t>starea</a:t>
-            </a:r>
-            <a:r>
-              <a:rPr lang="en-US" dirty="0"/>
-              <a:t> „</a:t>
-            </a:r>
-            <a:r>
-              <a:rPr lang="en-US" dirty="0" err="1"/>
-              <a:t>dezactivat</a:t>
-            </a:r>
-            <a:r>
-              <a:rPr lang="en-US" dirty="0" smtClean="0"/>
-              <a:t>”. </a:t>
-            </a:r>
-            <a:r>
-              <a:rPr lang="en-US" dirty="0" err="1" smtClean="0"/>
-              <a:t>Anunțul</a:t>
-            </a:r>
-            <a:r>
-              <a:rPr lang="en-US" dirty="0" smtClean="0"/>
-              <a:t> </a:t>
-            </a:r>
-            <a:r>
-              <a:rPr lang="en-US" dirty="0" err="1"/>
-              <a:t>poate</a:t>
-            </a:r>
-            <a:r>
-              <a:rPr lang="en-US" dirty="0"/>
-              <a:t> fi </a:t>
-            </a:r>
-            <a:r>
-              <a:rPr lang="en-US" dirty="0" err="1"/>
-              <a:t>prelungit</a:t>
-            </a:r>
-            <a:r>
-              <a:rPr lang="en-US" dirty="0"/>
-              <a:t> </a:t>
-            </a:r>
-            <a:r>
-              <a:rPr lang="en-US" dirty="0" err="1"/>
-              <a:t>în</a:t>
-            </a:r>
-            <a:r>
-              <a:rPr lang="en-US" dirty="0"/>
-              <a:t> </a:t>
-            </a:r>
-            <a:r>
-              <a:rPr lang="en-US" dirty="0" err="1"/>
-              <a:t>schimbul</a:t>
-            </a:r>
-            <a:r>
-              <a:rPr lang="en-US" dirty="0"/>
-              <a:t> </a:t>
-            </a:r>
-            <a:r>
-              <a:rPr lang="en-US" dirty="0" err="1"/>
-              <a:t>unei</a:t>
-            </a:r>
-            <a:r>
-              <a:rPr lang="en-US" dirty="0"/>
-              <a:t> </a:t>
-            </a:r>
-            <a:r>
-              <a:rPr lang="en-US" dirty="0" err="1"/>
-              <a:t>taxe</a:t>
-            </a:r>
-            <a:r>
-              <a:rPr lang="en-US" dirty="0"/>
-              <a:t> </a:t>
-            </a:r>
-            <a:r>
-              <a:rPr lang="en-US" dirty="0" err="1"/>
-              <a:t>lunare</a:t>
-            </a:r>
-            <a:r>
-              <a:rPr lang="en-US" dirty="0" smtClean="0"/>
+              <a:t>modificat</a:t>
+            </a:r>
+            <a:r>
+              <a:rPr lang="en-US" dirty="0"/>
+              <a:t> dup</a:t>
+            </a:r>
+            <a:r>
+              <a:rPr lang="ro-RO" dirty="0"/>
+              <a:t>ă</a:t>
+            </a:r>
+            <a:r>
+              <a:rPr lang="en-US" dirty="0"/>
+              <a:t> </a:t>
+            </a:r>
+            <a:r>
+              <a:rPr lang="en-US" dirty="0" err="1"/>
+              <a:t>bunul</a:t>
+            </a:r>
+            <a:r>
+              <a:rPr lang="en-US" dirty="0"/>
+              <a:t> </a:t>
+            </a:r>
+            <a:r>
+              <a:rPr lang="en-US" dirty="0" err="1"/>
+              <a:t>plac</a:t>
+            </a:r>
+            <a:r>
+              <a:rPr lang="en-US" dirty="0"/>
               <a:t>.</a:t>
             </a:r>
-          </a:p>
-          <a:p>
-            <a:pPr lvl="1"/>
-            <a:r>
-              <a:rPr lang="en-US" dirty="0" smtClean="0"/>
-              <a:t>Cat </a:t>
-            </a:r>
-            <a:r>
-              <a:rPr lang="en-US" dirty="0" err="1" smtClean="0"/>
-              <a:t>timp</a:t>
-            </a:r>
-            <a:r>
-              <a:rPr lang="en-US" dirty="0" smtClean="0"/>
-              <a:t> </a:t>
-            </a:r>
-            <a:r>
-              <a:rPr lang="en-US" dirty="0" err="1" smtClean="0"/>
-              <a:t>este</a:t>
-            </a:r>
-            <a:r>
-              <a:rPr lang="en-US" dirty="0" smtClean="0"/>
-              <a:t> </a:t>
-            </a:r>
-            <a:r>
-              <a:rPr lang="en-US" dirty="0" err="1" smtClean="0"/>
-              <a:t>activ</a:t>
-            </a:r>
-            <a:r>
-              <a:rPr lang="en-US" dirty="0" smtClean="0"/>
-              <a:t>, </a:t>
-            </a:r>
-            <a:r>
-              <a:rPr lang="en-US" dirty="0" err="1" smtClean="0"/>
-              <a:t>anuntul</a:t>
-            </a:r>
-            <a:r>
-              <a:rPr lang="en-US" dirty="0" smtClean="0"/>
-              <a:t> </a:t>
-            </a:r>
-            <a:r>
-              <a:rPr lang="en-US" dirty="0" err="1" smtClean="0"/>
-              <a:t>poate</a:t>
-            </a:r>
-            <a:r>
-              <a:rPr lang="en-US" dirty="0" smtClean="0"/>
-              <a:t> fi </a:t>
-            </a:r>
-            <a:r>
-              <a:rPr lang="en-US" dirty="0" err="1" smtClean="0"/>
-              <a:t>sters</a:t>
-            </a:r>
-            <a:r>
-              <a:rPr lang="en-US" dirty="0"/>
-              <a:t> </a:t>
-            </a:r>
-            <a:r>
-              <a:rPr lang="en-US" dirty="0" err="1" smtClean="0"/>
-              <a:t>sau</a:t>
-            </a:r>
-            <a:r>
-              <a:rPr lang="en-US" dirty="0" smtClean="0"/>
-              <a:t> </a:t>
-            </a:r>
-            <a:r>
-              <a:rPr lang="en-US" dirty="0" err="1" smtClean="0"/>
-              <a:t>modificat</a:t>
-            </a:r>
-            <a:r>
-              <a:rPr lang="en-US" dirty="0" smtClean="0"/>
-              <a:t> </a:t>
-            </a:r>
-            <a:r>
-              <a:rPr lang="en-US" dirty="0" err="1" smtClean="0"/>
-              <a:t>dupa</a:t>
-            </a:r>
-            <a:r>
-              <a:rPr lang="en-US" dirty="0" smtClean="0"/>
-              <a:t> </a:t>
-            </a:r>
-            <a:r>
-              <a:rPr lang="en-US" dirty="0" err="1" smtClean="0"/>
-              <a:t>bunul</a:t>
-            </a:r>
-            <a:r>
-              <a:rPr lang="en-US" dirty="0" smtClean="0"/>
-              <a:t> </a:t>
-            </a:r>
-            <a:r>
-              <a:rPr lang="en-US" dirty="0" err="1" smtClean="0"/>
-              <a:t>plac</a:t>
-            </a:r>
-            <a:r>
-              <a:rPr lang="en-US" dirty="0" smtClean="0"/>
-              <a:t>.</a:t>
-            </a:r>
-            <a:endParaRPr lang="en-US" dirty="0"/>
           </a:p>
           <a:p>
             <a:endParaRPr lang="en-US" dirty="0"/>
@@ -6939,13 +7302,6 @@
   <p:clrMapOvr>
     <a:masterClrMapping/>
   </p:clrMapOvr>
-  <p:timing>
-    <p:tnLst>
-      <p:par>
-        <p:cTn id="1" dur="indefinite" restart="never" nodeType="tmRoot"/>
-      </p:par>
-    </p:tnLst>
-  </p:timing>
 </p:sld>
 </file>
 
@@ -6982,22 +7338,41 @@
           <a:lstStyle/>
           <a:p>
             <a:r>
-              <a:rPr lang="en-US" dirty="0" err="1" smtClean="0"/>
-              <a:t>Functionalitatile</a:t>
-            </a:r>
-            <a:r>
-              <a:rPr lang="en-US" dirty="0" smtClean="0"/>
-              <a:t> </a:t>
-            </a:r>
-            <a:r>
-              <a:rPr lang="en-US" dirty="0" err="1" smtClean="0"/>
+              <a:rPr lang="en-US" dirty="0" err="1"/>
+              <a:t>Func</a:t>
+            </a:r>
+            <a:r>
+              <a:rPr lang="ro-RO" dirty="0"/>
+              <a:t>ț</a:t>
+            </a:r>
+            <a:r>
+              <a:rPr lang="en-US" dirty="0" err="1"/>
+              <a:t>ionalit</a:t>
+            </a:r>
+            <a:r>
+              <a:rPr lang="ro-RO" dirty="0"/>
+              <a:t>ăț</a:t>
+            </a:r>
+            <a:r>
+              <a:rPr lang="en-US" dirty="0" err="1"/>
+              <a:t>ile</a:t>
+            </a:r>
+            <a:r>
+              <a:rPr lang="en-US" dirty="0"/>
+              <a:t> </a:t>
+            </a:r>
+            <a:r>
+              <a:rPr lang="en-US" dirty="0" err="1"/>
               <a:t>sistemului</a:t>
             </a:r>
             <a:r>
-              <a:rPr lang="en-US" dirty="0" smtClean="0"/>
+              <a:rPr lang="ro-RO" dirty="0"/>
+              <a:t> </a:t>
+            </a:r>
+            <a:r>
+              <a:rPr lang="en-US" dirty="0"/>
               <a:t>(cont.)</a:t>
             </a:r>
-            <a:endParaRPr lang="en-US" dirty="0"/>
           </a:p>
         </p:txBody>
       </p:sp>
@@ -7154,300 +7529,358 @@
               <a:t> </a:t>
             </a:r>
             <a:r>
-              <a:rPr lang="en-US" dirty="0" err="1" smtClean="0"/>
-              <a:t>intr</a:t>
-            </a:r>
-            <a:r>
-              <a:rPr lang="en-US" dirty="0" smtClean="0"/>
-              <a:t>-o </a:t>
-            </a:r>
-            <a:r>
-              <a:rPr lang="en-US" dirty="0" err="1" smtClean="0"/>
+              <a:rPr lang="ro-RO" dirty="0"/>
+              <a:t>î</a:t>
+            </a:r>
+            <a:r>
+              <a:rPr lang="en-US" dirty="0" err="1"/>
+              <a:t>ntr</a:t>
+            </a:r>
+            <a:r>
+              <a:rPr lang="en-US" dirty="0"/>
+              <a:t>-o list</a:t>
+            </a:r>
+            <a:r>
+              <a:rPr lang="ro-RO" dirty="0"/>
+              <a:t>ă</a:t>
+            </a:r>
+            <a:r>
+              <a:rPr lang="en-US" dirty="0"/>
+              <a:t> care </a:t>
+            </a:r>
+            <a:r>
+              <a:rPr lang="en-US" dirty="0" err="1"/>
+              <a:t>va</a:t>
+            </a:r>
+            <a:r>
+              <a:rPr lang="en-US" dirty="0"/>
+              <a:t> </a:t>
+            </a:r>
+            <a:r>
+              <a:rPr lang="en-US" dirty="0" err="1"/>
+              <a:t>cuprinde</a:t>
+            </a:r>
+            <a:r>
+              <a:rPr lang="en-US" dirty="0"/>
+              <a:t> c</a:t>
+            </a:r>
+            <a:r>
+              <a:rPr lang="ro-RO" dirty="0"/>
+              <a:t>â</a:t>
+            </a:r>
+            <a:r>
+              <a:rPr lang="en-US" dirty="0" err="1"/>
+              <a:t>teva</a:t>
+            </a:r>
+            <a:r>
+              <a:rPr lang="en-US" dirty="0"/>
+              <a:t> </a:t>
+            </a:r>
+            <a:r>
+              <a:rPr lang="en-US" dirty="0" err="1"/>
+              <a:t>informa</a:t>
+            </a:r>
+            <a:r>
+              <a:rPr lang="ro-RO" dirty="0"/>
+              <a:t>ț</a:t>
+            </a:r>
+            <a:r>
+              <a:rPr lang="en-US" dirty="0"/>
+              <a:t>ii </a:t>
+            </a:r>
+            <a:r>
+              <a:rPr lang="en-US" dirty="0" err="1"/>
+              <a:t>esen</a:t>
+            </a:r>
+            <a:r>
+              <a:rPr lang="ro-RO" dirty="0"/>
+              <a:t>ț</a:t>
+            </a:r>
+            <a:r>
+              <a:rPr lang="en-US" dirty="0" err="1"/>
+              <a:t>iale</a:t>
+            </a:r>
+            <a:r>
+              <a:rPr lang="en-US" dirty="0"/>
+              <a:t> </a:t>
+            </a:r>
+            <a:r>
+              <a:rPr lang="ro-RO" dirty="0"/>
+              <a:t>ș</a:t>
+            </a:r>
+            <a:r>
+              <a:rPr lang="en-US" dirty="0" err="1"/>
+              <a:t>i</a:t>
+            </a:r>
+            <a:r>
+              <a:rPr lang="en-US" dirty="0"/>
+              <a:t> </a:t>
+            </a:r>
+            <a:r>
+              <a:rPr lang="en-US" dirty="0" err="1"/>
+              <a:t>definitorii</a:t>
+            </a:r>
+            <a:r>
+              <a:rPr lang="ro-RO" dirty="0"/>
+              <a:t> </a:t>
+            </a:r>
+            <a:r>
+              <a:rPr lang="en-US" dirty="0"/>
+              <a:t>(</a:t>
+            </a:r>
+            <a:r>
+              <a:rPr lang="en-US" dirty="0" err="1"/>
+              <a:t>titlu</a:t>
+            </a:r>
+            <a:r>
+              <a:rPr lang="en-US" dirty="0"/>
+              <a:t>, </a:t>
+            </a:r>
+            <a:r>
+              <a:rPr lang="en-US" dirty="0" err="1"/>
+              <a:t>poz</a:t>
+            </a:r>
+            <a:r>
+              <a:rPr lang="ro-RO" dirty="0"/>
+              <a:t>ă</a:t>
+            </a:r>
+            <a:r>
+              <a:rPr lang="en-US" dirty="0"/>
+              <a:t>, </a:t>
+            </a:r>
+            <a:r>
+              <a:rPr lang="en-US" dirty="0" err="1"/>
+              <a:t>loca</a:t>
+            </a:r>
+            <a:r>
+              <a:rPr lang="ro-RO" dirty="0"/>
+              <a:t>ț</a:t>
+            </a:r>
+            <a:r>
+              <a:rPr lang="en-US" dirty="0" err="1"/>
+              <a:t>ie</a:t>
+            </a:r>
+            <a:r>
+              <a:rPr lang="en-US" dirty="0"/>
+              <a:t>, pre</a:t>
+            </a:r>
+            <a:r>
+              <a:rPr lang="ro-RO" dirty="0"/>
+              <a:t>ț</a:t>
+            </a:r>
+            <a:r>
+              <a:rPr lang="en-US" dirty="0"/>
+              <a:t>, num</a:t>
+            </a:r>
+            <a:r>
+              <a:rPr lang="ro-RO" dirty="0"/>
+              <a:t>ă</a:t>
+            </a:r>
+            <a:r>
+              <a:rPr lang="en-US" dirty="0"/>
+              <a:t>r </a:t>
+            </a:r>
+            <a:r>
+              <a:rPr lang="en-US" dirty="0" err="1"/>
+              <a:t>camere</a:t>
+            </a:r>
+            <a:r>
+              <a:rPr lang="en-US" dirty="0"/>
+              <a:t>, </a:t>
+            </a:r>
+            <a:r>
+              <a:rPr lang="en-US" dirty="0" err="1"/>
+              <a:t>dimensiune</a:t>
+            </a:r>
+            <a:r>
+              <a:rPr lang="en-US" dirty="0"/>
+              <a:t> </a:t>
+            </a:r>
+            <a:r>
+              <a:rPr lang="en-US" dirty="0" err="1"/>
+              <a:t>imobil</a:t>
+            </a:r>
+            <a:r>
+              <a:rPr lang="en-US" dirty="0"/>
+              <a:t>)</a:t>
+            </a:r>
+          </a:p>
+          <a:p>
+            <a:pPr lvl="1"/>
+            <a:r>
+              <a:rPr lang="en-US" dirty="0" err="1"/>
+              <a:t>Pentru</a:t>
+            </a:r>
+            <a:r>
+              <a:rPr lang="en-US" dirty="0"/>
+              <a:t> </a:t>
+            </a:r>
+            <a:r>
+              <a:rPr lang="en-US" dirty="0" err="1"/>
+              <a:t>vizualizarea</a:t>
+            </a:r>
+            <a:r>
+              <a:rPr lang="en-US" dirty="0"/>
+              <a:t> </a:t>
+            </a:r>
+            <a:r>
+              <a:rPr lang="en-US" dirty="0" err="1"/>
+              <a:t>detaliilor</a:t>
+            </a:r>
+            <a:r>
+              <a:rPr lang="en-US" dirty="0"/>
+              <a:t> </a:t>
+            </a:r>
+            <a:r>
+              <a:rPr lang="en-US" dirty="0" err="1"/>
+              <a:t>trebuie</a:t>
+            </a:r>
+            <a:r>
+              <a:rPr lang="en-US" dirty="0"/>
+              <a:t> </a:t>
+            </a:r>
+            <a:r>
+              <a:rPr lang="en-US" dirty="0" err="1"/>
+              <a:t>accesat</a:t>
+            </a:r>
+            <a:r>
+              <a:rPr lang="en-US" dirty="0"/>
+              <a:t> </a:t>
+            </a:r>
+            <a:r>
+              <a:rPr lang="en-US" dirty="0" err="1"/>
+              <a:t>anunțul</a:t>
+            </a:r>
+            <a:r>
+              <a:rPr lang="en-US" dirty="0"/>
+              <a:t> </a:t>
+            </a:r>
+            <a:r>
+              <a:rPr lang="en-US" dirty="0" err="1"/>
+              <a:t>dorit</a:t>
+            </a:r>
+            <a:r>
+              <a:rPr lang="en-US" dirty="0"/>
+              <a:t>.</a:t>
+            </a:r>
+          </a:p>
+          <a:p>
+            <a:pPr lvl="1"/>
+            <a:r>
+              <a:rPr lang="en-US" dirty="0"/>
+              <a:t>Se pot </a:t>
+            </a:r>
+            <a:r>
+              <a:rPr lang="en-US" dirty="0" err="1"/>
+              <a:t>aplica</a:t>
+            </a:r>
+            <a:r>
+              <a:rPr lang="en-US" dirty="0"/>
+              <a:t> diverse </a:t>
+            </a:r>
+            <a:r>
+              <a:rPr lang="en-US" dirty="0" err="1"/>
+              <a:t>filtre</a:t>
+            </a:r>
+            <a:r>
+              <a:rPr lang="en-US" dirty="0"/>
+              <a:t> </a:t>
+            </a:r>
+            <a:r>
+              <a:rPr lang="en-US" dirty="0" err="1"/>
+              <a:t>pentru</a:t>
+            </a:r>
+            <a:r>
+              <a:rPr lang="en-US" dirty="0"/>
+              <a:t> a </a:t>
+            </a:r>
+            <a:r>
+              <a:rPr lang="en-US" dirty="0" err="1"/>
+              <a:t>ușura</a:t>
+            </a:r>
+            <a:r>
+              <a:rPr lang="en-US" dirty="0"/>
+              <a:t> </a:t>
+            </a:r>
+            <a:r>
+              <a:rPr lang="en-US" dirty="0" err="1"/>
+              <a:t>căutarea</a:t>
+            </a:r>
+            <a:r>
+              <a:rPr lang="en-US" dirty="0"/>
+              <a:t>.</a:t>
+            </a:r>
+          </a:p>
+          <a:p>
+            <a:pPr lvl="1"/>
+            <a:r>
+              <a:rPr lang="en-US" dirty="0" err="1"/>
+              <a:t>Posibilitatea</a:t>
+            </a:r>
+            <a:r>
+              <a:rPr lang="en-US" dirty="0"/>
+              <a:t> de a </a:t>
+            </a:r>
+            <a:r>
+              <a:rPr lang="en-US" dirty="0" err="1"/>
+              <a:t>salva</a:t>
+            </a:r>
+            <a:r>
+              <a:rPr lang="en-US" dirty="0"/>
+              <a:t> un </a:t>
+            </a:r>
+            <a:r>
+              <a:rPr lang="en-US" dirty="0" err="1"/>
+              <a:t>anun</a:t>
+            </a:r>
+            <a:r>
+              <a:rPr lang="ro-RO" dirty="0"/>
+              <a:t>ț</a:t>
+            </a:r>
+            <a:r>
+              <a:rPr lang="en-US" dirty="0"/>
+              <a:t> </a:t>
+            </a:r>
+            <a:r>
+              <a:rPr lang="ro-RO" dirty="0"/>
+              <a:t>î</a:t>
+            </a:r>
+            <a:r>
+              <a:rPr lang="en-US" dirty="0"/>
+              <a:t>n </a:t>
+            </a:r>
+            <a:r>
+              <a:rPr lang="en-US" dirty="0" err="1"/>
               <a:t>lista</a:t>
             </a:r>
             <a:r>
-              <a:rPr lang="en-US" dirty="0" smtClean="0"/>
-              <a:t> care </a:t>
-            </a:r>
-            <a:r>
-              <a:rPr lang="en-US" dirty="0" err="1" smtClean="0"/>
-              <a:t>va</a:t>
-            </a:r>
-            <a:r>
-              <a:rPr lang="en-US" dirty="0" smtClean="0"/>
-              <a:t> </a:t>
-            </a:r>
-            <a:r>
-              <a:rPr lang="en-US" dirty="0" err="1" smtClean="0"/>
-              <a:t>cuprinde</a:t>
-            </a:r>
-            <a:r>
-              <a:rPr lang="en-US" dirty="0" smtClean="0"/>
-              <a:t> </a:t>
-            </a:r>
-            <a:r>
-              <a:rPr lang="en-US" dirty="0" err="1" smtClean="0"/>
-              <a:t>cateva</a:t>
-            </a:r>
-            <a:r>
-              <a:rPr lang="en-US" dirty="0" smtClean="0"/>
-              <a:t> </a:t>
-            </a:r>
-            <a:r>
-              <a:rPr lang="en-US" dirty="0" err="1" smtClean="0"/>
-              <a:t>informatii</a:t>
-            </a:r>
-            <a:r>
-              <a:rPr lang="en-US" dirty="0" smtClean="0"/>
-              <a:t> </a:t>
-            </a:r>
-            <a:r>
-              <a:rPr lang="en-US" dirty="0" err="1" smtClean="0"/>
-              <a:t>esentiale</a:t>
-            </a:r>
-            <a:r>
-              <a:rPr lang="en-US" dirty="0" smtClean="0"/>
-              <a:t> </a:t>
-            </a:r>
-            <a:r>
-              <a:rPr lang="en-US" dirty="0" err="1" smtClean="0"/>
-              <a:t>si</a:t>
-            </a:r>
-            <a:r>
-              <a:rPr lang="en-US" dirty="0" smtClean="0"/>
-              <a:t> </a:t>
-            </a:r>
-            <a:r>
-              <a:rPr lang="en-US" dirty="0" err="1" smtClean="0"/>
-              <a:t>definitorii</a:t>
-            </a:r>
-            <a:r>
-              <a:rPr lang="en-US" dirty="0" smtClean="0"/>
+              <a:rPr lang="en-US" dirty="0"/>
+              <a:t> de favorite</a:t>
+            </a:r>
+            <a:r>
+              <a:rPr lang="ro-RO" dirty="0"/>
+              <a:t> </a:t>
+            </a:r>
+            <a:r>
+              <a:rPr lang="en-US" dirty="0"/>
               <a:t>(</a:t>
             </a:r>
             <a:r>
-              <a:rPr lang="en-US" dirty="0" err="1" smtClean="0"/>
-              <a:t>titlu</a:t>
-            </a:r>
-            <a:r>
-              <a:rPr lang="en-US" dirty="0" smtClean="0"/>
-              <a:t>, </a:t>
-            </a:r>
-            <a:r>
-              <a:rPr lang="en-US" dirty="0" err="1" smtClean="0"/>
-              <a:t>poza</a:t>
-            </a:r>
-            <a:r>
-              <a:rPr lang="en-US" dirty="0" smtClean="0"/>
-              <a:t>, </a:t>
-            </a:r>
-            <a:r>
-              <a:rPr lang="en-US" dirty="0" err="1" smtClean="0"/>
-              <a:t>locatie</a:t>
-            </a:r>
-            <a:r>
-              <a:rPr lang="en-US" dirty="0" smtClean="0"/>
-              <a:t>, </a:t>
-            </a:r>
-            <a:r>
-              <a:rPr lang="en-US" dirty="0" err="1" smtClean="0"/>
-              <a:t>pret</a:t>
-            </a:r>
-            <a:r>
-              <a:rPr lang="en-US" dirty="0" smtClean="0"/>
-              <a:t>, </a:t>
-            </a:r>
-            <a:r>
-              <a:rPr lang="en-US" dirty="0" err="1" smtClean="0"/>
-              <a:t>numar</a:t>
-            </a:r>
-            <a:r>
-              <a:rPr lang="en-US" dirty="0" smtClean="0"/>
-              <a:t> </a:t>
-            </a:r>
-            <a:r>
-              <a:rPr lang="en-US" dirty="0" err="1" smtClean="0"/>
-              <a:t>camere</a:t>
-            </a:r>
-            <a:r>
-              <a:rPr lang="en-US" dirty="0" smtClean="0"/>
-              <a:t>, </a:t>
-            </a:r>
-            <a:r>
-              <a:rPr lang="en-US" dirty="0" err="1" smtClean="0"/>
-              <a:t>dimensiune</a:t>
-            </a:r>
-            <a:r>
-              <a:rPr lang="en-US" dirty="0" smtClean="0"/>
-              <a:t> </a:t>
-            </a:r>
-            <a:r>
-              <a:rPr lang="en-US" dirty="0" err="1" smtClean="0"/>
-              <a:t>imobil</a:t>
-            </a:r>
-            <a:r>
-              <a:rPr lang="en-US" dirty="0" smtClean="0"/>
-              <a:t>)</a:t>
-            </a:r>
-            <a:endParaRPr lang="en-US" dirty="0"/>
-          </a:p>
-          <a:p>
-            <a:pPr lvl="1"/>
-            <a:r>
-              <a:rPr lang="en-US" dirty="0" err="1"/>
-              <a:t>Pentru</a:t>
-            </a:r>
-            <a:r>
-              <a:rPr lang="en-US" dirty="0"/>
-              <a:t> </a:t>
-            </a:r>
-            <a:r>
-              <a:rPr lang="en-US" dirty="0" err="1" smtClean="0"/>
-              <a:t>vizualizarea</a:t>
-            </a:r>
-            <a:r>
-              <a:rPr lang="en-US" dirty="0" smtClean="0"/>
-              <a:t> </a:t>
-            </a:r>
-            <a:r>
-              <a:rPr lang="en-US" dirty="0" err="1"/>
-              <a:t>detaliilor</a:t>
-            </a:r>
-            <a:r>
-              <a:rPr lang="en-US" dirty="0"/>
-              <a:t> </a:t>
-            </a:r>
-            <a:r>
-              <a:rPr lang="en-US" dirty="0" err="1"/>
-              <a:t>trebuie</a:t>
-            </a:r>
-            <a:r>
-              <a:rPr lang="en-US" dirty="0"/>
-              <a:t> </a:t>
-            </a:r>
-            <a:r>
-              <a:rPr lang="en-US" dirty="0" err="1"/>
-              <a:t>accesat</a:t>
-            </a:r>
-            <a:r>
-              <a:rPr lang="en-US" dirty="0"/>
-              <a:t> </a:t>
-            </a:r>
-            <a:r>
-              <a:rPr lang="en-US" dirty="0" err="1"/>
-              <a:t>anunțul</a:t>
-            </a:r>
-            <a:r>
-              <a:rPr lang="en-US" dirty="0"/>
-              <a:t> </a:t>
-            </a:r>
-            <a:r>
-              <a:rPr lang="en-US" dirty="0" err="1" smtClean="0"/>
-              <a:t>dorit</a:t>
-            </a:r>
-            <a:r>
-              <a:rPr lang="en-US" dirty="0"/>
-              <a:t>.</a:t>
-            </a:r>
-          </a:p>
-          <a:p>
-            <a:pPr lvl="1"/>
-            <a:r>
-              <a:rPr lang="en-US" dirty="0"/>
-              <a:t>Se pot </a:t>
-            </a:r>
-            <a:r>
-              <a:rPr lang="en-US" dirty="0" err="1"/>
-              <a:t>aplica</a:t>
-            </a:r>
-            <a:r>
-              <a:rPr lang="en-US" dirty="0"/>
-              <a:t> diverse </a:t>
-            </a:r>
-            <a:r>
-              <a:rPr lang="en-US" dirty="0" err="1"/>
-              <a:t>filtre</a:t>
-            </a:r>
-            <a:r>
-              <a:rPr lang="en-US" dirty="0"/>
-              <a:t> </a:t>
-            </a:r>
-            <a:r>
-              <a:rPr lang="en-US" dirty="0" err="1"/>
-              <a:t>pentru</a:t>
-            </a:r>
-            <a:r>
-              <a:rPr lang="en-US" dirty="0"/>
-              <a:t> a </a:t>
-            </a:r>
-            <a:r>
-              <a:rPr lang="en-US" dirty="0" err="1"/>
-              <a:t>ușura</a:t>
-            </a:r>
-            <a:r>
-              <a:rPr lang="en-US" dirty="0"/>
-              <a:t> </a:t>
-            </a:r>
-            <a:r>
-              <a:rPr lang="en-US" dirty="0" err="1"/>
-              <a:t>căutarea</a:t>
-            </a:r>
-            <a:r>
-              <a:rPr lang="en-US" dirty="0" smtClean="0"/>
-              <a:t>.</a:t>
-            </a:r>
-          </a:p>
-          <a:p>
-            <a:pPr lvl="1"/>
-            <a:r>
-              <a:rPr lang="en-US" dirty="0" err="1" smtClean="0"/>
-              <a:t>Posibilitatea</a:t>
-            </a:r>
-            <a:r>
-              <a:rPr lang="en-US" dirty="0" smtClean="0"/>
-              <a:t> de a </a:t>
-            </a:r>
-            <a:r>
-              <a:rPr lang="en-US" dirty="0" err="1" smtClean="0"/>
-              <a:t>salva</a:t>
-            </a:r>
-            <a:r>
-              <a:rPr lang="en-US" dirty="0" smtClean="0"/>
-              <a:t> un </a:t>
-            </a:r>
-            <a:r>
-              <a:rPr lang="en-US" dirty="0" err="1" smtClean="0"/>
-              <a:t>anunt</a:t>
-            </a:r>
-            <a:r>
-              <a:rPr lang="en-US" dirty="0" smtClean="0"/>
-              <a:t> in </a:t>
-            </a:r>
-            <a:r>
-              <a:rPr lang="en-US" dirty="0" err="1" smtClean="0"/>
-              <a:t>lista</a:t>
-            </a:r>
-            <a:r>
-              <a:rPr lang="en-US" dirty="0" smtClean="0"/>
-              <a:t> de favorite(</a:t>
-            </a:r>
-            <a:r>
-              <a:rPr lang="en-US" dirty="0" err="1" smtClean="0"/>
+              <a:rPr lang="en-US" dirty="0" err="1"/>
               <a:t>necesita</a:t>
             </a:r>
             <a:r>
-              <a:rPr lang="en-US" dirty="0" smtClean="0"/>
-              <a:t> </a:t>
-            </a:r>
-            <a:r>
-              <a:rPr lang="en-US" dirty="0" err="1" smtClean="0"/>
+              <a:rPr lang="en-US" dirty="0"/>
+              <a:t> </a:t>
+            </a:r>
+            <a:r>
+              <a:rPr lang="en-US" dirty="0" err="1"/>
               <a:t>cont</a:t>
             </a:r>
             <a:r>
-              <a:rPr lang="en-US" dirty="0" smtClean="0"/>
+              <a:rPr lang="en-US" dirty="0"/>
               <a:t>).</a:t>
             </a:r>
-            <a:endParaRPr lang="en-US" dirty="0"/>
           </a:p>
           <a:p>
             <a:endParaRPr lang="en-US" dirty="0"/>
@@ -7464,13 +7897,6 @@
   <p:clrMapOvr>
     <a:masterClrMapping/>
   </p:clrMapOvr>
-  <p:timing>
-    <p:tnLst>
-      <p:par>
-        <p:cTn id="1" dur="indefinite" restart="never" nodeType="tmRoot"/>
-      </p:par>
-    </p:tnLst>
-  </p:timing>
 </p:sld>
 </file>
 
@@ -7507,40 +7933,44 @@
           <a:lstStyle/>
           <a:p>
             <a:r>
-              <a:rPr lang="en-US" dirty="0" err="1" smtClean="0"/>
+              <a:rPr lang="en-US" dirty="0" err="1"/>
               <a:t>Prototip</a:t>
             </a:r>
             <a:r>
-              <a:rPr lang="en-US" dirty="0" smtClean="0"/>
-              <a:t> </a:t>
-            </a:r>
-            <a:r>
-              <a:rPr lang="en-US" dirty="0" err="1" smtClean="0"/>
+              <a:rPr lang="en-US" dirty="0"/>
+              <a:t> </a:t>
+            </a:r>
+            <a:r>
+              <a:rPr lang="en-US" dirty="0" err="1"/>
               <a:t>pentru</a:t>
             </a:r>
             <a:r>
-              <a:rPr lang="en-US" dirty="0" smtClean="0"/>
-              <a:t> </a:t>
-            </a:r>
-            <a:r>
-              <a:rPr lang="en-US" dirty="0" err="1" smtClean="0"/>
+              <a:rPr lang="en-US" dirty="0"/>
+              <a:t> </a:t>
+            </a:r>
+            <a:r>
+              <a:rPr lang="en-US" dirty="0" err="1"/>
               <a:t>crearea</a:t>
             </a:r>
             <a:r>
-              <a:rPr lang="en-US" dirty="0" smtClean="0"/>
-              <a:t> </a:t>
-            </a:r>
-            <a:r>
-              <a:rPr lang="en-US" dirty="0" err="1" smtClean="0"/>
+              <a:rPr lang="en-US" dirty="0"/>
+              <a:t> </a:t>
+            </a:r>
+            <a:r>
+              <a:rPr lang="en-US" dirty="0" err="1"/>
               <a:t>unui</a:t>
             </a:r>
             <a:r>
-              <a:rPr lang="en-US" dirty="0" smtClean="0"/>
-              <a:t> </a:t>
-            </a:r>
-            <a:r>
-              <a:rPr lang="en-US" dirty="0" err="1" smtClean="0"/>
-              <a:t>anunt</a:t>
+              <a:rPr lang="en-US" dirty="0"/>
+              <a:t> </a:t>
+            </a:r>
+            <a:r>
+              <a:rPr lang="en-US" dirty="0" err="1"/>
+              <a:t>anun</a:t>
+            </a:r>
+            <a:r>
+              <a:rPr lang="ro-RO" dirty="0"/>
+              <a:t>ț</a:t>
             </a:r>
             <a:endParaRPr lang="en-US" dirty="0"/>
           </a:p>
@@ -7565,10 +7995,9 @@
               <a:buNone/>
             </a:pPr>
             <a:r>
-              <a:rPr lang="en-US" dirty="0" smtClean="0"/>
-              <a:t> </a:t>
-            </a:r>
-            <a:endParaRPr lang="en-US" dirty="0"/>
+              <a:rPr lang="en-US" dirty="0"/>
+              <a:t> </a:t>
+            </a:r>
           </a:p>
         </p:txBody>
       </p:sp>
@@ -7623,13 +8052,6 @@
   <p:clrMapOvr>
     <a:masterClrMapping/>
   </p:clrMapOvr>
-  <p:timing>
-    <p:tnLst>
-      <p:par>
-        <p:cTn id="1" dur="indefinite" restart="never" nodeType="tmRoot"/>
-      </p:par>
-    </p:tnLst>
-  </p:timing>
 </p:sld>
 </file>
 
@@ -7666,40 +8088,44 @@
           <a:lstStyle/>
           <a:p>
             <a:r>
-              <a:rPr lang="en-US" dirty="0" err="1" smtClean="0"/>
+              <a:rPr lang="en-US" dirty="0" err="1"/>
               <a:t>Prototip</a:t>
             </a:r>
             <a:r>
-              <a:rPr lang="en-US" dirty="0" smtClean="0"/>
-              <a:t> </a:t>
-            </a:r>
-            <a:r>
-              <a:rPr lang="en-US" dirty="0" err="1" smtClean="0"/>
+              <a:rPr lang="en-US" dirty="0"/>
+              <a:t> </a:t>
+            </a:r>
+            <a:r>
+              <a:rPr lang="en-US" dirty="0" err="1"/>
               <a:t>pentru</a:t>
             </a:r>
             <a:r>
-              <a:rPr lang="en-US" dirty="0" smtClean="0"/>
-              <a:t> </a:t>
-            </a:r>
-            <a:r>
-              <a:rPr lang="en-US" dirty="0" err="1" smtClean="0"/>
+              <a:rPr lang="en-US" dirty="0"/>
+              <a:t> </a:t>
+            </a:r>
+            <a:r>
+              <a:rPr lang="en-US" dirty="0" err="1"/>
               <a:t>filtrarea</a:t>
             </a:r>
             <a:r>
-              <a:rPr lang="en-US" dirty="0" smtClean="0"/>
-              <a:t> </a:t>
-            </a:r>
-            <a:r>
-              <a:rPr lang="en-US" dirty="0" err="1" smtClean="0"/>
+              <a:rPr lang="en-US" dirty="0"/>
+              <a:t> </a:t>
+            </a:r>
+            <a:r>
+              <a:rPr lang="en-US" dirty="0" err="1"/>
               <a:t>unui</a:t>
             </a:r>
             <a:r>
-              <a:rPr lang="en-US" dirty="0" smtClean="0"/>
-              <a:t> </a:t>
-            </a:r>
-            <a:r>
-              <a:rPr lang="en-US" dirty="0" err="1" smtClean="0"/>
-              <a:t>anunt</a:t>
+              <a:rPr lang="en-US" dirty="0"/>
+              <a:t> </a:t>
+            </a:r>
+            <a:r>
+              <a:rPr lang="en-US" dirty="0" err="1"/>
+              <a:t>anun</a:t>
+            </a:r>
+            <a:r>
+              <a:rPr lang="ro-RO" dirty="0"/>
+              <a:t>ț</a:t>
             </a:r>
             <a:endParaRPr lang="en-US" dirty="0"/>
           </a:p>
@@ -7724,10 +8150,9 @@
               <a:buNone/>
             </a:pPr>
             <a:r>
-              <a:rPr lang="en-US" dirty="0" smtClean="0"/>
+              <a:rPr lang="en-US" dirty="0"/>
               <a:t>  </a:t>
             </a:r>
-            <a:endParaRPr lang="en-US" dirty="0"/>
           </a:p>
         </p:txBody>
       </p:sp>
@@ -7741,13 +8166,6 @@
   <p:clrMapOvr>
     <a:masterClrMapping/>
   </p:clrMapOvr>
-  <p:timing>
-    <p:tnLst>
-      <p:par>
-        <p:cTn id="1" dur="indefinite" restart="never" nodeType="tmRoot"/>
-      </p:par>
-    </p:tnLst>
-  </p:timing>
 </p:sld>
 </file>
 

--- a/Prezentare Imobiliare.pptx
+++ b/Prezentare Imobiliare.pptx
@@ -321,7 +321,7 @@
             <a:fld id="{1D8BD707-D9CF-40AE-B4C6-C98DA3205C09}" type="datetimeFigureOut">
               <a:rPr lang="en-US" smtClean="0"/>
               <a:pPr/>
-              <a:t>10/03/2020</a:t>
+              <a:t>3/10/2020</a:t>
             </a:fld>
             <a:endParaRPr lang="en-US"/>
           </a:p>
@@ -521,7 +521,7 @@
             <a:fld id="{1D8BD707-D9CF-40AE-B4C6-C98DA3205C09}" type="datetimeFigureOut">
               <a:rPr lang="en-US" smtClean="0"/>
               <a:pPr/>
-              <a:t>10/03/2020</a:t>
+              <a:t>3/10/2020</a:t>
             </a:fld>
             <a:endParaRPr lang="en-US"/>
           </a:p>
@@ -698,7 +698,7 @@
             <a:fld id="{1D8BD707-D9CF-40AE-B4C6-C98DA3205C09}" type="datetimeFigureOut">
               <a:rPr lang="en-US" smtClean="0"/>
               <a:pPr/>
-              <a:t>10/03/2020</a:t>
+              <a:t>3/10/2020</a:t>
             </a:fld>
             <a:endParaRPr lang="en-US"/>
           </a:p>
@@ -863,7 +863,7 @@
             <a:fld id="{1D8BD707-D9CF-40AE-B4C6-C98DA3205C09}" type="datetimeFigureOut">
               <a:rPr lang="en-US" smtClean="0"/>
               <a:pPr/>
-              <a:t>10/03/2020</a:t>
+              <a:t>3/10/2020</a:t>
             </a:fld>
             <a:endParaRPr lang="en-US"/>
           </a:p>
@@ -1113,7 +1113,7 @@
             <a:fld id="{1D8BD707-D9CF-40AE-B4C6-C98DA3205C09}" type="datetimeFigureOut">
               <a:rPr lang="en-US" smtClean="0"/>
               <a:pPr/>
-              <a:t>10/03/2020</a:t>
+              <a:t>3/10/2020</a:t>
             </a:fld>
             <a:endParaRPr lang="en-US"/>
           </a:p>
@@ -1432,7 +1432,7 @@
             <a:fld id="{1D8BD707-D9CF-40AE-B4C6-C98DA3205C09}" type="datetimeFigureOut">
               <a:rPr lang="en-US" smtClean="0"/>
               <a:pPr/>
-              <a:t>10/03/2020</a:t>
+              <a:t>3/10/2020</a:t>
             </a:fld>
             <a:endParaRPr lang="en-US"/>
           </a:p>
@@ -1900,7 +1900,7 @@
             <a:fld id="{1D8BD707-D9CF-40AE-B4C6-C98DA3205C09}" type="datetimeFigureOut">
               <a:rPr lang="en-US" smtClean="0"/>
               <a:pPr/>
-              <a:t>10/03/2020</a:t>
+              <a:t>3/10/2020</a:t>
             </a:fld>
             <a:endParaRPr lang="en-US"/>
           </a:p>
@@ -2049,7 +2049,7 @@
             <a:fld id="{1D8BD707-D9CF-40AE-B4C6-C98DA3205C09}" type="datetimeFigureOut">
               <a:rPr lang="en-US" smtClean="0"/>
               <a:pPr/>
-              <a:t>10/03/2020</a:t>
+              <a:t>3/10/2020</a:t>
             </a:fld>
             <a:endParaRPr lang="en-US"/>
           </a:p>
@@ -2141,7 +2141,7 @@
             <a:fld id="{1D8BD707-D9CF-40AE-B4C6-C98DA3205C09}" type="datetimeFigureOut">
               <a:rPr lang="en-US" smtClean="0"/>
               <a:pPr/>
-              <a:t>10/03/2020</a:t>
+              <a:t>3/10/2020</a:t>
             </a:fld>
             <a:endParaRPr lang="en-US"/>
           </a:p>
@@ -2417,7 +2417,7 @@
             <a:fld id="{1D8BD707-D9CF-40AE-B4C6-C98DA3205C09}" type="datetimeFigureOut">
               <a:rPr lang="en-US" smtClean="0"/>
               <a:pPr/>
-              <a:t>10/03/2020</a:t>
+              <a:t>3/10/2020</a:t>
             </a:fld>
             <a:endParaRPr lang="en-US"/>
           </a:p>
@@ -2724,7 +2724,7 @@
             <a:fld id="{1D8BD707-D9CF-40AE-B4C6-C98DA3205C09}" type="datetimeFigureOut">
               <a:rPr lang="en-US" smtClean="0"/>
               <a:pPr/>
-              <a:t>10/03/2020</a:t>
+              <a:t>3/10/2020</a:t>
             </a:fld>
             <a:endParaRPr lang="en-US"/>
           </a:p>
@@ -3024,7 +3024,7 @@
             <a:fld id="{1D8BD707-D9CF-40AE-B4C6-C98DA3205C09}" type="datetimeFigureOut">
               <a:rPr lang="en-US" smtClean="0"/>
               <a:pPr/>
-              <a:t>10/03/2020</a:t>
+              <a:t>3/10/2020</a:t>
             </a:fld>
             <a:endParaRPr lang="en-US"/>
           </a:p>
@@ -3727,10 +3727,15 @@
             <p:ph type="title"/>
           </p:nvPr>
         </p:nvSpPr>
-        <p:spPr/>
+        <p:spPr>
+          <a:xfrm>
+            <a:off x="457200" y="533400"/>
+            <a:ext cx="8610600" cy="990600"/>
+          </a:xfrm>
+        </p:spPr>
         <p:txBody>
           <a:bodyPr>
-            <a:normAutofit fontScale="90000"/>
+            <a:noAutofit/>
           </a:bodyPr>
           <a:lstStyle/>
           <a:p>
@@ -3799,6 +3804,42 @@
           </a:p>
         </p:txBody>
       </p:sp>
+      <p:pic>
+        <p:nvPicPr>
+          <p:cNvPr id="7" name="Picture 6">
+            <a:extLst>
+              <a:ext uri="{FF2B5EF4-FFF2-40B4-BE49-F238E27FC236}">
+                <a16:creationId xmlns:a16="http://schemas.microsoft.com/office/drawing/2014/main" id="{39561732-349A-498E-BF29-526A3EAD054A}"/>
+              </a:ext>
+            </a:extLst>
+          </p:cNvPr>
+          <p:cNvPicPr>
+            <a:picLocks noChangeAspect="1"/>
+          </p:cNvPicPr>
+          <p:nvPr/>
+        </p:nvPicPr>
+        <p:blipFill>
+          <a:blip r:embed="rId2">
+            <a:extLst>
+              <a:ext uri="{28A0092B-C50C-407E-A947-70E740481C1C}">
+                <a14:useLocalDpi xmlns:a14="http://schemas.microsoft.com/office/drawing/2010/main" val="0"/>
+              </a:ext>
+            </a:extLst>
+          </a:blip>
+          <a:stretch>
+            <a:fillRect/>
+          </a:stretch>
+        </p:blipFill>
+        <p:spPr>
+          <a:xfrm>
+            <a:off x="947737" y="1319212"/>
+            <a:ext cx="7248525" cy="5438775"/>
+          </a:xfrm>
+          <a:prstGeom prst="rect">
+            <a:avLst/>
+          </a:prstGeom>
+        </p:spPr>
+      </p:pic>
     </p:spTree>
     <p:extLst>
       <p:ext uri="{BB962C8B-B14F-4D97-AF65-F5344CB8AC3E}">
@@ -3841,7 +3882,9 @@
         </p:nvSpPr>
         <p:spPr/>
         <p:txBody>
-          <a:bodyPr/>
+          <a:bodyPr>
+            <a:normAutofit/>
+          </a:bodyPr>
           <a:lstStyle/>
           <a:p>
             <a:r>
@@ -6352,38 +6395,41 @@
         </p:nvSpPr>
         <p:spPr/>
         <p:txBody>
-          <a:bodyPr/>
+          <a:bodyPr>
+            <a:normAutofit/>
+          </a:bodyPr>
           <a:lstStyle/>
           <a:p>
-            <a:r>
-              <a:rPr lang="en-US" dirty="0" err="1"/>
+            <a:pPr algn="ctr"/>
+            <a:r>
+              <a:rPr lang="en-US" sz="3200" dirty="0" err="1"/>
               <a:t>Func</a:t>
             </a:r>
             <a:r>
-              <a:rPr lang="ro-RO" dirty="0"/>
+              <a:rPr lang="ro-RO" sz="3200" dirty="0"/>
               <a:t>ț</a:t>
             </a:r>
             <a:r>
-              <a:rPr lang="en-US" dirty="0" err="1"/>
+              <a:rPr lang="en-US" sz="3200" dirty="0" err="1"/>
               <a:t>ionalit</a:t>
             </a:r>
             <a:r>
-              <a:rPr lang="ro-RO" dirty="0"/>
+              <a:rPr lang="ro-RO" sz="3200" dirty="0"/>
               <a:t>ăț</a:t>
             </a:r>
             <a:r>
-              <a:rPr lang="en-US" dirty="0" err="1"/>
+              <a:rPr lang="en-US" sz="3200" dirty="0" err="1"/>
               <a:t>ile</a:t>
             </a:r>
             <a:r>
-              <a:rPr lang="en-US" dirty="0"/>
-              <a:t> </a:t>
-            </a:r>
-            <a:r>
-              <a:rPr lang="en-US" dirty="0" err="1"/>
+              <a:rPr lang="en-US" sz="3200" dirty="0"/>
+              <a:t> </a:t>
+            </a:r>
+            <a:r>
+              <a:rPr lang="en-US" sz="3200" dirty="0" err="1"/>
               <a:t>sistemului</a:t>
             </a:r>
-            <a:endParaRPr lang="en-US" dirty="0"/>
+            <a:endParaRPr lang="en-US" sz="3200" dirty="0"/>
           </a:p>
         </p:txBody>
       </p:sp>
@@ -7929,7 +7975,9 @@
         </p:nvSpPr>
         <p:spPr/>
         <p:txBody>
-          <a:bodyPr/>
+          <a:bodyPr>
+            <a:normAutofit/>
+          </a:bodyPr>
           <a:lstStyle/>
           <a:p>
             <a:r>
@@ -8084,7 +8132,9 @@
         </p:nvSpPr>
         <p:spPr/>
         <p:txBody>
-          <a:bodyPr/>
+          <a:bodyPr>
+            <a:normAutofit/>
+          </a:bodyPr>
           <a:lstStyle/>
           <a:p>
             <a:r>
@@ -8156,6 +8206,42 @@
           </a:p>
         </p:txBody>
       </p:sp>
+      <p:pic>
+        <p:nvPicPr>
+          <p:cNvPr id="5" name="Picture 4">
+            <a:extLst>
+              <a:ext uri="{FF2B5EF4-FFF2-40B4-BE49-F238E27FC236}">
+                <a16:creationId xmlns:a16="http://schemas.microsoft.com/office/drawing/2014/main" id="{737EDAEF-1C92-448E-8AAA-2A8F03381F1D}"/>
+              </a:ext>
+            </a:extLst>
+          </p:cNvPr>
+          <p:cNvPicPr>
+            <a:picLocks noChangeAspect="1"/>
+          </p:cNvPicPr>
+          <p:nvPr/>
+        </p:nvPicPr>
+        <p:blipFill>
+          <a:blip r:embed="rId2">
+            <a:extLst>
+              <a:ext uri="{28A0092B-C50C-407E-A947-70E740481C1C}">
+                <a14:useLocalDpi xmlns:a14="http://schemas.microsoft.com/office/drawing/2010/main" val="0"/>
+              </a:ext>
+            </a:extLst>
+          </a:blip>
+          <a:stretch>
+            <a:fillRect/>
+          </a:stretch>
+        </p:blipFill>
+        <p:spPr>
+          <a:xfrm>
+            <a:off x="762000" y="1551495"/>
+            <a:ext cx="7248525" cy="4486275"/>
+          </a:xfrm>
+          <a:prstGeom prst="rect">
+            <a:avLst/>
+          </a:prstGeom>
+        </p:spPr>
+      </p:pic>
     </p:spTree>
     <p:extLst>
       <p:ext uri="{BB962C8B-B14F-4D97-AF65-F5344CB8AC3E}">
